--- a/4-Caffeを使った画像分類.pptx
+++ b/4-Caffeを使った画像分類.pptx
@@ -5,15 +5,24 @@
     <p:sldMasterId id="2147483660" r:id="rId1"/>
   </p:sldMasterIdLst>
   <p:notesMasterIdLst>
-    <p:notesMasterId r:id="rId8"/>
+    <p:notesMasterId r:id="rId17"/>
   </p:notesMasterIdLst>
   <p:sldIdLst>
-    <p:sldId id="257" r:id="rId2"/>
-    <p:sldId id="261" r:id="rId3"/>
-    <p:sldId id="258" r:id="rId4"/>
-    <p:sldId id="259" r:id="rId5"/>
-    <p:sldId id="260" r:id="rId6"/>
-    <p:sldId id="262" r:id="rId7"/>
+    <p:sldId id="261" r:id="rId2"/>
+    <p:sldId id="258" r:id="rId3"/>
+    <p:sldId id="259" r:id="rId4"/>
+    <p:sldId id="260" r:id="rId5"/>
+    <p:sldId id="266" r:id="rId6"/>
+    <p:sldId id="264" r:id="rId7"/>
+    <p:sldId id="257" r:id="rId8"/>
+    <p:sldId id="267" r:id="rId9"/>
+    <p:sldId id="262" r:id="rId10"/>
+    <p:sldId id="265" r:id="rId11"/>
+    <p:sldId id="268" r:id="rId12"/>
+    <p:sldId id="263" r:id="rId13"/>
+    <p:sldId id="270" r:id="rId14"/>
+    <p:sldId id="271" r:id="rId15"/>
+    <p:sldId id="269" r:id="rId16"/>
   </p:sldIdLst>
   <p:sldSz cx="9144000" cy="6858000" type="screen4x3"/>
   <p:notesSz cx="6858000" cy="9144000"/>
@@ -202,7 +211,7 @@
           <a:p>
             <a:fld id="{CACC0BD1-BAA3-6247-B548-55F621304EA2}" type="datetimeFigureOut">
               <a:rPr kumimoji="1" lang="ja-JP" altLang="en-US" smtClean="0"/>
-              <a:t>2016/11/29</a:t>
+              <a:t>2016/12/5</a:t>
             </a:fld>
             <a:endParaRPr kumimoji="1" lang="ja-JP" altLang="en-US"/>
           </a:p>
@@ -632,7 +641,7 @@
           <a:p>
             <a:fld id="{9D73DED9-4FA0-7044-9CFF-2450AC6D352B}" type="datetimeFigureOut">
               <a:rPr kumimoji="1" lang="ja-JP" altLang="en-US" smtClean="0"/>
-              <a:t>2016/11/29</a:t>
+              <a:t>2016/12/5</a:t>
             </a:fld>
             <a:endParaRPr kumimoji="1" lang="ja-JP" altLang="en-US"/>
           </a:p>
@@ -834,7 +843,7 @@
           <a:p>
             <a:fld id="{9D73DED9-4FA0-7044-9CFF-2450AC6D352B}" type="datetimeFigureOut">
               <a:rPr kumimoji="1" lang="ja-JP" altLang="en-US" smtClean="0"/>
-              <a:t>2016/11/29</a:t>
+              <a:t>2016/12/5</a:t>
             </a:fld>
             <a:endParaRPr kumimoji="1" lang="ja-JP" altLang="en-US"/>
           </a:p>
@@ -1046,7 +1055,7 @@
           <a:p>
             <a:fld id="{9D73DED9-4FA0-7044-9CFF-2450AC6D352B}" type="datetimeFigureOut">
               <a:rPr kumimoji="1" lang="ja-JP" altLang="en-US" smtClean="0"/>
-              <a:t>2016/11/29</a:t>
+              <a:t>2016/12/5</a:t>
             </a:fld>
             <a:endParaRPr kumimoji="1" lang="ja-JP" altLang="en-US"/>
           </a:p>
@@ -1248,7 +1257,7 @@
           <a:p>
             <a:fld id="{9D73DED9-4FA0-7044-9CFF-2450AC6D352B}" type="datetimeFigureOut">
               <a:rPr kumimoji="1" lang="ja-JP" altLang="en-US" smtClean="0"/>
-              <a:t>2016/11/29</a:t>
+              <a:t>2016/12/5</a:t>
             </a:fld>
             <a:endParaRPr kumimoji="1" lang="ja-JP" altLang="en-US"/>
           </a:p>
@@ -1492,7 +1501,7 @@
           <a:p>
             <a:fld id="{9D73DED9-4FA0-7044-9CFF-2450AC6D352B}" type="datetimeFigureOut">
               <a:rPr kumimoji="1" lang="ja-JP" altLang="en-US" smtClean="0"/>
-              <a:t>2016/11/29</a:t>
+              <a:t>2016/12/5</a:t>
             </a:fld>
             <a:endParaRPr kumimoji="1" lang="ja-JP" altLang="en-US"/>
           </a:p>
@@ -1788,7 +1797,7 @@
           <a:p>
             <a:fld id="{9D73DED9-4FA0-7044-9CFF-2450AC6D352B}" type="datetimeFigureOut">
               <a:rPr kumimoji="1" lang="ja-JP" altLang="en-US" smtClean="0"/>
-              <a:t>2016/11/29</a:t>
+              <a:t>2016/12/5</a:t>
             </a:fld>
             <a:endParaRPr kumimoji="1" lang="ja-JP" altLang="en-US"/>
           </a:p>
@@ -2219,7 +2228,7 @@
           <a:p>
             <a:fld id="{9D73DED9-4FA0-7044-9CFF-2450AC6D352B}" type="datetimeFigureOut">
               <a:rPr kumimoji="1" lang="ja-JP" altLang="en-US" smtClean="0"/>
-              <a:t>2016/11/29</a:t>
+              <a:t>2016/12/5</a:t>
             </a:fld>
             <a:endParaRPr kumimoji="1" lang="ja-JP" altLang="en-US"/>
           </a:p>
@@ -2337,7 +2346,7 @@
           <a:p>
             <a:fld id="{9D73DED9-4FA0-7044-9CFF-2450AC6D352B}" type="datetimeFigureOut">
               <a:rPr kumimoji="1" lang="ja-JP" altLang="en-US" smtClean="0"/>
-              <a:t>2016/11/29</a:t>
+              <a:t>2016/12/5</a:t>
             </a:fld>
             <a:endParaRPr kumimoji="1" lang="ja-JP" altLang="en-US"/>
           </a:p>
@@ -2432,7 +2441,7 @@
           <a:p>
             <a:fld id="{9D73DED9-4FA0-7044-9CFF-2450AC6D352B}" type="datetimeFigureOut">
               <a:rPr kumimoji="1" lang="ja-JP" altLang="en-US" smtClean="0"/>
-              <a:t>2016/11/29</a:t>
+              <a:t>2016/12/5</a:t>
             </a:fld>
             <a:endParaRPr kumimoji="1" lang="ja-JP" altLang="en-US"/>
           </a:p>
@@ -2741,7 +2750,7 @@
           <a:p>
             <a:fld id="{9D73DED9-4FA0-7044-9CFF-2450AC6D352B}" type="datetimeFigureOut">
               <a:rPr kumimoji="1" lang="ja-JP" altLang="en-US" smtClean="0"/>
-              <a:t>2016/11/29</a:t>
+              <a:t>2016/12/5</a:t>
             </a:fld>
             <a:endParaRPr kumimoji="1" lang="ja-JP" altLang="en-US"/>
           </a:p>
@@ -2998,7 +3007,7 @@
           <a:p>
             <a:fld id="{9D73DED9-4FA0-7044-9CFF-2450AC6D352B}" type="datetimeFigureOut">
               <a:rPr kumimoji="1" lang="ja-JP" altLang="en-US" smtClean="0"/>
-              <a:t>2016/11/29</a:t>
+              <a:t>2016/12/5</a:t>
             </a:fld>
             <a:endParaRPr kumimoji="1" lang="ja-JP" altLang="en-US"/>
           </a:p>
@@ -3243,7 +3252,7 @@
           <a:p>
             <a:fld id="{9D73DED9-4FA0-7044-9CFF-2450AC6D352B}" type="datetimeFigureOut">
               <a:rPr kumimoji="1" lang="ja-JP" altLang="en-US" smtClean="0"/>
-              <a:t>2016/11/29</a:t>
+              <a:t>2016/12/5</a:t>
             </a:fld>
             <a:endParaRPr kumimoji="1" lang="ja-JP" altLang="en-US"/>
           </a:p>
@@ -3658,266 +3667,154 @@
             <p:ph type="title"/>
           </p:nvPr>
         </p:nvSpPr>
-        <p:spPr>
-          <a:xfrm>
-            <a:off x="628649" y="568020"/>
-            <a:ext cx="7886700" cy="675725"/>
-          </a:xfrm>
-        </p:spPr>
+        <p:spPr/>
         <p:txBody>
           <a:bodyPr>
-            <a:normAutofit fontScale="90000"/>
+            <a:normAutofit/>
           </a:bodyPr>
           <a:lstStyle/>
           <a:p>
             <a:r>
-              <a:rPr kumimoji="1" lang="ja-JP" altLang="en-US" dirty="0"/>
-              <a:t>前回の続きから始めるには？</a:t>
-            </a:r>
-          </a:p>
-        </p:txBody>
-      </p:sp>
-      <p:sp>
-        <p:nvSpPr>
-          <p:cNvPr id="3" name="正方形/長方形 2"/>
-          <p:cNvSpPr/>
+              <a:rPr kumimoji="1" lang="ja-JP" altLang="en-US" sz="4000" dirty="0"/>
+              <a:t>従来の画像認識と</a:t>
+            </a:r>
+            <a:r>
+              <a:rPr kumimoji="1" lang="en-US" altLang="ja-JP" sz="4000" dirty="0"/>
+              <a:t>Deep Learning</a:t>
+            </a:r>
+            <a:endParaRPr kumimoji="1" lang="ja-JP" altLang="en-US" sz="4000" dirty="0"/>
+          </a:p>
+        </p:txBody>
+      </p:sp>
+      <p:sp>
+        <p:nvSpPr>
+          <p:cNvPr id="3" name="テキスト ボックス 2"/>
+          <p:cNvSpPr txBox="1"/>
           <p:nvPr/>
         </p:nvSpPr>
         <p:spPr>
           <a:xfrm>
-            <a:off x="628651" y="1806820"/>
-            <a:ext cx="1856936" cy="305972"/>
+            <a:off x="744582" y="1947766"/>
+            <a:ext cx="4493538" cy="830997"/>
           </a:xfrm>
           <a:prstGeom prst="rect">
             <a:avLst/>
           </a:prstGeom>
-        </p:spPr>
-        <p:style>
-          <a:lnRef idx="2">
-            <a:schemeClr val="accent6"/>
-          </a:lnRef>
-          <a:fillRef idx="1">
-            <a:schemeClr val="lt1"/>
-          </a:fillRef>
-          <a:effectRef idx="0">
-            <a:schemeClr val="accent6"/>
-          </a:effectRef>
-          <a:fontRef idx="minor">
-            <a:schemeClr val="dk1"/>
-          </a:fontRef>
-        </p:style>
-        <p:txBody>
-          <a:bodyPr rtlCol="0" anchor="ctr"/>
-          <a:lstStyle/>
-          <a:p>
-            <a:r>
-              <a:rPr lang="en-US" altLang="ja-JP" sz="1350" dirty="0"/>
-              <a:t>$ </a:t>
-            </a:r>
-            <a:r>
-              <a:rPr lang="en-US" altLang="ja-JP" sz="1350" dirty="0" err="1"/>
-              <a:t>docker</a:t>
-            </a:r>
-            <a:r>
-              <a:rPr lang="en-US" altLang="ja-JP" sz="1350" dirty="0"/>
-              <a:t> </a:t>
-            </a:r>
-            <a:r>
-              <a:rPr lang="en-US" altLang="ja-JP" sz="1350" dirty="0" err="1"/>
-              <a:t>ps</a:t>
-            </a:r>
-            <a:r>
-              <a:rPr lang="en-US" altLang="ja-JP" sz="1350" dirty="0"/>
-              <a:t> -a</a:t>
-            </a:r>
-            <a:endParaRPr lang="ja-JP" altLang="en-US" sz="1350" dirty="0"/>
+          <a:noFill/>
+        </p:spPr>
+        <p:txBody>
+          <a:bodyPr wrap="none" rtlCol="0">
+            <a:spAutoFit/>
+          </a:bodyPr>
+          <a:lstStyle/>
+          <a:p>
+            <a:r>
+              <a:rPr kumimoji="1" lang="ja-JP" altLang="en-US" sz="2400" dirty="0"/>
+              <a:t>手作業で特徴の抽出をしていた</a:t>
+            </a:r>
+            <a:endParaRPr kumimoji="1" lang="en-US" altLang="ja-JP" sz="2400" dirty="0"/>
+          </a:p>
+          <a:p>
+            <a:r>
+              <a:rPr kumimoji="1" lang="en-US" altLang="ja-JP" sz="2400" dirty="0"/>
+              <a:t>	</a:t>
+            </a:r>
+            <a:r>
+              <a:rPr kumimoji="1" lang="ja-JP" altLang="en-US" sz="2400" dirty="0"/>
+              <a:t>→職人技のような作業</a:t>
+            </a:r>
+            <a:endParaRPr kumimoji="1" lang="en-US" altLang="ja-JP" sz="2400" dirty="0"/>
           </a:p>
         </p:txBody>
       </p:sp>
       <p:pic>
         <p:nvPicPr>
-          <p:cNvPr id="5" name="図 4"/>
+          <p:cNvPr id="6" name="図 5"/>
           <p:cNvPicPr>
             <a:picLocks noChangeAspect="1"/>
           </p:cNvPicPr>
           <p:nvPr/>
         </p:nvPicPr>
         <p:blipFill>
-          <a:blip r:embed="rId2">
-            <a:extLst>
-              <a:ext uri="{28A0092B-C50C-407E-A947-70E740481C1C}">
-                <a14:useLocalDpi xmlns:a14="http://schemas.microsoft.com/office/drawing/2010/main" val="0"/>
-              </a:ext>
-            </a:extLst>
-          </a:blip>
+          <a:blip r:embed="rId2"/>
           <a:stretch>
             <a:fillRect/>
           </a:stretch>
         </p:blipFill>
         <p:spPr>
           <a:xfrm>
-            <a:off x="628650" y="2165546"/>
-            <a:ext cx="3067050" cy="304800"/>
+            <a:off x="5424302" y="1463640"/>
+            <a:ext cx="1580051" cy="1580051"/>
           </a:xfrm>
           <a:prstGeom prst="rect">
             <a:avLst/>
           </a:prstGeom>
         </p:spPr>
       </p:pic>
-      <p:sp>
-        <p:nvSpPr>
-          <p:cNvPr id="8" name="正方形/長方形 7"/>
-          <p:cNvSpPr/>
+      <p:pic>
+        <p:nvPicPr>
+          <p:cNvPr id="7" name="図 6"/>
+          <p:cNvPicPr>
+            <a:picLocks noChangeAspect="1"/>
+          </p:cNvPicPr>
           <p:nvPr/>
-        </p:nvSpPr>
-        <p:spPr>
-          <a:xfrm>
-            <a:off x="653740" y="2312485"/>
-            <a:ext cx="866450" cy="141137"/>
+        </p:nvPicPr>
+        <p:blipFill>
+          <a:blip r:embed="rId3"/>
+          <a:stretch>
+            <a:fillRect/>
+          </a:stretch>
+        </p:blipFill>
+        <p:spPr>
+          <a:xfrm>
+            <a:off x="7190535" y="1463640"/>
+            <a:ext cx="1572200" cy="1572200"/>
+          </a:xfrm>
+          <a:prstGeom prst="rect">
+            <a:avLst/>
+          </a:prstGeom>
+        </p:spPr>
+      </p:pic>
+      <p:sp>
+        <p:nvSpPr>
+          <p:cNvPr id="8" name="テキスト ボックス 7"/>
+          <p:cNvSpPr txBox="1"/>
+          <p:nvPr/>
+        </p:nvSpPr>
+        <p:spPr>
+          <a:xfrm>
+            <a:off x="5035183" y="2997524"/>
+            <a:ext cx="4108817" cy="369332"/>
           </a:xfrm>
           <a:prstGeom prst="rect">
             <a:avLst/>
           </a:prstGeom>
           <a:noFill/>
-          <a:ln>
-            <a:solidFill>
-              <a:srgbClr val="FF0000"/>
-            </a:solidFill>
-          </a:ln>
-        </p:spPr>
-        <p:style>
-          <a:lnRef idx="2">
-            <a:schemeClr val="accent1">
-              <a:shade val="50000"/>
-            </a:schemeClr>
-          </a:lnRef>
-          <a:fillRef idx="1">
-            <a:schemeClr val="accent1"/>
-          </a:fillRef>
-          <a:effectRef idx="0">
-            <a:schemeClr val="accent1"/>
-          </a:effectRef>
-          <a:fontRef idx="minor">
-            <a:schemeClr val="lt1"/>
-          </a:fontRef>
-        </p:style>
-        <p:txBody>
-          <a:bodyPr rtlCol="0" anchor="ctr"/>
-          <a:lstStyle/>
-          <a:p>
-            <a:pPr algn="ctr"/>
-            <a:endParaRPr lang="ja-JP" altLang="en-US" sz="1350"/>
-          </a:p>
-        </p:txBody>
-      </p:sp>
-      <p:sp>
-        <p:nvSpPr>
-          <p:cNvPr id="9" name="正方形/長方形 8"/>
-          <p:cNvSpPr/>
-          <p:nvPr/>
-        </p:nvSpPr>
-        <p:spPr>
-          <a:xfrm>
-            <a:off x="628651" y="2600560"/>
-            <a:ext cx="3421856" cy="305972"/>
-          </a:xfrm>
-          <a:prstGeom prst="rect">
-            <a:avLst/>
-          </a:prstGeom>
-        </p:spPr>
-        <p:style>
-          <a:lnRef idx="2">
-            <a:schemeClr val="accent6"/>
-          </a:lnRef>
-          <a:fillRef idx="1">
-            <a:schemeClr val="lt1"/>
-          </a:fillRef>
-          <a:effectRef idx="0">
-            <a:schemeClr val="accent6"/>
-          </a:effectRef>
-          <a:fontRef idx="minor">
-            <a:schemeClr val="dk1"/>
-          </a:fontRef>
-        </p:style>
-        <p:txBody>
-          <a:bodyPr rtlCol="0" anchor="ctr"/>
-          <a:lstStyle/>
-          <a:p>
-            <a:r>
-              <a:rPr lang="en-US" altLang="ja-JP" sz="1350" dirty="0"/>
-              <a:t>$ </a:t>
-            </a:r>
-            <a:r>
-              <a:rPr lang="en-US" altLang="ja-JP" sz="1350" dirty="0" err="1"/>
-              <a:t>docker</a:t>
-            </a:r>
-            <a:r>
-              <a:rPr lang="en-US" altLang="ja-JP" sz="1350" dirty="0"/>
-              <a:t> start 931de560ee3b</a:t>
-            </a:r>
-            <a:endParaRPr lang="ja-JP" altLang="en-US" sz="1350" dirty="0"/>
-          </a:p>
-        </p:txBody>
-      </p:sp>
-      <p:sp>
-        <p:nvSpPr>
-          <p:cNvPr id="10" name="正方形/長方形 9"/>
-          <p:cNvSpPr/>
-          <p:nvPr/>
-        </p:nvSpPr>
-        <p:spPr>
-          <a:xfrm>
-            <a:off x="628650" y="2958115"/>
-            <a:ext cx="3421856" cy="305972"/>
-          </a:xfrm>
-          <a:prstGeom prst="rect">
-            <a:avLst/>
-          </a:prstGeom>
-        </p:spPr>
-        <p:style>
-          <a:lnRef idx="2">
-            <a:schemeClr val="accent6"/>
-          </a:lnRef>
-          <a:fillRef idx="1">
-            <a:schemeClr val="lt1"/>
-          </a:fillRef>
-          <a:effectRef idx="0">
-            <a:schemeClr val="accent6"/>
-          </a:effectRef>
-          <a:fontRef idx="minor">
-            <a:schemeClr val="dk1"/>
-          </a:fontRef>
-        </p:style>
-        <p:txBody>
-          <a:bodyPr rtlCol="0" anchor="ctr"/>
-          <a:lstStyle/>
-          <a:p>
-            <a:r>
-              <a:rPr lang="en-US" altLang="ja-JP" sz="1350" dirty="0"/>
-              <a:t>$ </a:t>
-            </a:r>
-            <a:r>
-              <a:rPr lang="en-US" altLang="ja-JP" sz="1350" dirty="0" err="1"/>
-              <a:t>docker</a:t>
-            </a:r>
-            <a:r>
-              <a:rPr lang="en-US" altLang="ja-JP" sz="1350" dirty="0"/>
-              <a:t> attach 931de560ee3b</a:t>
-            </a:r>
-            <a:endParaRPr lang="ja-JP" altLang="en-US" sz="1350" dirty="0"/>
-          </a:p>
-        </p:txBody>
-      </p:sp>
-      <p:sp>
-        <p:nvSpPr>
-          <p:cNvPr id="11" name="テキスト ボックス 10"/>
+        </p:spPr>
+        <p:txBody>
+          <a:bodyPr wrap="none" rtlCol="0">
+            <a:spAutoFit/>
+          </a:bodyPr>
+          <a:lstStyle/>
+          <a:p>
+            <a:r>
+              <a:rPr kumimoji="1" lang="ja-JP" altLang="en-US"/>
+              <a:t>サイズは？色は？形は？艶やかさは？</a:t>
+            </a:r>
+            <a:endParaRPr kumimoji="1" lang="ja-JP" altLang="en-US" dirty="0"/>
+          </a:p>
+        </p:txBody>
+      </p:sp>
+      <p:sp>
+        <p:nvSpPr>
+          <p:cNvPr id="10" name="テキスト ボックス 9"/>
           <p:cNvSpPr txBox="1"/>
           <p:nvPr/>
         </p:nvSpPr>
         <p:spPr>
           <a:xfrm>
-            <a:off x="3600450" y="1826059"/>
-            <a:ext cx="5524269" cy="300082"/>
+            <a:off x="628650" y="4535192"/>
+            <a:ext cx="8452955" cy="461665"/>
           </a:xfrm>
           <a:prstGeom prst="rect">
             <a:avLst/>
@@ -3931,110 +3828,93 @@
           <a:lstStyle/>
           <a:p>
             <a:r>
-              <a:rPr lang="en-US" altLang="ja-JP" sz="1350" dirty="0"/>
-              <a:t>Docker</a:t>
-            </a:r>
-            <a:r>
-              <a:rPr lang="ja-JP" altLang="en-US" sz="1350" dirty="0"/>
-              <a:t>コンテナの一覧を表示</a:t>
-            </a:r>
-            <a:r>
-              <a:rPr lang="en-US" altLang="ja-JP" sz="1200" dirty="0"/>
-              <a:t>(-a</a:t>
-            </a:r>
-            <a:r>
-              <a:rPr lang="ja-JP" altLang="en-US" sz="1200" dirty="0"/>
-              <a:t>を付けることで停止中のコンテナも表示</a:t>
-            </a:r>
-            <a:r>
-              <a:rPr lang="en-US" altLang="ja-JP" sz="1200" dirty="0"/>
+              <a:rPr kumimoji="1" lang="en-US" altLang="ja-JP" sz="2400" dirty="0"/>
+              <a:t>Deep Learning</a:t>
+            </a:r>
+            <a:r>
+              <a:rPr kumimoji="1" lang="ja-JP" altLang="en-US" sz="2400" dirty="0"/>
+              <a:t>では、この特徴抽出もやってくれるのが特徴。</a:t>
+            </a:r>
+          </a:p>
+        </p:txBody>
+      </p:sp>
+    </p:spTree>
+    <p:extLst>
+      <p:ext uri="{BB962C8B-B14F-4D97-AF65-F5344CB8AC3E}">
+        <p14:creationId xmlns:p14="http://schemas.microsoft.com/office/powerpoint/2010/main" val="68554053"/>
+      </p:ext>
+    </p:extLst>
+  </p:cSld>
+  <p:clrMapOvr>
+    <a:masterClrMapping/>
+  </p:clrMapOvr>
+</p:sld>
+</file>
+
+<file path=ppt/slides/slide10.xml><?xml version="1.0" encoding="utf-8"?>
+<p:sld xmlns:a="http://schemas.openxmlformats.org/drawingml/2006/main" xmlns:r="http://schemas.openxmlformats.org/officeDocument/2006/relationships" xmlns:p="http://schemas.openxmlformats.org/presentationml/2006/main">
+  <p:cSld>
+    <p:spTree>
+      <p:nvGrpSpPr>
+        <p:cNvPr id="1" name=""/>
+        <p:cNvGrpSpPr/>
+        <p:nvPr/>
+      </p:nvGrpSpPr>
+      <p:grpSpPr>
+        <a:xfrm>
+          <a:off x="0" y="0"/>
+          <a:ext cx="0" cy="0"/>
+          <a:chOff x="0" y="0"/>
+          <a:chExt cx="0" cy="0"/>
+        </a:xfrm>
+      </p:grpSpPr>
+      <p:sp>
+        <p:nvSpPr>
+          <p:cNvPr id="2" name="タイトル 1"/>
+          <p:cNvSpPr>
+            <a:spLocks noGrp="1"/>
+          </p:cNvSpPr>
+          <p:nvPr>
+            <p:ph type="title"/>
+          </p:nvPr>
+        </p:nvSpPr>
+        <p:spPr/>
+        <p:txBody>
+          <a:bodyPr>
+            <a:normAutofit/>
+          </a:bodyPr>
+          <a:lstStyle/>
+          <a:p>
+            <a:r>
+              <a:rPr kumimoji="1" lang="ja-JP" altLang="en-US" sz="4000" dirty="0"/>
+              <a:t>学習した内容を見てみる</a:t>
+            </a:r>
+            <a:r>
+              <a:rPr kumimoji="1" lang="en-US" altLang="ja-JP" sz="4000" dirty="0"/>
+              <a:t>(</a:t>
+            </a:r>
+            <a:r>
+              <a:rPr kumimoji="1" lang="ja-JP" altLang="en-US" sz="4000" dirty="0"/>
+              <a:t>可視化</a:t>
+            </a:r>
+            <a:r>
+              <a:rPr kumimoji="1" lang="en-US" altLang="ja-JP" sz="4000" dirty="0"/>
               <a:t>)</a:t>
             </a:r>
-            <a:endParaRPr lang="ja-JP" altLang="en-US" sz="1200" dirty="0"/>
-          </a:p>
-        </p:txBody>
-      </p:sp>
-      <p:sp>
-        <p:nvSpPr>
-          <p:cNvPr id="12" name="テキスト ボックス 11"/>
-          <p:cNvSpPr txBox="1"/>
-          <p:nvPr/>
-        </p:nvSpPr>
-        <p:spPr>
-          <a:xfrm>
-            <a:off x="4176035" y="2615044"/>
-            <a:ext cx="1396536" cy="300082"/>
-          </a:xfrm>
-          <a:prstGeom prst="rect">
-            <a:avLst/>
-          </a:prstGeom>
-          <a:noFill/>
-        </p:spPr>
-        <p:txBody>
-          <a:bodyPr wrap="none" rtlCol="0">
-            <a:spAutoFit/>
-          </a:bodyPr>
-          <a:lstStyle/>
-          <a:p>
-            <a:r>
-              <a:rPr lang="ja-JP" altLang="en-US" sz="1350" dirty="0"/>
-              <a:t>コンテナの起動</a:t>
-            </a:r>
-          </a:p>
-        </p:txBody>
-      </p:sp>
-      <p:sp>
-        <p:nvSpPr>
-          <p:cNvPr id="13" name="テキスト ボックス 12"/>
-          <p:cNvSpPr txBox="1"/>
-          <p:nvPr/>
-        </p:nvSpPr>
-        <p:spPr>
-          <a:xfrm>
-            <a:off x="4176033" y="2972599"/>
-            <a:ext cx="2970685" cy="300082"/>
-          </a:xfrm>
-          <a:prstGeom prst="rect">
-            <a:avLst/>
-          </a:prstGeom>
-          <a:noFill/>
-        </p:spPr>
-        <p:txBody>
-          <a:bodyPr wrap="none" rtlCol="0">
-            <a:spAutoFit/>
-          </a:bodyPr>
-          <a:lstStyle/>
-          <a:p>
-            <a:r>
-              <a:rPr lang="ja-JP" altLang="en-US" sz="1350" dirty="0"/>
-              <a:t>コンテナにログイン</a:t>
-            </a:r>
-            <a:r>
-              <a:rPr lang="en-US" altLang="ja-JP" sz="1350" dirty="0"/>
-              <a:t>(Enter 2</a:t>
-            </a:r>
-            <a:r>
-              <a:rPr lang="ja-JP" altLang="en-US" sz="1350" dirty="0"/>
-              <a:t>回押す</a:t>
-            </a:r>
-            <a:r>
-              <a:rPr lang="en-US" altLang="ja-JP" sz="1350" dirty="0"/>
-              <a:t>)</a:t>
-            </a:r>
-            <a:endParaRPr lang="ja-JP" altLang="en-US" sz="1350" dirty="0"/>
-          </a:p>
-        </p:txBody>
-      </p:sp>
-      <p:sp>
-        <p:nvSpPr>
-          <p:cNvPr id="15" name="正方形/長方形 14"/>
+            <a:endParaRPr kumimoji="1" lang="ja-JP" altLang="en-US" sz="4000" dirty="0"/>
+          </a:p>
+        </p:txBody>
+      </p:sp>
+      <p:sp>
+        <p:nvSpPr>
+          <p:cNvPr id="8" name="正方形/長方形 7"/>
           <p:cNvSpPr/>
           <p:nvPr/>
         </p:nvSpPr>
         <p:spPr>
           <a:xfrm>
-            <a:off x="628649" y="3472431"/>
-            <a:ext cx="1709817" cy="305972"/>
+            <a:off x="628648" y="1690689"/>
+            <a:ext cx="2307983" cy="305972"/>
           </a:xfrm>
           <a:prstGeom prst="rect">
             <a:avLst/>
@@ -4060,19 +3940,7 @@
           <a:p>
             <a:r>
               <a:rPr lang="en-US" altLang="ja-JP" sz="1350" dirty="0"/>
-              <a:t>$ cd /</a:t>
-            </a:r>
-            <a:r>
-              <a:rPr lang="en-US" altLang="ja-JP" sz="1350" dirty="0" err="1"/>
-              <a:t>mnt</a:t>
-            </a:r>
-            <a:r>
-              <a:rPr lang="en-US" altLang="ja-JP" sz="1350" dirty="0"/>
-              <a:t>/</a:t>
-            </a:r>
-            <a:r>
-              <a:rPr lang="en-US" altLang="ja-JP" sz="1350" dirty="0" err="1"/>
-              <a:t>caffe</a:t>
+              <a:t>$ python visualize_layer.py</a:t>
             </a:r>
             <a:endParaRPr lang="ja-JP" altLang="en-US" sz="1350" dirty="0"/>
           </a:p>
@@ -4080,14 +3948,14 @@
       </p:sp>
       <p:sp>
         <p:nvSpPr>
-          <p:cNvPr id="16" name="テキスト ボックス 15"/>
+          <p:cNvPr id="10" name="テキスト ボックス 9"/>
           <p:cNvSpPr txBox="1"/>
           <p:nvPr/>
         </p:nvSpPr>
         <p:spPr>
           <a:xfrm>
-            <a:off x="2485587" y="3486916"/>
-            <a:ext cx="2691763" cy="300082"/>
+            <a:off x="3005618" y="1696579"/>
+            <a:ext cx="2268313" cy="300082"/>
           </a:xfrm>
           <a:prstGeom prst="rect">
             <a:avLst/>
@@ -4101,12 +3969,384 @@
           <a:lstStyle/>
           <a:p>
             <a:r>
-              <a:rPr lang="en-US" altLang="ja-JP" sz="1350" dirty="0" err="1"/>
-              <a:t>Caffe</a:t>
-            </a:r>
-            <a:r>
               <a:rPr lang="ja-JP" altLang="en-US" sz="1350" dirty="0"/>
-              <a:t>のあるディレクトリに移動</a:t>
+              <a:t>「</a:t>
+            </a:r>
+            <a:r>
+              <a:rPr lang="en-US" altLang="ja-JP" sz="1350" dirty="0"/>
+              <a:t>visualize_layer.py</a:t>
+            </a:r>
+            <a:r>
+              <a:rPr lang="ja-JP" altLang="en-US" sz="1350" dirty="0"/>
+              <a:t>」を実行</a:t>
+            </a:r>
+            <a:endParaRPr lang="ja-JP" altLang="en-US" sz="1200" dirty="0"/>
+          </a:p>
+        </p:txBody>
+      </p:sp>
+      <p:pic>
+        <p:nvPicPr>
+          <p:cNvPr id="4" name="図 3"/>
+          <p:cNvPicPr>
+            <a:picLocks noChangeAspect="1"/>
+          </p:cNvPicPr>
+          <p:nvPr/>
+        </p:nvPicPr>
+        <p:blipFill>
+          <a:blip r:embed="rId2"/>
+          <a:stretch>
+            <a:fillRect/>
+          </a:stretch>
+        </p:blipFill>
+        <p:spPr>
+          <a:xfrm>
+            <a:off x="628648" y="2429434"/>
+            <a:ext cx="1513620" cy="1506071"/>
+          </a:xfrm>
+          <a:prstGeom prst="rect">
+            <a:avLst/>
+          </a:prstGeom>
+        </p:spPr>
+      </p:pic>
+      <p:pic>
+        <p:nvPicPr>
+          <p:cNvPr id="6" name="図 5"/>
+          <p:cNvPicPr>
+            <a:picLocks noChangeAspect="1"/>
+          </p:cNvPicPr>
+          <p:nvPr/>
+        </p:nvPicPr>
+        <p:blipFill>
+          <a:blip r:embed="rId3"/>
+          <a:stretch>
+            <a:fillRect/>
+          </a:stretch>
+        </p:blipFill>
+        <p:spPr>
+          <a:xfrm>
+            <a:off x="2246976" y="2429433"/>
+            <a:ext cx="1517283" cy="1506071"/>
+          </a:xfrm>
+          <a:prstGeom prst="rect">
+            <a:avLst/>
+          </a:prstGeom>
+        </p:spPr>
+      </p:pic>
+      <p:sp>
+        <p:nvSpPr>
+          <p:cNvPr id="22" name="テキスト ボックス 21"/>
+          <p:cNvSpPr txBox="1"/>
+          <p:nvPr/>
+        </p:nvSpPr>
+        <p:spPr>
+          <a:xfrm>
+            <a:off x="3966910" y="2429433"/>
+            <a:ext cx="5017464" cy="1200329"/>
+          </a:xfrm>
+          <a:prstGeom prst="rect">
+            <a:avLst/>
+          </a:prstGeom>
+          <a:noFill/>
+        </p:spPr>
+        <p:txBody>
+          <a:bodyPr wrap="none" rtlCol="0">
+            <a:spAutoFit/>
+          </a:bodyPr>
+          <a:lstStyle/>
+          <a:p>
+            <a:r>
+              <a:rPr lang="ja-JP" altLang="en-US" sz="1200" dirty="0"/>
+              <a:t>←このように</a:t>
+            </a:r>
+            <a:r>
+              <a:rPr lang="en-US" altLang="ja-JP" sz="1200" dirty="0"/>
+              <a:t>2</a:t>
+            </a:r>
+            <a:r>
+              <a:rPr lang="ja-JP" altLang="en-US" sz="1200" dirty="0" err="1"/>
+              <a:t>つの</a:t>
+            </a:r>
+            <a:r>
+              <a:rPr lang="ja-JP" altLang="en-US" sz="1200" dirty="0"/>
+              <a:t>ファイルが生成される</a:t>
+            </a:r>
+            <a:endParaRPr lang="en-US" altLang="ja-JP" sz="1200" dirty="0"/>
+          </a:p>
+          <a:p>
+            <a:endParaRPr lang="en-US" altLang="ja-JP" sz="1200" dirty="0"/>
+          </a:p>
+          <a:p>
+            <a:r>
+              <a:rPr lang="ja-JP" altLang="en-US" sz="1200" dirty="0"/>
+              <a:t>実際に確認するには、</a:t>
+            </a:r>
+            <a:r>
+              <a:rPr lang="en-US" altLang="ja-JP" sz="1200" dirty="0"/>
+              <a:t>Mac</a:t>
+            </a:r>
+            <a:r>
+              <a:rPr lang="ja-JP" altLang="en-US" sz="1200" dirty="0"/>
+              <a:t>の</a:t>
+            </a:r>
+            <a:r>
+              <a:rPr lang="en-US" altLang="ja-JP" sz="1200" dirty="0"/>
+              <a:t>Finder</a:t>
+            </a:r>
+            <a:r>
+              <a:rPr lang="ja-JP" altLang="en-US" sz="1200" dirty="0"/>
+              <a:t>を開き、「移動」→「ホーム」</a:t>
+            </a:r>
+            <a:endParaRPr lang="en-US" altLang="ja-JP" sz="1200" dirty="0"/>
+          </a:p>
+          <a:p>
+            <a:r>
+              <a:rPr lang="ja-JP" altLang="en-US" sz="1200" dirty="0"/>
+              <a:t>と選択すると、「</a:t>
+            </a:r>
+            <a:r>
+              <a:rPr lang="en-US" altLang="ja-JP" sz="1200" dirty="0"/>
+              <a:t>Seminar2016</a:t>
+            </a:r>
+            <a:r>
+              <a:rPr lang="ja-JP" altLang="en-US" sz="1200" dirty="0"/>
+              <a:t>」というフォルダある。</a:t>
+            </a:r>
+            <a:endParaRPr lang="en-US" altLang="ja-JP" sz="1200" dirty="0"/>
+          </a:p>
+          <a:p>
+            <a:r>
+              <a:rPr lang="ja-JP" altLang="en-US" sz="1200" dirty="0"/>
+              <a:t>開くと「</a:t>
+            </a:r>
+            <a:r>
+              <a:rPr lang="en-US" altLang="ja-JP" sz="1200" dirty="0"/>
+              <a:t>visualize</a:t>
+            </a:r>
+            <a:r>
+              <a:rPr lang="ja-JP" altLang="en-US" sz="1200" dirty="0"/>
+              <a:t>」フォルダがあるので中にこのファイルが生成されて</a:t>
+            </a:r>
+            <a:endParaRPr lang="en-US" altLang="ja-JP" sz="1200" dirty="0"/>
+          </a:p>
+          <a:p>
+            <a:r>
+              <a:rPr lang="ja-JP" altLang="en-US" sz="1200" dirty="0"/>
+              <a:t>いる。</a:t>
+            </a:r>
+            <a:endParaRPr lang="en-US" altLang="ja-JP" sz="1200" dirty="0"/>
+          </a:p>
+        </p:txBody>
+      </p:sp>
+      <p:sp>
+        <p:nvSpPr>
+          <p:cNvPr id="7" name="テキスト ボックス 6"/>
+          <p:cNvSpPr txBox="1"/>
+          <p:nvPr/>
+        </p:nvSpPr>
+        <p:spPr>
+          <a:xfrm>
+            <a:off x="1899138" y="3875979"/>
+            <a:ext cx="4868640" cy="369332"/>
+          </a:xfrm>
+          <a:prstGeom prst="rect">
+            <a:avLst/>
+          </a:prstGeom>
+          <a:noFill/>
+        </p:spPr>
+        <p:txBody>
+          <a:bodyPr wrap="none" rtlCol="0">
+            <a:spAutoFit/>
+          </a:bodyPr>
+          <a:lstStyle/>
+          <a:p>
+            <a:r>
+              <a:rPr kumimoji="1" lang="ja-JP" altLang="en-US" dirty="0">
+                <a:solidFill>
+                  <a:srgbClr val="FF0000"/>
+                </a:solidFill>
+              </a:rPr>
+              <a:t>↑この場合、白い線が「</a:t>
+            </a:r>
+            <a:r>
+              <a:rPr kumimoji="1" lang="en-US" altLang="ja-JP" dirty="0">
+                <a:solidFill>
+                  <a:srgbClr val="FF0000"/>
+                </a:solidFill>
+              </a:rPr>
+              <a:t>/</a:t>
+            </a:r>
+            <a:r>
+              <a:rPr kumimoji="1" lang="ja-JP" altLang="en-US" dirty="0">
+                <a:solidFill>
+                  <a:srgbClr val="FF0000"/>
+                </a:solidFill>
+              </a:rPr>
+              <a:t>」の様な形に見える</a:t>
+            </a:r>
+          </a:p>
+        </p:txBody>
+      </p:sp>
+      <p:sp>
+        <p:nvSpPr>
+          <p:cNvPr id="15" name="楕円 14"/>
+          <p:cNvSpPr/>
+          <p:nvPr/>
+        </p:nvSpPr>
+        <p:spPr>
+          <a:xfrm>
+            <a:off x="1890346" y="2994429"/>
+            <a:ext cx="321462" cy="321462"/>
+          </a:xfrm>
+          <a:prstGeom prst="ellipse">
+            <a:avLst/>
+          </a:prstGeom>
+          <a:noFill/>
+          <a:ln w="38100">
+            <a:solidFill>
+              <a:srgbClr val="FF0000"/>
+            </a:solidFill>
+          </a:ln>
+        </p:spPr>
+        <p:style>
+          <a:lnRef idx="2">
+            <a:schemeClr val="accent2"/>
+          </a:lnRef>
+          <a:fillRef idx="1">
+            <a:schemeClr val="lt1"/>
+          </a:fillRef>
+          <a:effectRef idx="0">
+            <a:schemeClr val="accent2"/>
+          </a:effectRef>
+          <a:fontRef idx="minor">
+            <a:schemeClr val="dk1"/>
+          </a:fontRef>
+        </p:style>
+        <p:txBody>
+          <a:bodyPr rtlCol="0" anchor="ctr"/>
+          <a:lstStyle/>
+          <a:p>
+            <a:pPr algn="ctr"/>
+            <a:endParaRPr kumimoji="1" lang="ja-JP" altLang="en-US"/>
+          </a:p>
+        </p:txBody>
+      </p:sp>
+      <p:sp>
+        <p:nvSpPr>
+          <p:cNvPr id="23" name="楕円 22"/>
+          <p:cNvSpPr/>
+          <p:nvPr/>
+        </p:nvSpPr>
+        <p:spPr>
+          <a:xfrm>
+            <a:off x="938035" y="2994429"/>
+            <a:ext cx="321462" cy="321462"/>
+          </a:xfrm>
+          <a:prstGeom prst="ellipse">
+            <a:avLst/>
+          </a:prstGeom>
+          <a:noFill/>
+          <a:ln w="38100">
+            <a:solidFill>
+              <a:srgbClr val="00B0F0"/>
+            </a:solidFill>
+          </a:ln>
+        </p:spPr>
+        <p:style>
+          <a:lnRef idx="2">
+            <a:schemeClr val="accent2"/>
+          </a:lnRef>
+          <a:fillRef idx="1">
+            <a:schemeClr val="lt1"/>
+          </a:fillRef>
+          <a:effectRef idx="0">
+            <a:schemeClr val="accent2"/>
+          </a:effectRef>
+          <a:fontRef idx="minor">
+            <a:schemeClr val="dk1"/>
+          </a:fontRef>
+        </p:style>
+        <p:txBody>
+          <a:bodyPr rtlCol="0" anchor="ctr"/>
+          <a:lstStyle/>
+          <a:p>
+            <a:pPr algn="ctr"/>
+            <a:endParaRPr kumimoji="1" lang="ja-JP" altLang="en-US"/>
+          </a:p>
+        </p:txBody>
+      </p:sp>
+      <p:sp>
+        <p:nvSpPr>
+          <p:cNvPr id="24" name="楕円 23"/>
+          <p:cNvSpPr/>
+          <p:nvPr/>
+        </p:nvSpPr>
+        <p:spPr>
+          <a:xfrm>
+            <a:off x="929704" y="2349402"/>
+            <a:ext cx="321462" cy="321462"/>
+          </a:xfrm>
+          <a:prstGeom prst="ellipse">
+            <a:avLst/>
+          </a:prstGeom>
+          <a:noFill/>
+          <a:ln w="38100">
+            <a:solidFill>
+              <a:srgbClr val="00B0F0"/>
+            </a:solidFill>
+          </a:ln>
+        </p:spPr>
+        <p:style>
+          <a:lnRef idx="2">
+            <a:schemeClr val="accent2"/>
+          </a:lnRef>
+          <a:fillRef idx="1">
+            <a:schemeClr val="lt1"/>
+          </a:fillRef>
+          <a:effectRef idx="0">
+            <a:schemeClr val="accent2"/>
+          </a:effectRef>
+          <a:fontRef idx="minor">
+            <a:schemeClr val="dk1"/>
+          </a:fontRef>
+        </p:style>
+        <p:txBody>
+          <a:bodyPr rtlCol="0" anchor="ctr"/>
+          <a:lstStyle/>
+          <a:p>
+            <a:pPr algn="ctr"/>
+            <a:endParaRPr kumimoji="1" lang="ja-JP" altLang="en-US"/>
+          </a:p>
+        </p:txBody>
+      </p:sp>
+      <p:sp>
+        <p:nvSpPr>
+          <p:cNvPr id="25" name="テキスト ボックス 24"/>
+          <p:cNvSpPr txBox="1"/>
+          <p:nvPr/>
+        </p:nvSpPr>
+        <p:spPr>
+          <a:xfrm>
+            <a:off x="929704" y="4292130"/>
+            <a:ext cx="5471370" cy="369332"/>
+          </a:xfrm>
+          <a:prstGeom prst="rect">
+            <a:avLst/>
+          </a:prstGeom>
+          <a:noFill/>
+        </p:spPr>
+        <p:txBody>
+          <a:bodyPr wrap="none" rtlCol="0">
+            <a:spAutoFit/>
+          </a:bodyPr>
+          <a:lstStyle/>
+          <a:p>
+            <a:r>
+              <a:rPr kumimoji="1" lang="ja-JP" altLang="en-US" dirty="0">
+                <a:solidFill>
+                  <a:srgbClr val="00B0F0"/>
+                </a:solidFill>
+              </a:rPr>
+              <a:t>↑この場合、上部が白で下部が黒という形に見える</a:t>
             </a:r>
           </a:p>
         </p:txBody>
@@ -4114,7 +4354,2285 @@
     </p:spTree>
     <p:extLst>
       <p:ext uri="{BB962C8B-B14F-4D97-AF65-F5344CB8AC3E}">
-        <p14:creationId xmlns:p14="http://schemas.microsoft.com/office/powerpoint/2010/main" val="827423509"/>
+        <p14:creationId xmlns:p14="http://schemas.microsoft.com/office/powerpoint/2010/main" val="1772111838"/>
+      </p:ext>
+    </p:extLst>
+  </p:cSld>
+  <p:clrMapOvr>
+    <a:masterClrMapping/>
+  </p:clrMapOvr>
+</p:sld>
+</file>
+
+<file path=ppt/slides/slide11.xml><?xml version="1.0" encoding="utf-8"?>
+<p:sld xmlns:a="http://schemas.openxmlformats.org/drawingml/2006/main" xmlns:r="http://schemas.openxmlformats.org/officeDocument/2006/relationships" xmlns:p="http://schemas.openxmlformats.org/presentationml/2006/main">
+  <p:cSld>
+    <p:spTree>
+      <p:nvGrpSpPr>
+        <p:cNvPr id="1" name=""/>
+        <p:cNvGrpSpPr/>
+        <p:nvPr/>
+      </p:nvGrpSpPr>
+      <p:grpSpPr>
+        <a:xfrm>
+          <a:off x="0" y="0"/>
+          <a:ext cx="0" cy="0"/>
+          <a:chOff x="0" y="0"/>
+          <a:chExt cx="0" cy="0"/>
+        </a:xfrm>
+      </p:grpSpPr>
+      <p:sp>
+        <p:nvSpPr>
+          <p:cNvPr id="2" name="タイトル 1"/>
+          <p:cNvSpPr>
+            <a:spLocks noGrp="1"/>
+          </p:cNvSpPr>
+          <p:nvPr>
+            <p:ph type="title"/>
+          </p:nvPr>
+        </p:nvSpPr>
+        <p:spPr/>
+        <p:txBody>
+          <a:bodyPr>
+            <a:normAutofit/>
+          </a:bodyPr>
+          <a:lstStyle/>
+          <a:p>
+            <a:r>
+              <a:rPr kumimoji="1" lang="ja-JP" altLang="en-US" sz="4000" dirty="0"/>
+              <a:t>学習した内容を見てみる</a:t>
+            </a:r>
+            <a:r>
+              <a:rPr kumimoji="1" lang="en-US" altLang="ja-JP" sz="4000" dirty="0"/>
+              <a:t>(</a:t>
+            </a:r>
+            <a:r>
+              <a:rPr kumimoji="1" lang="ja-JP" altLang="en-US" sz="4000" dirty="0"/>
+              <a:t>可視化</a:t>
+            </a:r>
+            <a:r>
+              <a:rPr kumimoji="1" lang="en-US" altLang="ja-JP" sz="4000" dirty="0"/>
+              <a:t>)</a:t>
+            </a:r>
+            <a:endParaRPr kumimoji="1" lang="ja-JP" altLang="en-US" sz="4000" dirty="0"/>
+          </a:p>
+        </p:txBody>
+      </p:sp>
+      <p:sp>
+        <p:nvSpPr>
+          <p:cNvPr id="8" name="正方形/長方形 7"/>
+          <p:cNvSpPr/>
+          <p:nvPr/>
+        </p:nvSpPr>
+        <p:spPr>
+          <a:xfrm>
+            <a:off x="628648" y="1690689"/>
+            <a:ext cx="2307983" cy="305972"/>
+          </a:xfrm>
+          <a:prstGeom prst="rect">
+            <a:avLst/>
+          </a:prstGeom>
+        </p:spPr>
+        <p:style>
+          <a:lnRef idx="2">
+            <a:schemeClr val="accent4"/>
+          </a:lnRef>
+          <a:fillRef idx="1">
+            <a:schemeClr val="lt1"/>
+          </a:fillRef>
+          <a:effectRef idx="0">
+            <a:schemeClr val="accent4"/>
+          </a:effectRef>
+          <a:fontRef idx="minor">
+            <a:schemeClr val="dk1"/>
+          </a:fontRef>
+        </p:style>
+        <p:txBody>
+          <a:bodyPr rtlCol="0" anchor="ctr"/>
+          <a:lstStyle/>
+          <a:p>
+            <a:r>
+              <a:rPr lang="en-US" altLang="ja-JP" sz="1350" dirty="0"/>
+              <a:t>$ vim visualize_layer.py</a:t>
+            </a:r>
+            <a:endParaRPr lang="ja-JP" altLang="en-US" sz="1350" dirty="0"/>
+          </a:p>
+        </p:txBody>
+      </p:sp>
+      <p:sp>
+        <p:nvSpPr>
+          <p:cNvPr id="3" name="正方形/長方形 2"/>
+          <p:cNvSpPr/>
+          <p:nvPr/>
+        </p:nvSpPr>
+        <p:spPr>
+          <a:xfrm>
+            <a:off x="628648" y="2131407"/>
+            <a:ext cx="9627577" cy="4524315"/>
+          </a:xfrm>
+          <a:prstGeom prst="rect">
+            <a:avLst/>
+          </a:prstGeom>
+        </p:spPr>
+        <p:txBody>
+          <a:bodyPr wrap="square">
+            <a:spAutoFit/>
+          </a:bodyPr>
+          <a:lstStyle/>
+          <a:p>
+            <a:r>
+              <a:rPr lang="ja-JP" altLang="en-US" sz="1200" dirty="0"/>
+              <a:t>from </a:t>
+            </a:r>
+            <a:r>
+              <a:rPr lang="ja-JP" altLang="en-US" sz="1200" dirty="0">
+                <a:solidFill>
+                  <a:srgbClr val="FF0000"/>
+                </a:solidFill>
+              </a:rPr>
+              <a:t>visualize_caffe</a:t>
+            </a:r>
+            <a:r>
+              <a:rPr lang="ja-JP" altLang="en-US" sz="1200" dirty="0"/>
+              <a:t> import *</a:t>
+            </a:r>
+          </a:p>
+          <a:p>
+            <a:r>
+              <a:rPr lang="ja-JP" altLang="en-US" sz="1200" dirty="0"/>
+              <a:t>import os,sys,caffe</a:t>
+            </a:r>
+          </a:p>
+          <a:p>
+            <a:endParaRPr lang="ja-JP" altLang="en-US" sz="1200" dirty="0"/>
+          </a:p>
+          <a:p>
+            <a:r>
+              <a:rPr lang="ja-JP" altLang="en-US" sz="1200" dirty="0"/>
+              <a:t># Make sure caffe can be found</a:t>
+            </a:r>
+          </a:p>
+          <a:p>
+            <a:r>
+              <a:rPr lang="ja-JP" altLang="en-US" sz="1200" dirty="0"/>
+              <a:t>sys.path.append(</a:t>
+            </a:r>
+            <a:r>
+              <a:rPr lang="ja-JP" altLang="en-US" sz="1200" dirty="0">
+                <a:solidFill>
+                  <a:srgbClr val="FF0000"/>
+                </a:solidFill>
+              </a:rPr>
+              <a:t>'/mnt/caffe/python/'</a:t>
+            </a:r>
+            <a:r>
+              <a:rPr lang="ja-JP" altLang="en-US" sz="1200" dirty="0"/>
+              <a:t>)</a:t>
+            </a:r>
+          </a:p>
+          <a:p>
+            <a:endParaRPr lang="ja-JP" altLang="en-US" sz="1200" dirty="0"/>
+          </a:p>
+          <a:p>
+            <a:endParaRPr lang="ja-JP" altLang="en-US" sz="1200" dirty="0"/>
+          </a:p>
+          <a:p>
+            <a:r>
+              <a:rPr lang="ja-JP" altLang="en-US" sz="1200" dirty="0"/>
+              <a:t>caffe_root='</a:t>
+            </a:r>
+            <a:r>
+              <a:rPr lang="ja-JP" altLang="en-US" sz="1200" dirty="0">
+                <a:solidFill>
+                  <a:srgbClr val="FF0000"/>
+                </a:solidFill>
+              </a:rPr>
+              <a:t>/mnt/caffe/'</a:t>
+            </a:r>
+          </a:p>
+          <a:p>
+            <a:r>
+              <a:rPr lang="ja-JP" altLang="en-US" sz="1200" dirty="0"/>
+              <a:t>os.chdir(caffe_root)</a:t>
+            </a:r>
+          </a:p>
+          <a:p>
+            <a:endParaRPr lang="ja-JP" altLang="en-US" sz="1200" dirty="0"/>
+          </a:p>
+          <a:p>
+            <a:r>
+              <a:rPr lang="ja-JP" altLang="en-US" sz="1200" dirty="0"/>
+              <a:t># Load model</a:t>
+            </a:r>
+          </a:p>
+          <a:p>
+            <a:r>
+              <a:rPr lang="ja-JP" altLang="en-US" sz="1200" dirty="0"/>
+              <a:t>#net = caffe.Net('/mnt/caffe/examples/mnist/lenet_train_test.prototxt',</a:t>
+            </a:r>
+          </a:p>
+          <a:p>
+            <a:r>
+              <a:rPr lang="ja-JP" altLang="en-US" sz="1200" dirty="0"/>
+              <a:t>#                '/mnt/caffe/examples/mnist/lenet_iter_10000.caffemodel',</a:t>
+            </a:r>
+          </a:p>
+          <a:p>
+            <a:r>
+              <a:rPr lang="ja-JP" altLang="en-US" sz="1200" dirty="0"/>
+              <a:t>#                caffe.TEST)</a:t>
+            </a:r>
+          </a:p>
+          <a:p>
+            <a:endParaRPr lang="ja-JP" altLang="en-US" sz="1200" dirty="0"/>
+          </a:p>
+          <a:p>
+            <a:r>
+              <a:rPr lang="ja-JP" altLang="en-US" sz="1200" dirty="0"/>
+              <a:t>net = caffe.Net(caffe_root + </a:t>
+            </a:r>
+            <a:r>
+              <a:rPr lang="ja-JP" altLang="en-US" sz="1200" dirty="0">
+                <a:solidFill>
+                  <a:srgbClr val="FF0000"/>
+                </a:solidFill>
+              </a:rPr>
+              <a:t>'examples/mnist/lenet_train_test.prototxt'</a:t>
+            </a:r>
+            <a:r>
+              <a:rPr lang="ja-JP" altLang="en-US" sz="1200" dirty="0"/>
+              <a:t>,</a:t>
+            </a:r>
+          </a:p>
+          <a:p>
+            <a:r>
+              <a:rPr lang="ja-JP" altLang="en-US" sz="1200" dirty="0"/>
+              <a:t>                caffe_root + </a:t>
+            </a:r>
+            <a:r>
+              <a:rPr lang="ja-JP" altLang="en-US" sz="1200" dirty="0">
+                <a:solidFill>
+                  <a:srgbClr val="FF0000"/>
+                </a:solidFill>
+              </a:rPr>
+              <a:t>'examples/mnist/lenet_iter_10000.caffemodel'</a:t>
+            </a:r>
+            <a:r>
+              <a:rPr lang="ja-JP" altLang="en-US" sz="1200" dirty="0"/>
+              <a:t>,</a:t>
+            </a:r>
+          </a:p>
+          <a:p>
+            <a:r>
+              <a:rPr lang="ja-JP" altLang="en-US" sz="1200" dirty="0"/>
+              <a:t>                caffe.TEST)</a:t>
+            </a:r>
+          </a:p>
+          <a:p>
+            <a:endParaRPr lang="ja-JP" altLang="en-US" sz="1200" dirty="0"/>
+          </a:p>
+          <a:p>
+            <a:endParaRPr lang="ja-JP" altLang="en-US" sz="1200" dirty="0"/>
+          </a:p>
+          <a:p>
+            <a:r>
+              <a:rPr lang="ja-JP" altLang="en-US" sz="1200" dirty="0"/>
+              <a:t>visualize_weights(net, 'conv1', filename=</a:t>
+            </a:r>
+            <a:r>
+              <a:rPr lang="ja-JP" altLang="en-US" sz="1200" dirty="0">
+                <a:solidFill>
+                  <a:srgbClr val="FF0000"/>
+                </a:solidFill>
+              </a:rPr>
+              <a:t>'/mnt/visuallize/conv1.png'</a:t>
+            </a:r>
+            <a:r>
+              <a:rPr lang="ja-JP" altLang="en-US" sz="1200" dirty="0"/>
+              <a:t>)</a:t>
+            </a:r>
+          </a:p>
+          <a:p>
+            <a:r>
+              <a:rPr lang="ja-JP" altLang="en-US" sz="1200" dirty="0"/>
+              <a:t>visualize_weights(net, 'conv2', filename=</a:t>
+            </a:r>
+            <a:r>
+              <a:rPr lang="ja-JP" altLang="en-US" sz="1200" dirty="0">
+                <a:solidFill>
+                  <a:srgbClr val="FF0000"/>
+                </a:solidFill>
+              </a:rPr>
+              <a:t>'/mnt/visuallize/conv2.png'</a:t>
+            </a:r>
+            <a:r>
+              <a:rPr lang="ja-JP" altLang="en-US" sz="1200" dirty="0"/>
+              <a:t>)</a:t>
+            </a:r>
+          </a:p>
+          <a:p>
+            <a:r>
+              <a:rPr lang="ja-JP" altLang="en-US" sz="1200" dirty="0"/>
+              <a:t>#visualize_weights(net, 'pool1', filename='/mnt/visuallize/pool1.png')</a:t>
+            </a:r>
+          </a:p>
+          <a:p>
+            <a:r>
+              <a:rPr lang="ja-JP" altLang="en-US" sz="1200" dirty="0"/>
+              <a:t>#visualize_weights(net, 'pool2', filename='/mnt/visuallize/pool2.png')</a:t>
+            </a:r>
+          </a:p>
+        </p:txBody>
+      </p:sp>
+      <p:sp>
+        <p:nvSpPr>
+          <p:cNvPr id="5" name="テキスト ボックス 4"/>
+          <p:cNvSpPr txBox="1"/>
+          <p:nvPr/>
+        </p:nvSpPr>
+        <p:spPr>
+          <a:xfrm>
+            <a:off x="3292717" y="2877752"/>
+            <a:ext cx="2778518" cy="276999"/>
+          </a:xfrm>
+          <a:prstGeom prst="rect">
+            <a:avLst/>
+          </a:prstGeom>
+          <a:noFill/>
+        </p:spPr>
+        <p:txBody>
+          <a:bodyPr wrap="none" rtlCol="0">
+            <a:spAutoFit/>
+          </a:bodyPr>
+          <a:lstStyle/>
+          <a:p>
+            <a:r>
+              <a:rPr kumimoji="1" lang="ja-JP" altLang="en-US" sz="1200" dirty="0"/>
+              <a:t>←</a:t>
+            </a:r>
+            <a:r>
+              <a:rPr kumimoji="1" lang="en-US" altLang="ja-JP" sz="1200" dirty="0"/>
+              <a:t>Caffe</a:t>
+            </a:r>
+            <a:r>
+              <a:rPr kumimoji="1" lang="ja-JP" altLang="en-US" sz="1200" dirty="0"/>
+              <a:t>の</a:t>
+            </a:r>
+            <a:r>
+              <a:rPr kumimoji="1" lang="en-US" altLang="ja-JP" sz="1200" dirty="0"/>
+              <a:t>python</a:t>
+            </a:r>
+            <a:r>
+              <a:rPr kumimoji="1" lang="ja-JP" altLang="en-US" sz="1200" dirty="0"/>
+              <a:t>ライブラリを読み込む</a:t>
+            </a:r>
+          </a:p>
+        </p:txBody>
+      </p:sp>
+      <p:sp>
+        <p:nvSpPr>
+          <p:cNvPr id="16" name="テキスト ボックス 15"/>
+          <p:cNvSpPr txBox="1"/>
+          <p:nvPr/>
+        </p:nvSpPr>
+        <p:spPr>
+          <a:xfrm>
+            <a:off x="2574679" y="2131407"/>
+            <a:ext cx="6570710" cy="276999"/>
+          </a:xfrm>
+          <a:prstGeom prst="rect">
+            <a:avLst/>
+          </a:prstGeom>
+          <a:noFill/>
+        </p:spPr>
+        <p:txBody>
+          <a:bodyPr wrap="none" rtlCol="0">
+            <a:spAutoFit/>
+          </a:bodyPr>
+          <a:lstStyle/>
+          <a:p>
+            <a:r>
+              <a:rPr kumimoji="1" lang="ja-JP" altLang="en-US" sz="1200" dirty="0"/>
+              <a:t>←</a:t>
+            </a:r>
+            <a:r>
+              <a:rPr lang="ja-JP" altLang="en-US" sz="1200" dirty="0">
+                <a:solidFill>
+                  <a:srgbClr val="FF0000"/>
+                </a:solidFill>
+              </a:rPr>
+              <a:t> visualize_caffe</a:t>
+            </a:r>
+            <a:r>
+              <a:rPr lang="en-US" altLang="ja-JP" sz="1200" dirty="0">
+                <a:solidFill>
+                  <a:srgbClr val="FF0000"/>
+                </a:solidFill>
+              </a:rPr>
+              <a:t>.</a:t>
+            </a:r>
+            <a:r>
+              <a:rPr lang="en-US" altLang="ja-JP" sz="1200" dirty="0" err="1">
+                <a:solidFill>
+                  <a:srgbClr val="FF0000"/>
+                </a:solidFill>
+              </a:rPr>
+              <a:t>py</a:t>
+            </a:r>
+            <a:r>
+              <a:rPr lang="en-US" altLang="ja-JP" sz="1200" dirty="0">
+                <a:solidFill>
+                  <a:srgbClr val="FF0000"/>
+                </a:solidFill>
+              </a:rPr>
+              <a:t> </a:t>
+            </a:r>
+            <a:r>
+              <a:rPr lang="ja-JP" altLang="en-US" sz="1200" dirty="0"/>
+              <a:t>に重みを可視化する関数「visualize_weights」を実装しているので読み込む</a:t>
+            </a:r>
+            <a:endParaRPr kumimoji="1" lang="ja-JP" altLang="en-US" sz="1200" dirty="0"/>
+          </a:p>
+        </p:txBody>
+      </p:sp>
+      <p:sp>
+        <p:nvSpPr>
+          <p:cNvPr id="18" name="テキスト ボックス 17"/>
+          <p:cNvSpPr txBox="1"/>
+          <p:nvPr/>
+        </p:nvSpPr>
+        <p:spPr>
+          <a:xfrm>
+            <a:off x="2337872" y="3400022"/>
+            <a:ext cx="1909690" cy="276999"/>
+          </a:xfrm>
+          <a:prstGeom prst="rect">
+            <a:avLst/>
+          </a:prstGeom>
+          <a:noFill/>
+        </p:spPr>
+        <p:txBody>
+          <a:bodyPr wrap="none" rtlCol="0">
+            <a:spAutoFit/>
+          </a:bodyPr>
+          <a:lstStyle/>
+          <a:p>
+            <a:r>
+              <a:rPr kumimoji="1" lang="ja-JP" altLang="en-US" sz="1200" dirty="0"/>
+              <a:t>← </a:t>
+            </a:r>
+            <a:r>
+              <a:rPr kumimoji="1" lang="en-US" altLang="ja-JP" sz="1200" dirty="0"/>
+              <a:t>Caffe</a:t>
+            </a:r>
+            <a:r>
+              <a:rPr kumimoji="1" lang="ja-JP" altLang="en-US" sz="1200" dirty="0"/>
+              <a:t>のあるパスを指定</a:t>
+            </a:r>
+          </a:p>
+        </p:txBody>
+      </p:sp>
+      <p:sp>
+        <p:nvSpPr>
+          <p:cNvPr id="19" name="テキスト ボックス 18"/>
+          <p:cNvSpPr txBox="1"/>
+          <p:nvPr/>
+        </p:nvSpPr>
+        <p:spPr>
+          <a:xfrm>
+            <a:off x="5374149" y="4862476"/>
+            <a:ext cx="2359941" cy="276999"/>
+          </a:xfrm>
+          <a:prstGeom prst="rect">
+            <a:avLst/>
+          </a:prstGeom>
+          <a:noFill/>
+        </p:spPr>
+        <p:txBody>
+          <a:bodyPr wrap="none" rtlCol="0">
+            <a:spAutoFit/>
+          </a:bodyPr>
+          <a:lstStyle/>
+          <a:p>
+            <a:r>
+              <a:rPr kumimoji="1" lang="ja-JP" altLang="en-US" sz="1200" dirty="0"/>
+              <a:t>← 学習手法を設定したファイル</a:t>
+            </a:r>
+          </a:p>
+        </p:txBody>
+      </p:sp>
+      <p:sp>
+        <p:nvSpPr>
+          <p:cNvPr id="20" name="テキスト ボックス 19"/>
+          <p:cNvSpPr txBox="1"/>
+          <p:nvPr/>
+        </p:nvSpPr>
+        <p:spPr>
+          <a:xfrm>
+            <a:off x="5066372" y="5055413"/>
+            <a:ext cx="2667718" cy="276999"/>
+          </a:xfrm>
+          <a:prstGeom prst="rect">
+            <a:avLst/>
+          </a:prstGeom>
+          <a:noFill/>
+        </p:spPr>
+        <p:txBody>
+          <a:bodyPr wrap="none" rtlCol="0">
+            <a:spAutoFit/>
+          </a:bodyPr>
+          <a:lstStyle/>
+          <a:p>
+            <a:r>
+              <a:rPr kumimoji="1" lang="ja-JP" altLang="en-US" sz="1200" dirty="0"/>
+              <a:t>← 学習結果を保存しているファイル</a:t>
+            </a:r>
+          </a:p>
+        </p:txBody>
+      </p:sp>
+      <p:sp>
+        <p:nvSpPr>
+          <p:cNvPr id="21" name="テキスト ボックス 20"/>
+          <p:cNvSpPr txBox="1"/>
+          <p:nvPr/>
+        </p:nvSpPr>
+        <p:spPr>
+          <a:xfrm>
+            <a:off x="5158714" y="5917113"/>
+            <a:ext cx="3591048" cy="276999"/>
+          </a:xfrm>
+          <a:prstGeom prst="rect">
+            <a:avLst/>
+          </a:prstGeom>
+          <a:noFill/>
+        </p:spPr>
+        <p:txBody>
+          <a:bodyPr wrap="none" rtlCol="0">
+            <a:spAutoFit/>
+          </a:bodyPr>
+          <a:lstStyle/>
+          <a:p>
+            <a:r>
+              <a:rPr kumimoji="1" lang="ja-JP" altLang="en-US" sz="1200" dirty="0"/>
+              <a:t>← それぞれのレイヤーの重みを実際に可視化する</a:t>
+            </a:r>
+          </a:p>
+        </p:txBody>
+      </p:sp>
+    </p:spTree>
+    <p:extLst>
+      <p:ext uri="{BB962C8B-B14F-4D97-AF65-F5344CB8AC3E}">
+        <p14:creationId xmlns:p14="http://schemas.microsoft.com/office/powerpoint/2010/main" val="272544501"/>
+      </p:ext>
+    </p:extLst>
+  </p:cSld>
+  <p:clrMapOvr>
+    <a:masterClrMapping/>
+  </p:clrMapOvr>
+</p:sld>
+</file>
+
+<file path=ppt/slides/slide12.xml><?xml version="1.0" encoding="utf-8"?>
+<p:sld xmlns:a="http://schemas.openxmlformats.org/drawingml/2006/main" xmlns:r="http://schemas.openxmlformats.org/officeDocument/2006/relationships" xmlns:p="http://schemas.openxmlformats.org/presentationml/2006/main">
+  <p:cSld>
+    <p:spTree>
+      <p:nvGrpSpPr>
+        <p:cNvPr id="1" name=""/>
+        <p:cNvGrpSpPr/>
+        <p:nvPr/>
+      </p:nvGrpSpPr>
+      <p:grpSpPr>
+        <a:xfrm>
+          <a:off x="0" y="0"/>
+          <a:ext cx="0" cy="0"/>
+          <a:chOff x="0" y="0"/>
+          <a:chExt cx="0" cy="0"/>
+        </a:xfrm>
+      </p:grpSpPr>
+      <p:sp>
+        <p:nvSpPr>
+          <p:cNvPr id="2" name="タイトル 1"/>
+          <p:cNvSpPr>
+            <a:spLocks noGrp="1"/>
+          </p:cNvSpPr>
+          <p:nvPr>
+            <p:ph type="title"/>
+          </p:nvPr>
+        </p:nvSpPr>
+        <p:spPr/>
+        <p:txBody>
+          <a:bodyPr/>
+          <a:lstStyle/>
+          <a:p>
+            <a:r>
+              <a:rPr kumimoji="1" lang="ja-JP" altLang="en-US" dirty="0"/>
+              <a:t>実際に画像分類をやってみる</a:t>
+            </a:r>
+          </a:p>
+        </p:txBody>
+      </p:sp>
+      <p:sp>
+        <p:nvSpPr>
+          <p:cNvPr id="5" name="正方形/長方形 4"/>
+          <p:cNvSpPr/>
+          <p:nvPr/>
+        </p:nvSpPr>
+        <p:spPr>
+          <a:xfrm>
+            <a:off x="628648" y="2174266"/>
+            <a:ext cx="7310805" cy="305972"/>
+          </a:xfrm>
+          <a:prstGeom prst="rect">
+            <a:avLst/>
+          </a:prstGeom>
+        </p:spPr>
+        <p:style>
+          <a:lnRef idx="2">
+            <a:schemeClr val="accent4"/>
+          </a:lnRef>
+          <a:fillRef idx="1">
+            <a:schemeClr val="lt1"/>
+          </a:fillRef>
+          <a:effectRef idx="0">
+            <a:schemeClr val="accent4"/>
+          </a:effectRef>
+          <a:fontRef idx="minor">
+            <a:schemeClr val="dk1"/>
+          </a:fontRef>
+        </p:style>
+        <p:txBody>
+          <a:bodyPr rtlCol="0" anchor="ctr"/>
+          <a:lstStyle/>
+          <a:p>
+            <a:r>
+              <a:rPr lang="en-US" altLang="ja-JP" sz="1350" dirty="0"/>
+              <a:t>$ </a:t>
+            </a:r>
+            <a:r>
+              <a:rPr lang="en-US" altLang="ja-JP" sz="1350" dirty="0" err="1"/>
+              <a:t>wget</a:t>
+            </a:r>
+            <a:r>
+              <a:rPr lang="en-US" altLang="ja-JP" sz="1350" dirty="0"/>
+              <a:t> https://github.com/hara-lab-mizofumi/Seminar2016/raw/master/number_detect.zip</a:t>
+            </a:r>
+            <a:endParaRPr lang="ja-JP" altLang="en-US" sz="1350" dirty="0"/>
+          </a:p>
+        </p:txBody>
+      </p:sp>
+      <p:sp>
+        <p:nvSpPr>
+          <p:cNvPr id="6" name="正方形/長方形 5"/>
+          <p:cNvSpPr/>
+          <p:nvPr/>
+        </p:nvSpPr>
+        <p:spPr>
+          <a:xfrm>
+            <a:off x="628648" y="1690689"/>
+            <a:ext cx="1059475" cy="305972"/>
+          </a:xfrm>
+          <a:prstGeom prst="rect">
+            <a:avLst/>
+          </a:prstGeom>
+        </p:spPr>
+        <p:style>
+          <a:lnRef idx="2">
+            <a:schemeClr val="accent4"/>
+          </a:lnRef>
+          <a:fillRef idx="1">
+            <a:schemeClr val="lt1"/>
+          </a:fillRef>
+          <a:effectRef idx="0">
+            <a:schemeClr val="accent4"/>
+          </a:effectRef>
+          <a:fontRef idx="minor">
+            <a:schemeClr val="dk1"/>
+          </a:fontRef>
+        </p:style>
+        <p:txBody>
+          <a:bodyPr rtlCol="0" anchor="ctr"/>
+          <a:lstStyle/>
+          <a:p>
+            <a:r>
+              <a:rPr lang="en-US" altLang="ja-JP" sz="1350" dirty="0"/>
+              <a:t>$ cd /</a:t>
+            </a:r>
+            <a:r>
+              <a:rPr lang="en-US" altLang="ja-JP" sz="1350" dirty="0" err="1"/>
+              <a:t>mnt</a:t>
+            </a:r>
+            <a:endParaRPr lang="ja-JP" altLang="en-US" sz="1350" dirty="0"/>
+          </a:p>
+        </p:txBody>
+      </p:sp>
+      <p:sp>
+        <p:nvSpPr>
+          <p:cNvPr id="7" name="正方形/長方形 6"/>
+          <p:cNvSpPr/>
+          <p:nvPr/>
+        </p:nvSpPr>
+        <p:spPr>
+          <a:xfrm>
+            <a:off x="628648" y="2657843"/>
+            <a:ext cx="2272813" cy="305972"/>
+          </a:xfrm>
+          <a:prstGeom prst="rect">
+            <a:avLst/>
+          </a:prstGeom>
+        </p:spPr>
+        <p:style>
+          <a:lnRef idx="2">
+            <a:schemeClr val="accent4"/>
+          </a:lnRef>
+          <a:fillRef idx="1">
+            <a:schemeClr val="lt1"/>
+          </a:fillRef>
+          <a:effectRef idx="0">
+            <a:schemeClr val="accent4"/>
+          </a:effectRef>
+          <a:fontRef idx="minor">
+            <a:schemeClr val="dk1"/>
+          </a:fontRef>
+        </p:style>
+        <p:txBody>
+          <a:bodyPr rtlCol="0" anchor="ctr"/>
+          <a:lstStyle/>
+          <a:p>
+            <a:r>
+              <a:rPr lang="en-US" altLang="ja-JP" sz="1350" dirty="0"/>
+              <a:t>$ unzip number_detect.zip</a:t>
+            </a:r>
+            <a:endParaRPr lang="ja-JP" altLang="en-US" sz="1350" dirty="0"/>
+          </a:p>
+        </p:txBody>
+      </p:sp>
+      <p:sp>
+        <p:nvSpPr>
+          <p:cNvPr id="8" name="正方形/長方形 7"/>
+          <p:cNvSpPr/>
+          <p:nvPr/>
+        </p:nvSpPr>
+        <p:spPr>
+          <a:xfrm>
+            <a:off x="628650" y="3141420"/>
+            <a:ext cx="2272813" cy="305972"/>
+          </a:xfrm>
+          <a:prstGeom prst="rect">
+            <a:avLst/>
+          </a:prstGeom>
+        </p:spPr>
+        <p:style>
+          <a:lnRef idx="2">
+            <a:schemeClr val="accent4"/>
+          </a:lnRef>
+          <a:fillRef idx="1">
+            <a:schemeClr val="lt1"/>
+          </a:fillRef>
+          <a:effectRef idx="0">
+            <a:schemeClr val="accent4"/>
+          </a:effectRef>
+          <a:fontRef idx="minor">
+            <a:schemeClr val="dk1"/>
+          </a:fontRef>
+        </p:style>
+        <p:txBody>
+          <a:bodyPr rtlCol="0" anchor="ctr"/>
+          <a:lstStyle/>
+          <a:p>
+            <a:r>
+              <a:rPr lang="en-US" altLang="ja-JP" sz="1350" dirty="0"/>
+              <a:t>$ cd number_detect</a:t>
+            </a:r>
+            <a:endParaRPr lang="ja-JP" altLang="en-US" sz="1350" dirty="0"/>
+          </a:p>
+        </p:txBody>
+      </p:sp>
+      <p:sp>
+        <p:nvSpPr>
+          <p:cNvPr id="9" name="正方形/長方形 8"/>
+          <p:cNvSpPr/>
+          <p:nvPr/>
+        </p:nvSpPr>
+        <p:spPr>
+          <a:xfrm>
+            <a:off x="628650" y="3624997"/>
+            <a:ext cx="3925765" cy="305972"/>
+          </a:xfrm>
+          <a:prstGeom prst="rect">
+            <a:avLst/>
+          </a:prstGeom>
+        </p:spPr>
+        <p:style>
+          <a:lnRef idx="2">
+            <a:schemeClr val="accent4"/>
+          </a:lnRef>
+          <a:fillRef idx="1">
+            <a:schemeClr val="lt1"/>
+          </a:fillRef>
+          <a:effectRef idx="0">
+            <a:schemeClr val="accent4"/>
+          </a:effectRef>
+          <a:fontRef idx="minor">
+            <a:schemeClr val="dk1"/>
+          </a:fontRef>
+        </p:style>
+        <p:txBody>
+          <a:bodyPr rtlCol="0" anchor="ctr"/>
+          <a:lstStyle/>
+          <a:p>
+            <a:r>
+              <a:rPr lang="en-US" altLang="ja-JP" sz="1350" dirty="0"/>
+              <a:t>$ ./detect.sh 28 images/jpg/00009999_6.jpg</a:t>
+            </a:r>
+            <a:endParaRPr lang="ja-JP" altLang="en-US" sz="1350" dirty="0"/>
+          </a:p>
+        </p:txBody>
+      </p:sp>
+      <p:sp>
+        <p:nvSpPr>
+          <p:cNvPr id="4" name="テキスト ボックス 3"/>
+          <p:cNvSpPr txBox="1"/>
+          <p:nvPr/>
+        </p:nvSpPr>
+        <p:spPr>
+          <a:xfrm>
+            <a:off x="4879730" y="3653970"/>
+            <a:ext cx="2471254" cy="276999"/>
+          </a:xfrm>
+          <a:prstGeom prst="rect">
+            <a:avLst/>
+          </a:prstGeom>
+          <a:noFill/>
+        </p:spPr>
+        <p:txBody>
+          <a:bodyPr wrap="none" rtlCol="0">
+            <a:spAutoFit/>
+          </a:bodyPr>
+          <a:lstStyle/>
+          <a:p>
+            <a:r>
+              <a:rPr kumimoji="1" lang="en-US" altLang="ja-JP" sz="1200" dirty="0"/>
+              <a:t>./detect.sh </a:t>
+            </a:r>
+            <a:r>
+              <a:rPr kumimoji="1" lang="ja-JP" altLang="en-US" sz="1200" dirty="0"/>
+              <a:t>画像サイズ 画像の場所</a:t>
+            </a:r>
+          </a:p>
+        </p:txBody>
+      </p:sp>
+      <p:sp>
+        <p:nvSpPr>
+          <p:cNvPr id="10" name="テキスト ボックス 9"/>
+          <p:cNvSpPr txBox="1"/>
+          <p:nvPr/>
+        </p:nvSpPr>
+        <p:spPr>
+          <a:xfrm>
+            <a:off x="1688123" y="4144606"/>
+            <a:ext cx="5493812" cy="646331"/>
+          </a:xfrm>
+          <a:prstGeom prst="rect">
+            <a:avLst/>
+          </a:prstGeom>
+          <a:noFill/>
+        </p:spPr>
+        <p:txBody>
+          <a:bodyPr wrap="none" rtlCol="0">
+            <a:spAutoFit/>
+          </a:bodyPr>
+          <a:lstStyle/>
+          <a:p>
+            <a:r>
+              <a:rPr kumimoji="1" lang="ja-JP" altLang="en-US" dirty="0"/>
+              <a:t>実際に手書き文字を作成して判定させたい場合は、</a:t>
+            </a:r>
+            <a:endParaRPr kumimoji="1" lang="en-US" altLang="ja-JP" dirty="0"/>
+          </a:p>
+          <a:p>
+            <a:r>
+              <a:rPr kumimoji="1" lang="ja-JP" altLang="en-US" dirty="0"/>
+              <a:t>画像の場所を書き換えると動きます。</a:t>
+            </a:r>
+          </a:p>
+        </p:txBody>
+      </p:sp>
+    </p:spTree>
+    <p:extLst>
+      <p:ext uri="{BB962C8B-B14F-4D97-AF65-F5344CB8AC3E}">
+        <p14:creationId xmlns:p14="http://schemas.microsoft.com/office/powerpoint/2010/main" val="3198452443"/>
+      </p:ext>
+    </p:extLst>
+  </p:cSld>
+  <p:clrMapOvr>
+    <a:masterClrMapping/>
+  </p:clrMapOvr>
+</p:sld>
+</file>
+
+<file path=ppt/slides/slide13.xml><?xml version="1.0" encoding="utf-8"?>
+<p:sld xmlns:a="http://schemas.openxmlformats.org/drawingml/2006/main" xmlns:r="http://schemas.openxmlformats.org/officeDocument/2006/relationships" xmlns:p="http://schemas.openxmlformats.org/presentationml/2006/main">
+  <p:cSld>
+    <p:spTree>
+      <p:nvGrpSpPr>
+        <p:cNvPr id="1" name=""/>
+        <p:cNvGrpSpPr/>
+        <p:nvPr/>
+      </p:nvGrpSpPr>
+      <p:grpSpPr>
+        <a:xfrm>
+          <a:off x="0" y="0"/>
+          <a:ext cx="0" cy="0"/>
+          <a:chOff x="0" y="0"/>
+          <a:chExt cx="0" cy="0"/>
+        </a:xfrm>
+      </p:grpSpPr>
+      <p:sp>
+        <p:nvSpPr>
+          <p:cNvPr id="2" name="タイトル 1"/>
+          <p:cNvSpPr>
+            <a:spLocks noGrp="1"/>
+          </p:cNvSpPr>
+          <p:nvPr>
+            <p:ph type="title"/>
+          </p:nvPr>
+        </p:nvSpPr>
+        <p:spPr/>
+        <p:txBody>
+          <a:bodyPr/>
+          <a:lstStyle/>
+          <a:p>
+            <a:r>
+              <a:rPr lang="ja-JP" altLang="en-US" dirty="0"/>
+              <a:t>実際に画像分類をやってみる</a:t>
+            </a:r>
+            <a:endParaRPr kumimoji="1" lang="ja-JP" altLang="en-US" dirty="0"/>
+          </a:p>
+        </p:txBody>
+      </p:sp>
+      <p:pic>
+        <p:nvPicPr>
+          <p:cNvPr id="3" name="図 2"/>
+          <p:cNvPicPr>
+            <a:picLocks noChangeAspect="1"/>
+          </p:cNvPicPr>
+          <p:nvPr/>
+        </p:nvPicPr>
+        <p:blipFill>
+          <a:blip r:embed="rId2"/>
+          <a:stretch>
+            <a:fillRect/>
+          </a:stretch>
+        </p:blipFill>
+        <p:spPr>
+          <a:xfrm>
+            <a:off x="354958" y="1690689"/>
+            <a:ext cx="5476875" cy="2085975"/>
+          </a:xfrm>
+          <a:prstGeom prst="rect">
+            <a:avLst/>
+          </a:prstGeom>
+        </p:spPr>
+      </p:pic>
+      <p:pic>
+        <p:nvPicPr>
+          <p:cNvPr id="4" name="図 3"/>
+          <p:cNvPicPr>
+            <a:picLocks noChangeAspect="1"/>
+          </p:cNvPicPr>
+          <p:nvPr/>
+        </p:nvPicPr>
+        <p:blipFill>
+          <a:blip r:embed="rId3"/>
+          <a:stretch>
+            <a:fillRect/>
+          </a:stretch>
+        </p:blipFill>
+        <p:spPr>
+          <a:xfrm>
+            <a:off x="981075" y="3891686"/>
+            <a:ext cx="8401050" cy="5219700"/>
+          </a:xfrm>
+          <a:prstGeom prst="rect">
+            <a:avLst/>
+          </a:prstGeom>
+        </p:spPr>
+      </p:pic>
+      <p:sp>
+        <p:nvSpPr>
+          <p:cNvPr id="5" name="テキスト ボックス 4"/>
+          <p:cNvSpPr txBox="1"/>
+          <p:nvPr/>
+        </p:nvSpPr>
+        <p:spPr>
+          <a:xfrm>
+            <a:off x="5831833" y="3307887"/>
+            <a:ext cx="1778051" cy="369332"/>
+          </a:xfrm>
+          <a:prstGeom prst="rect">
+            <a:avLst/>
+          </a:prstGeom>
+          <a:noFill/>
+        </p:spPr>
+        <p:txBody>
+          <a:bodyPr wrap="none" rtlCol="0">
+            <a:spAutoFit/>
+          </a:bodyPr>
+          <a:lstStyle/>
+          <a:p>
+            <a:r>
+              <a:rPr kumimoji="1" lang="ja-JP" altLang="en-US" dirty="0">
+                <a:solidFill>
+                  <a:srgbClr val="FF0000"/>
+                </a:solidFill>
+              </a:rPr>
+              <a:t>←ホームを開く</a:t>
+            </a:r>
+          </a:p>
+        </p:txBody>
+      </p:sp>
+      <p:sp>
+        <p:nvSpPr>
+          <p:cNvPr id="6" name="テキスト ボックス 5"/>
+          <p:cNvSpPr txBox="1"/>
+          <p:nvPr/>
+        </p:nvSpPr>
+        <p:spPr>
+          <a:xfrm>
+            <a:off x="3682974" y="5608329"/>
+            <a:ext cx="2786340" cy="369332"/>
+          </a:xfrm>
+          <a:prstGeom prst="rect">
+            <a:avLst/>
+          </a:prstGeom>
+          <a:noFill/>
+        </p:spPr>
+        <p:txBody>
+          <a:bodyPr wrap="none" rtlCol="0">
+            <a:spAutoFit/>
+          </a:bodyPr>
+          <a:lstStyle/>
+          <a:p>
+            <a:r>
+              <a:rPr kumimoji="1" lang="ja-JP" altLang="en-US" dirty="0">
+                <a:solidFill>
+                  <a:srgbClr val="FF0000"/>
+                </a:solidFill>
+              </a:rPr>
+              <a:t>↑「</a:t>
+            </a:r>
+            <a:r>
+              <a:rPr kumimoji="1" lang="en-US" altLang="ja-JP" dirty="0">
+                <a:solidFill>
+                  <a:srgbClr val="FF0000"/>
+                </a:solidFill>
+              </a:rPr>
+              <a:t>Seminar2016</a:t>
+            </a:r>
+            <a:r>
+              <a:rPr kumimoji="1" lang="ja-JP" altLang="en-US" dirty="0">
+                <a:solidFill>
+                  <a:srgbClr val="FF0000"/>
+                </a:solidFill>
+              </a:rPr>
+              <a:t>」を開く</a:t>
+            </a:r>
+          </a:p>
+        </p:txBody>
+      </p:sp>
+    </p:spTree>
+    <p:extLst>
+      <p:ext uri="{BB962C8B-B14F-4D97-AF65-F5344CB8AC3E}">
+        <p14:creationId xmlns:p14="http://schemas.microsoft.com/office/powerpoint/2010/main" val="865384406"/>
+      </p:ext>
+    </p:extLst>
+  </p:cSld>
+  <p:clrMapOvr>
+    <a:masterClrMapping/>
+  </p:clrMapOvr>
+</p:sld>
+</file>
+
+<file path=ppt/slides/slide14.xml><?xml version="1.0" encoding="utf-8"?>
+<p:sld xmlns:a="http://schemas.openxmlformats.org/drawingml/2006/main" xmlns:r="http://schemas.openxmlformats.org/officeDocument/2006/relationships" xmlns:p="http://schemas.openxmlformats.org/presentationml/2006/main">
+  <p:cSld>
+    <p:spTree>
+      <p:nvGrpSpPr>
+        <p:cNvPr id="1" name=""/>
+        <p:cNvGrpSpPr/>
+        <p:nvPr/>
+      </p:nvGrpSpPr>
+      <p:grpSpPr>
+        <a:xfrm>
+          <a:off x="0" y="0"/>
+          <a:ext cx="0" cy="0"/>
+          <a:chOff x="0" y="0"/>
+          <a:chExt cx="0" cy="0"/>
+        </a:xfrm>
+      </p:grpSpPr>
+      <p:sp>
+        <p:nvSpPr>
+          <p:cNvPr id="2" name="タイトル 1"/>
+          <p:cNvSpPr>
+            <a:spLocks noGrp="1"/>
+          </p:cNvSpPr>
+          <p:nvPr>
+            <p:ph type="title"/>
+          </p:nvPr>
+        </p:nvSpPr>
+        <p:spPr/>
+        <p:txBody>
+          <a:bodyPr/>
+          <a:lstStyle/>
+          <a:p>
+            <a:r>
+              <a:rPr lang="ja-JP" altLang="en-US" dirty="0"/>
+              <a:t>実際に画像分類をやってみる</a:t>
+            </a:r>
+            <a:endParaRPr kumimoji="1" lang="ja-JP" altLang="en-US" dirty="0"/>
+          </a:p>
+        </p:txBody>
+      </p:sp>
+      <p:sp>
+        <p:nvSpPr>
+          <p:cNvPr id="7" name="正方形/長方形 6"/>
+          <p:cNvSpPr/>
+          <p:nvPr/>
+        </p:nvSpPr>
+        <p:spPr>
+          <a:xfrm>
+            <a:off x="886691" y="1690690"/>
+            <a:ext cx="7148945" cy="2507238"/>
+          </a:xfrm>
+          <a:prstGeom prst="rect">
+            <a:avLst/>
+          </a:prstGeom>
+        </p:spPr>
+        <p:style>
+          <a:lnRef idx="2">
+            <a:schemeClr val="dk1"/>
+          </a:lnRef>
+          <a:fillRef idx="1">
+            <a:schemeClr val="lt1"/>
+          </a:fillRef>
+          <a:effectRef idx="0">
+            <a:schemeClr val="dk1"/>
+          </a:effectRef>
+          <a:fontRef idx="minor">
+            <a:schemeClr val="dk1"/>
+          </a:fontRef>
+        </p:style>
+        <p:txBody>
+          <a:bodyPr rtlCol="0" anchor="t"/>
+          <a:lstStyle/>
+          <a:p>
+            <a:r>
+              <a:rPr kumimoji="1" lang="en-US" altLang="ja-JP" dirty="0">
+                <a:solidFill>
+                  <a:srgbClr val="FF0000"/>
+                </a:solidFill>
+              </a:rPr>
+              <a:t>Seminar2016</a:t>
+            </a:r>
+            <a:endParaRPr kumimoji="1" lang="ja-JP" altLang="en-US" dirty="0"/>
+          </a:p>
+        </p:txBody>
+      </p:sp>
+      <p:grpSp>
+        <p:nvGrpSpPr>
+          <p:cNvPr id="8" name="グループ化 7"/>
+          <p:cNvGrpSpPr/>
+          <p:nvPr/>
+        </p:nvGrpSpPr>
+        <p:grpSpPr>
+          <a:xfrm>
+            <a:off x="1180884" y="2093539"/>
+            <a:ext cx="871052" cy="692244"/>
+            <a:chOff x="1856509" y="2530303"/>
+            <a:chExt cx="1662546" cy="1321261"/>
+          </a:xfrm>
+        </p:grpSpPr>
+        <p:sp>
+          <p:nvSpPr>
+            <p:cNvPr id="9" name="正方形/長方形 8"/>
+            <p:cNvSpPr/>
+            <p:nvPr/>
+          </p:nvSpPr>
+          <p:spPr>
+            <a:xfrm>
+              <a:off x="1856509" y="2701636"/>
+              <a:ext cx="1662546" cy="1149928"/>
+            </a:xfrm>
+            <a:prstGeom prst="rect">
+              <a:avLst/>
+            </a:prstGeom>
+            <a:ln>
+              <a:noFill/>
+            </a:ln>
+          </p:spPr>
+          <p:style>
+            <a:lnRef idx="2">
+              <a:schemeClr val="accent1">
+                <a:shade val="50000"/>
+              </a:schemeClr>
+            </a:lnRef>
+            <a:fillRef idx="1">
+              <a:schemeClr val="accent1"/>
+            </a:fillRef>
+            <a:effectRef idx="0">
+              <a:schemeClr val="accent1"/>
+            </a:effectRef>
+            <a:fontRef idx="minor">
+              <a:schemeClr val="lt1"/>
+            </a:fontRef>
+          </p:style>
+          <p:txBody>
+            <a:bodyPr rtlCol="0" anchor="ctr"/>
+            <a:lstStyle/>
+            <a:p>
+              <a:pPr algn="ctr"/>
+              <a:r>
+                <a:rPr kumimoji="1" lang="en-US" altLang="ja-JP" dirty="0"/>
+                <a:t>caffe</a:t>
+              </a:r>
+            </a:p>
+          </p:txBody>
+        </p:sp>
+        <p:sp>
+          <p:nvSpPr>
+            <p:cNvPr id="10" name="正方形/長方形 9"/>
+            <p:cNvSpPr/>
+            <p:nvPr/>
+          </p:nvSpPr>
+          <p:spPr>
+            <a:xfrm>
+              <a:off x="1856509" y="2530303"/>
+              <a:ext cx="387928" cy="268317"/>
+            </a:xfrm>
+            <a:prstGeom prst="rect">
+              <a:avLst/>
+            </a:prstGeom>
+            <a:ln>
+              <a:noFill/>
+            </a:ln>
+          </p:spPr>
+          <p:style>
+            <a:lnRef idx="2">
+              <a:schemeClr val="accent1">
+                <a:shade val="50000"/>
+              </a:schemeClr>
+            </a:lnRef>
+            <a:fillRef idx="1">
+              <a:schemeClr val="accent1"/>
+            </a:fillRef>
+            <a:effectRef idx="0">
+              <a:schemeClr val="accent1"/>
+            </a:effectRef>
+            <a:fontRef idx="minor">
+              <a:schemeClr val="lt1"/>
+            </a:fontRef>
+          </p:style>
+          <p:txBody>
+            <a:bodyPr rtlCol="0" anchor="ctr"/>
+            <a:lstStyle/>
+            <a:p>
+              <a:pPr algn="ctr"/>
+              <a:endParaRPr kumimoji="1" lang="ja-JP" altLang="en-US"/>
+            </a:p>
+          </p:txBody>
+        </p:sp>
+      </p:grpSp>
+      <p:grpSp>
+        <p:nvGrpSpPr>
+          <p:cNvPr id="11" name="グループ化 10"/>
+          <p:cNvGrpSpPr/>
+          <p:nvPr/>
+        </p:nvGrpSpPr>
+        <p:grpSpPr>
+          <a:xfrm>
+            <a:off x="2204336" y="2093539"/>
+            <a:ext cx="871052" cy="692244"/>
+            <a:chOff x="1856509" y="2530303"/>
+            <a:chExt cx="1662546" cy="1321261"/>
+          </a:xfrm>
+        </p:grpSpPr>
+        <p:sp>
+          <p:nvSpPr>
+            <p:cNvPr id="12" name="正方形/長方形 11"/>
+            <p:cNvSpPr/>
+            <p:nvPr/>
+          </p:nvSpPr>
+          <p:spPr>
+            <a:xfrm>
+              <a:off x="1856509" y="2701636"/>
+              <a:ext cx="1662546" cy="1149928"/>
+            </a:xfrm>
+            <a:prstGeom prst="rect">
+              <a:avLst/>
+            </a:prstGeom>
+            <a:ln>
+              <a:noFill/>
+            </a:ln>
+          </p:spPr>
+          <p:style>
+            <a:lnRef idx="2">
+              <a:schemeClr val="accent1">
+                <a:shade val="50000"/>
+              </a:schemeClr>
+            </a:lnRef>
+            <a:fillRef idx="1">
+              <a:schemeClr val="accent1"/>
+            </a:fillRef>
+            <a:effectRef idx="0">
+              <a:schemeClr val="accent1"/>
+            </a:effectRef>
+            <a:fontRef idx="minor">
+              <a:schemeClr val="lt1"/>
+            </a:fontRef>
+          </p:style>
+          <p:txBody>
+            <a:bodyPr rtlCol="0" anchor="ctr"/>
+            <a:lstStyle/>
+            <a:p>
+              <a:pPr algn="ctr"/>
+              <a:r>
+                <a:rPr kumimoji="1" lang="en-US" altLang="ja-JP" sz="1100" dirty="0"/>
+                <a:t>number_detect</a:t>
+              </a:r>
+            </a:p>
+          </p:txBody>
+        </p:sp>
+        <p:sp>
+          <p:nvSpPr>
+            <p:cNvPr id="13" name="正方形/長方形 12"/>
+            <p:cNvSpPr/>
+            <p:nvPr/>
+          </p:nvSpPr>
+          <p:spPr>
+            <a:xfrm>
+              <a:off x="1856509" y="2530303"/>
+              <a:ext cx="387928" cy="268317"/>
+            </a:xfrm>
+            <a:prstGeom prst="rect">
+              <a:avLst/>
+            </a:prstGeom>
+            <a:ln>
+              <a:noFill/>
+            </a:ln>
+          </p:spPr>
+          <p:style>
+            <a:lnRef idx="2">
+              <a:schemeClr val="accent1">
+                <a:shade val="50000"/>
+              </a:schemeClr>
+            </a:lnRef>
+            <a:fillRef idx="1">
+              <a:schemeClr val="accent1"/>
+            </a:fillRef>
+            <a:effectRef idx="0">
+              <a:schemeClr val="accent1"/>
+            </a:effectRef>
+            <a:fontRef idx="minor">
+              <a:schemeClr val="lt1"/>
+            </a:fontRef>
+          </p:style>
+          <p:txBody>
+            <a:bodyPr rtlCol="0" anchor="ctr"/>
+            <a:lstStyle/>
+            <a:p>
+              <a:pPr algn="ctr"/>
+              <a:endParaRPr kumimoji="1" lang="ja-JP" altLang="en-US"/>
+            </a:p>
+          </p:txBody>
+        </p:sp>
+      </p:grpSp>
+      <p:grpSp>
+        <p:nvGrpSpPr>
+          <p:cNvPr id="14" name="グループ化 13"/>
+          <p:cNvGrpSpPr/>
+          <p:nvPr/>
+        </p:nvGrpSpPr>
+        <p:grpSpPr>
+          <a:xfrm>
+            <a:off x="3225482" y="2093539"/>
+            <a:ext cx="871052" cy="692244"/>
+            <a:chOff x="1856509" y="2530303"/>
+            <a:chExt cx="1662546" cy="1321261"/>
+          </a:xfrm>
+        </p:grpSpPr>
+        <p:sp>
+          <p:nvSpPr>
+            <p:cNvPr id="15" name="正方形/長方形 14"/>
+            <p:cNvSpPr/>
+            <p:nvPr/>
+          </p:nvSpPr>
+          <p:spPr>
+            <a:xfrm>
+              <a:off x="1856509" y="2701636"/>
+              <a:ext cx="1662546" cy="1149928"/>
+            </a:xfrm>
+            <a:prstGeom prst="rect">
+              <a:avLst/>
+            </a:prstGeom>
+            <a:ln>
+              <a:noFill/>
+            </a:ln>
+          </p:spPr>
+          <p:style>
+            <a:lnRef idx="2">
+              <a:schemeClr val="accent1">
+                <a:shade val="50000"/>
+              </a:schemeClr>
+            </a:lnRef>
+            <a:fillRef idx="1">
+              <a:schemeClr val="accent1"/>
+            </a:fillRef>
+            <a:effectRef idx="0">
+              <a:schemeClr val="accent1"/>
+            </a:effectRef>
+            <a:fontRef idx="minor">
+              <a:schemeClr val="lt1"/>
+            </a:fontRef>
+          </p:style>
+          <p:txBody>
+            <a:bodyPr rtlCol="0" anchor="ctr"/>
+            <a:lstStyle/>
+            <a:p>
+              <a:pPr algn="ctr"/>
+              <a:r>
+                <a:rPr kumimoji="1" lang="en-US" altLang="ja-JP" sz="1400" dirty="0"/>
+                <a:t>visuallize</a:t>
+              </a:r>
+            </a:p>
+          </p:txBody>
+        </p:sp>
+        <p:sp>
+          <p:nvSpPr>
+            <p:cNvPr id="16" name="正方形/長方形 15"/>
+            <p:cNvSpPr/>
+            <p:nvPr/>
+          </p:nvSpPr>
+          <p:spPr>
+            <a:xfrm>
+              <a:off x="1856509" y="2530303"/>
+              <a:ext cx="387928" cy="268317"/>
+            </a:xfrm>
+            <a:prstGeom prst="rect">
+              <a:avLst/>
+            </a:prstGeom>
+            <a:ln>
+              <a:noFill/>
+            </a:ln>
+          </p:spPr>
+          <p:style>
+            <a:lnRef idx="2">
+              <a:schemeClr val="accent1">
+                <a:shade val="50000"/>
+              </a:schemeClr>
+            </a:lnRef>
+            <a:fillRef idx="1">
+              <a:schemeClr val="accent1"/>
+            </a:fillRef>
+            <a:effectRef idx="0">
+              <a:schemeClr val="accent1"/>
+            </a:effectRef>
+            <a:fontRef idx="minor">
+              <a:schemeClr val="lt1"/>
+            </a:fontRef>
+          </p:style>
+          <p:txBody>
+            <a:bodyPr rtlCol="0" anchor="ctr"/>
+            <a:lstStyle/>
+            <a:p>
+              <a:pPr algn="ctr"/>
+              <a:endParaRPr kumimoji="1" lang="ja-JP" altLang="en-US"/>
+            </a:p>
+          </p:txBody>
+        </p:sp>
+      </p:grpSp>
+      <p:sp>
+        <p:nvSpPr>
+          <p:cNvPr id="20" name="テキスト ボックス 19"/>
+          <p:cNvSpPr txBox="1"/>
+          <p:nvPr/>
+        </p:nvSpPr>
+        <p:spPr>
+          <a:xfrm>
+            <a:off x="4246628" y="2299878"/>
+            <a:ext cx="1107996" cy="369332"/>
+          </a:xfrm>
+          <a:prstGeom prst="rect">
+            <a:avLst/>
+          </a:prstGeom>
+          <a:noFill/>
+        </p:spPr>
+        <p:txBody>
+          <a:bodyPr wrap="none" rtlCol="0">
+            <a:spAutoFit/>
+          </a:bodyPr>
+          <a:lstStyle/>
+          <a:p>
+            <a:r>
+              <a:rPr kumimoji="1" lang="ja-JP" altLang="en-US" dirty="0"/>
+              <a:t>・・・・</a:t>
+            </a:r>
+          </a:p>
+        </p:txBody>
+      </p:sp>
+      <p:sp>
+        <p:nvSpPr>
+          <p:cNvPr id="21" name="正方形/長方形 20"/>
+          <p:cNvSpPr/>
+          <p:nvPr/>
+        </p:nvSpPr>
+        <p:spPr>
+          <a:xfrm>
+            <a:off x="1203171" y="3156438"/>
+            <a:ext cx="826477" cy="826477"/>
+          </a:xfrm>
+          <a:prstGeom prst="rect">
+            <a:avLst/>
+          </a:prstGeom>
+        </p:spPr>
+        <p:style>
+          <a:lnRef idx="2">
+            <a:schemeClr val="dk1"/>
+          </a:lnRef>
+          <a:fillRef idx="1">
+            <a:schemeClr val="lt1"/>
+          </a:fillRef>
+          <a:effectRef idx="0">
+            <a:schemeClr val="dk1"/>
+          </a:effectRef>
+          <a:fontRef idx="minor">
+            <a:schemeClr val="dk1"/>
+          </a:fontRef>
+        </p:style>
+        <p:txBody>
+          <a:bodyPr rtlCol="0" anchor="ctr"/>
+          <a:lstStyle/>
+          <a:p>
+            <a:pPr algn="ctr"/>
+            <a:r>
+              <a:rPr kumimoji="1" lang="ja-JP" altLang="en-US" sz="1100" dirty="0"/>
+              <a:t>自作画像</a:t>
+            </a:r>
+            <a:endParaRPr kumimoji="1" lang="en-US" altLang="ja-JP" sz="1100" dirty="0"/>
+          </a:p>
+          <a:p>
+            <a:pPr algn="ctr"/>
+            <a:r>
+              <a:rPr kumimoji="1" lang="en-US" altLang="ja-JP" sz="1100" dirty="0"/>
+              <a:t>(hoge.jpg)</a:t>
+            </a:r>
+            <a:endParaRPr kumimoji="1" lang="ja-JP" altLang="en-US" sz="1100" dirty="0"/>
+          </a:p>
+        </p:txBody>
+      </p:sp>
+      <p:sp>
+        <p:nvSpPr>
+          <p:cNvPr id="22" name="正方形/長方形 21"/>
+          <p:cNvSpPr/>
+          <p:nvPr/>
+        </p:nvSpPr>
+        <p:spPr>
+          <a:xfrm>
+            <a:off x="886691" y="4759906"/>
+            <a:ext cx="5736981" cy="305972"/>
+          </a:xfrm>
+          <a:prstGeom prst="rect">
+            <a:avLst/>
+          </a:prstGeom>
+        </p:spPr>
+        <p:style>
+          <a:lnRef idx="2">
+            <a:schemeClr val="accent4"/>
+          </a:lnRef>
+          <a:fillRef idx="1">
+            <a:schemeClr val="lt1"/>
+          </a:fillRef>
+          <a:effectRef idx="0">
+            <a:schemeClr val="accent4"/>
+          </a:effectRef>
+          <a:fontRef idx="minor">
+            <a:schemeClr val="dk1"/>
+          </a:fontRef>
+        </p:style>
+        <p:txBody>
+          <a:bodyPr rtlCol="0" anchor="ctr"/>
+          <a:lstStyle/>
+          <a:p>
+            <a:r>
+              <a:rPr lang="en-US" altLang="ja-JP" sz="1350" dirty="0"/>
+              <a:t>$ /mnt/number_detect/detect.sh 28 /</a:t>
+            </a:r>
+            <a:r>
+              <a:rPr lang="en-US" altLang="ja-JP" sz="1350" dirty="0" err="1"/>
+              <a:t>mnt</a:t>
+            </a:r>
+            <a:r>
+              <a:rPr lang="en-US" altLang="ja-JP" sz="1350" dirty="0"/>
+              <a:t>/hoge.jpg</a:t>
+            </a:r>
+            <a:endParaRPr lang="ja-JP" altLang="en-US" sz="1350" dirty="0"/>
+          </a:p>
+        </p:txBody>
+      </p:sp>
+      <p:sp>
+        <p:nvSpPr>
+          <p:cNvPr id="23" name="テキスト ボックス 22"/>
+          <p:cNvSpPr txBox="1"/>
+          <p:nvPr/>
+        </p:nvSpPr>
+        <p:spPr>
+          <a:xfrm>
+            <a:off x="2193101" y="3705916"/>
+            <a:ext cx="2876428" cy="276999"/>
+          </a:xfrm>
+          <a:prstGeom prst="rect">
+            <a:avLst/>
+          </a:prstGeom>
+          <a:noFill/>
+        </p:spPr>
+        <p:txBody>
+          <a:bodyPr wrap="none" rtlCol="0">
+            <a:spAutoFit/>
+          </a:bodyPr>
+          <a:lstStyle/>
+          <a:p>
+            <a:r>
+              <a:rPr kumimoji="1" lang="ja-JP" altLang="en-US" sz="1200" dirty="0"/>
+              <a:t>今回ファイル名は「</a:t>
+            </a:r>
+            <a:r>
+              <a:rPr kumimoji="1" lang="en-US" altLang="ja-JP" sz="1200" dirty="0"/>
+              <a:t>hoge.jpg</a:t>
+            </a:r>
+            <a:r>
+              <a:rPr kumimoji="1" lang="ja-JP" altLang="en-US" sz="1200" dirty="0"/>
+              <a:t>」とした。</a:t>
+            </a:r>
+          </a:p>
+        </p:txBody>
+      </p:sp>
+      <p:sp>
+        <p:nvSpPr>
+          <p:cNvPr id="24" name="テキスト ボックス 23"/>
+          <p:cNvSpPr txBox="1"/>
+          <p:nvPr/>
+        </p:nvSpPr>
+        <p:spPr>
+          <a:xfrm>
+            <a:off x="3738462" y="5159176"/>
+            <a:ext cx="4540858" cy="276999"/>
+          </a:xfrm>
+          <a:prstGeom prst="rect">
+            <a:avLst/>
+          </a:prstGeom>
+          <a:noFill/>
+        </p:spPr>
+        <p:txBody>
+          <a:bodyPr wrap="none" rtlCol="0">
+            <a:spAutoFit/>
+          </a:bodyPr>
+          <a:lstStyle/>
+          <a:p>
+            <a:r>
+              <a:rPr kumimoji="1" lang="ja-JP" altLang="en-US" sz="1200" dirty="0"/>
+              <a:t>↑「</a:t>
+            </a:r>
+            <a:r>
+              <a:rPr kumimoji="1" lang="en-US" altLang="ja-JP" sz="1200" dirty="0"/>
+              <a:t>hoge.jpg</a:t>
+            </a:r>
+            <a:r>
+              <a:rPr kumimoji="1" lang="ja-JP" altLang="en-US" sz="1200" dirty="0"/>
+              <a:t>」を判定させたいので「</a:t>
+            </a:r>
+            <a:r>
+              <a:rPr kumimoji="1" lang="en-US" altLang="ja-JP" sz="1200" dirty="0"/>
+              <a:t>/</a:t>
+            </a:r>
+            <a:r>
+              <a:rPr kumimoji="1" lang="en-US" altLang="ja-JP" sz="1200" dirty="0" err="1"/>
+              <a:t>mnt</a:t>
+            </a:r>
+            <a:r>
+              <a:rPr kumimoji="1" lang="en-US" altLang="ja-JP" sz="1200" dirty="0"/>
+              <a:t>/hoge.jpg</a:t>
+            </a:r>
+            <a:r>
+              <a:rPr kumimoji="1" lang="ja-JP" altLang="en-US" sz="1200" dirty="0"/>
+              <a:t>」としている</a:t>
+            </a:r>
+          </a:p>
+        </p:txBody>
+      </p:sp>
+      <p:sp>
+        <p:nvSpPr>
+          <p:cNvPr id="25" name="テキスト ボックス 24"/>
+          <p:cNvSpPr txBox="1"/>
+          <p:nvPr/>
+        </p:nvSpPr>
+        <p:spPr>
+          <a:xfrm>
+            <a:off x="3291937" y="4430481"/>
+            <a:ext cx="3565400" cy="276999"/>
+          </a:xfrm>
+          <a:prstGeom prst="rect">
+            <a:avLst/>
+          </a:prstGeom>
+          <a:noFill/>
+        </p:spPr>
+        <p:txBody>
+          <a:bodyPr wrap="none" rtlCol="0">
+            <a:spAutoFit/>
+          </a:bodyPr>
+          <a:lstStyle/>
+          <a:p>
+            <a:r>
+              <a:rPr kumimoji="1" lang="ja-JP" altLang="en-US" sz="1200" dirty="0"/>
+              <a:t>↓画像のサイズは</a:t>
+            </a:r>
+            <a:r>
+              <a:rPr kumimoji="1" lang="en-US" altLang="ja-JP" sz="1200" dirty="0"/>
+              <a:t>28×28</a:t>
+            </a:r>
+            <a:r>
+              <a:rPr kumimoji="1" lang="ja-JP" altLang="en-US" sz="1200" dirty="0"/>
+              <a:t>なので「</a:t>
+            </a:r>
+            <a:r>
+              <a:rPr kumimoji="1" lang="en-US" altLang="ja-JP" sz="1200" dirty="0"/>
+              <a:t>28</a:t>
+            </a:r>
+            <a:r>
+              <a:rPr kumimoji="1" lang="ja-JP" altLang="en-US" sz="1200" dirty="0"/>
+              <a:t>」としている</a:t>
+            </a:r>
+          </a:p>
+        </p:txBody>
+      </p:sp>
+    </p:spTree>
+    <p:extLst>
+      <p:ext uri="{BB962C8B-B14F-4D97-AF65-F5344CB8AC3E}">
+        <p14:creationId xmlns:p14="http://schemas.microsoft.com/office/powerpoint/2010/main" val="3468240329"/>
+      </p:ext>
+    </p:extLst>
+  </p:cSld>
+  <p:clrMapOvr>
+    <a:masterClrMapping/>
+  </p:clrMapOvr>
+</p:sld>
+</file>
+
+<file path=ppt/slides/slide15.xml><?xml version="1.0" encoding="utf-8"?>
+<p:sld xmlns:a="http://schemas.openxmlformats.org/drawingml/2006/main" xmlns:r="http://schemas.openxmlformats.org/officeDocument/2006/relationships" xmlns:p="http://schemas.openxmlformats.org/presentationml/2006/main">
+  <p:cSld>
+    <p:spTree>
+      <p:nvGrpSpPr>
+        <p:cNvPr id="1" name=""/>
+        <p:cNvGrpSpPr/>
+        <p:nvPr/>
+      </p:nvGrpSpPr>
+      <p:grpSpPr>
+        <a:xfrm>
+          <a:off x="0" y="0"/>
+          <a:ext cx="0" cy="0"/>
+          <a:chOff x="0" y="0"/>
+          <a:chExt cx="0" cy="0"/>
+        </a:xfrm>
+      </p:grpSpPr>
+      <p:sp>
+        <p:nvSpPr>
+          <p:cNvPr id="2" name="タイトル 1"/>
+          <p:cNvSpPr>
+            <a:spLocks noGrp="1"/>
+          </p:cNvSpPr>
+          <p:nvPr>
+            <p:ph type="title"/>
+          </p:nvPr>
+        </p:nvSpPr>
+        <p:spPr/>
+        <p:txBody>
+          <a:bodyPr/>
+          <a:lstStyle/>
+          <a:p>
+            <a:r>
+              <a:rPr kumimoji="1" lang="ja-JP" altLang="en-US" dirty="0"/>
+              <a:t>実際に画像分類をやってみる</a:t>
+            </a:r>
+          </a:p>
+        </p:txBody>
+      </p:sp>
+      <p:sp>
+        <p:nvSpPr>
+          <p:cNvPr id="10" name="正方形/長方形 9"/>
+          <p:cNvSpPr/>
+          <p:nvPr/>
+        </p:nvSpPr>
+        <p:spPr>
+          <a:xfrm>
+            <a:off x="628648" y="1690689"/>
+            <a:ext cx="2307983" cy="305972"/>
+          </a:xfrm>
+          <a:prstGeom prst="rect">
+            <a:avLst/>
+          </a:prstGeom>
+        </p:spPr>
+        <p:style>
+          <a:lnRef idx="2">
+            <a:schemeClr val="accent4"/>
+          </a:lnRef>
+          <a:fillRef idx="1">
+            <a:schemeClr val="lt1"/>
+          </a:fillRef>
+          <a:effectRef idx="0">
+            <a:schemeClr val="accent4"/>
+          </a:effectRef>
+          <a:fontRef idx="minor">
+            <a:schemeClr val="dk1"/>
+          </a:fontRef>
+        </p:style>
+        <p:txBody>
+          <a:bodyPr rtlCol="0" anchor="ctr"/>
+          <a:lstStyle/>
+          <a:p>
+            <a:r>
+              <a:rPr lang="en-US" altLang="ja-JP" sz="1350" dirty="0"/>
+              <a:t>$ vim detect.sh</a:t>
+            </a:r>
+            <a:endParaRPr lang="ja-JP" altLang="en-US" sz="1350" dirty="0"/>
+          </a:p>
+        </p:txBody>
+      </p:sp>
+      <p:sp>
+        <p:nvSpPr>
+          <p:cNvPr id="3" name="正方形/長方形 2"/>
+          <p:cNvSpPr/>
+          <p:nvPr/>
+        </p:nvSpPr>
+        <p:spPr>
+          <a:xfrm>
+            <a:off x="228601" y="2209358"/>
+            <a:ext cx="8915399" cy="2246769"/>
+          </a:xfrm>
+          <a:prstGeom prst="rect">
+            <a:avLst/>
+          </a:prstGeom>
+        </p:spPr>
+        <p:txBody>
+          <a:bodyPr wrap="square">
+            <a:spAutoFit/>
+          </a:bodyPr>
+          <a:lstStyle/>
+          <a:p>
+            <a:r>
+              <a:rPr lang="en-US" altLang="ja-JP" sz="1400" dirty="0"/>
+              <a:t> </a:t>
+            </a:r>
+            <a:r>
+              <a:rPr lang="ja-JP" altLang="en-US" sz="1400" dirty="0"/>
+              <a:t>～省略～</a:t>
+            </a:r>
+            <a:endParaRPr lang="en-US" altLang="ja-JP" sz="1400" dirty="0"/>
+          </a:p>
+          <a:p>
+            <a:endParaRPr lang="en-US" altLang="ja-JP" sz="1400" dirty="0"/>
+          </a:p>
+          <a:p>
+            <a:r>
+              <a:rPr lang="ja-JP" altLang="en-US" sz="1400" dirty="0">
+                <a:solidFill>
+                  <a:srgbClr val="FF0000"/>
+                </a:solidFill>
+              </a:rPr>
+              <a:t>python</a:t>
+            </a:r>
+            <a:r>
+              <a:rPr lang="ja-JP" altLang="en-US" sz="1400" dirty="0"/>
+              <a:t> </a:t>
+            </a:r>
+            <a:r>
+              <a:rPr lang="ja-JP" altLang="en-US" sz="1400" dirty="0">
+                <a:solidFill>
+                  <a:srgbClr val="0070C0"/>
+                </a:solidFill>
+              </a:rPr>
+              <a:t>lenet_classify.py</a:t>
+            </a:r>
+            <a:r>
+              <a:rPr lang="ja-JP" altLang="en-US" sz="1400" dirty="0"/>
+              <a:t> </a:t>
+            </a:r>
+            <a:r>
+              <a:rPr lang="ja-JP" altLang="en-US" sz="1400" dirty="0">
+                <a:solidFill>
+                  <a:srgbClr val="00B050"/>
+                </a:solidFill>
+              </a:rPr>
+              <a:t>${2}</a:t>
+            </a:r>
+            <a:r>
+              <a:rPr lang="ja-JP" altLang="en-US" sz="1400" dirty="0"/>
+              <a:t> </a:t>
+            </a:r>
+            <a:r>
+              <a:rPr lang="ja-JP" altLang="en-US" sz="1400" dirty="0">
+                <a:solidFill>
+                  <a:srgbClr val="7030A0"/>
+                </a:solidFill>
+              </a:rPr>
+              <a:t>/mnt/number_detect/result.npy</a:t>
+            </a:r>
+            <a:r>
+              <a:rPr lang="ja-JP" altLang="en-US" sz="1400" dirty="0"/>
+              <a:t> </a:t>
+            </a:r>
+            <a:r>
+              <a:rPr lang="ja-JP" altLang="en-US" sz="1400" dirty="0">
+                <a:solidFill>
+                  <a:schemeClr val="accent4">
+                    <a:lumMod val="75000"/>
+                  </a:schemeClr>
+                </a:solidFill>
+              </a:rPr>
+              <a:t>--model_def /mnt/caffe/examples/mnist/lenet.prototxt </a:t>
+            </a:r>
+            <a:r>
+              <a:rPr lang="ja-JP" altLang="en-US" sz="1400" dirty="0">
+                <a:solidFill>
+                  <a:srgbClr val="FF3399"/>
+                </a:solidFill>
+              </a:rPr>
+              <a:t>--pretrained_model /mnt/caffe/examples/mnist/lenet_iter_10000.caffemodel</a:t>
+            </a:r>
+          </a:p>
+          <a:p>
+            <a:endParaRPr lang="en-US" altLang="ja-JP" sz="1400" dirty="0"/>
+          </a:p>
+          <a:p>
+            <a:endParaRPr lang="en-US" altLang="ja-JP" sz="1400" dirty="0"/>
+          </a:p>
+          <a:p>
+            <a:endParaRPr lang="en-US" altLang="ja-JP" sz="1400" dirty="0"/>
+          </a:p>
+          <a:p>
+            <a:r>
+              <a:rPr lang="en-US" altLang="ja-JP" sz="1400" dirty="0"/>
+              <a:t> </a:t>
+            </a:r>
+            <a:r>
+              <a:rPr lang="ja-JP" altLang="en-US" sz="1400" dirty="0"/>
+              <a:t>～省略～</a:t>
+            </a:r>
+            <a:endParaRPr lang="en-US" altLang="ja-JP" sz="1400" dirty="0"/>
+          </a:p>
+          <a:p>
+            <a:endParaRPr lang="ja-JP" altLang="en-US" sz="1400" dirty="0"/>
+          </a:p>
+          <a:p>
+            <a:r>
+              <a:rPr lang="ja-JP" altLang="en-US" sz="1400" dirty="0">
+                <a:solidFill>
+                  <a:srgbClr val="FF0000"/>
+                </a:solidFill>
+              </a:rPr>
+              <a:t>python</a:t>
+            </a:r>
+            <a:r>
+              <a:rPr lang="ja-JP" altLang="en-US" sz="1400" dirty="0"/>
+              <a:t> </a:t>
+            </a:r>
+            <a:r>
+              <a:rPr lang="ja-JP" altLang="en-US" sz="1400" dirty="0">
+                <a:solidFill>
+                  <a:srgbClr val="0070C0"/>
+                </a:solidFill>
+              </a:rPr>
+              <a:t>show_mnist_result.py</a:t>
+            </a:r>
+            <a:r>
+              <a:rPr lang="ja-JP" altLang="en-US" sz="1400" dirty="0"/>
+              <a:t> </a:t>
+            </a:r>
+            <a:r>
+              <a:rPr lang="ja-JP" altLang="en-US" sz="1400" dirty="0">
+                <a:solidFill>
+                  <a:srgbClr val="7030A0"/>
+                </a:solidFill>
+              </a:rPr>
+              <a:t>result.npy</a:t>
+            </a:r>
+          </a:p>
+        </p:txBody>
+      </p:sp>
+      <p:sp>
+        <p:nvSpPr>
+          <p:cNvPr id="4" name="テキスト ボックス 3"/>
+          <p:cNvSpPr txBox="1"/>
+          <p:nvPr/>
+        </p:nvSpPr>
+        <p:spPr>
+          <a:xfrm>
+            <a:off x="1227137" y="3194242"/>
+            <a:ext cx="6781280" cy="461665"/>
+          </a:xfrm>
+          <a:prstGeom prst="rect">
+            <a:avLst/>
+          </a:prstGeom>
+          <a:noFill/>
+        </p:spPr>
+        <p:txBody>
+          <a:bodyPr wrap="none" rtlCol="0">
+            <a:spAutoFit/>
+          </a:bodyPr>
+          <a:lstStyle/>
+          <a:p>
+            <a:r>
+              <a:rPr kumimoji="1" lang="en-US" altLang="ja-JP" sz="1200" dirty="0">
+                <a:solidFill>
+                  <a:srgbClr val="0070C0"/>
+                </a:solidFill>
+              </a:rPr>
+              <a:t>lenet_classify.py</a:t>
+            </a:r>
+            <a:r>
+              <a:rPr kumimoji="1" lang="ja-JP" altLang="en-US" sz="1200" dirty="0"/>
+              <a:t>に対して、</a:t>
+            </a:r>
+            <a:r>
+              <a:rPr kumimoji="1" lang="ja-JP" altLang="en-US" sz="1200" dirty="0">
+                <a:solidFill>
+                  <a:srgbClr val="00B050"/>
+                </a:solidFill>
+              </a:rPr>
+              <a:t>画像サイズ</a:t>
+            </a:r>
+            <a:r>
+              <a:rPr kumimoji="1" lang="en-US" altLang="ja-JP" sz="1200" dirty="0"/>
+              <a:t> </a:t>
+            </a:r>
+            <a:r>
+              <a:rPr kumimoji="1" lang="ja-JP" altLang="en-US" sz="1200" dirty="0"/>
+              <a:t>と</a:t>
+            </a:r>
+            <a:r>
+              <a:rPr kumimoji="1" lang="ja-JP" altLang="en-US" sz="1200" dirty="0">
+                <a:solidFill>
+                  <a:srgbClr val="7030A0"/>
+                </a:solidFill>
+              </a:rPr>
+              <a:t>保存先</a:t>
+            </a:r>
+            <a:r>
+              <a:rPr kumimoji="1" lang="ja-JP" altLang="en-US" sz="1200" dirty="0"/>
+              <a:t>と</a:t>
+            </a:r>
+            <a:r>
+              <a:rPr kumimoji="1" lang="ja-JP" altLang="en-US" sz="1200" dirty="0">
+                <a:solidFill>
+                  <a:schemeClr val="accent4">
+                    <a:lumMod val="75000"/>
+                  </a:schemeClr>
+                </a:solidFill>
+              </a:rPr>
+              <a:t>学習モデル</a:t>
+            </a:r>
+            <a:r>
+              <a:rPr kumimoji="1" lang="ja-JP" altLang="en-US" sz="1200" dirty="0"/>
+              <a:t>と</a:t>
+            </a:r>
+            <a:r>
+              <a:rPr kumimoji="1" lang="ja-JP" altLang="en-US" sz="1200" dirty="0">
+                <a:solidFill>
+                  <a:srgbClr val="FF3399"/>
+                </a:solidFill>
+              </a:rPr>
+              <a:t>学習済みデータ</a:t>
+            </a:r>
+            <a:r>
+              <a:rPr kumimoji="1" lang="ja-JP" altLang="en-US" sz="1200" dirty="0"/>
+              <a:t>を指定して実行。</a:t>
+            </a:r>
+            <a:endParaRPr kumimoji="1" lang="en-US" altLang="ja-JP" sz="1200" dirty="0"/>
+          </a:p>
+          <a:p>
+            <a:r>
+              <a:rPr kumimoji="1" lang="ja-JP" altLang="en-US" sz="1200" dirty="0"/>
+              <a:t>実行結果として、</a:t>
+            </a:r>
+            <a:r>
+              <a:rPr kumimoji="1" lang="en-US" altLang="ja-JP" sz="1200" dirty="0"/>
+              <a:t>0</a:t>
+            </a:r>
+            <a:r>
+              <a:rPr kumimoji="1" lang="ja-JP" altLang="en-US" sz="1200" dirty="0"/>
+              <a:t>から</a:t>
+            </a:r>
+            <a:r>
+              <a:rPr kumimoji="1" lang="en-US" altLang="ja-JP" sz="1200" dirty="0"/>
+              <a:t>9</a:t>
+            </a:r>
+            <a:r>
+              <a:rPr kumimoji="1" lang="ja-JP" altLang="en-US" sz="1200" dirty="0" err="1"/>
+              <a:t>までの</a:t>
+            </a:r>
+            <a:r>
+              <a:rPr kumimoji="1" lang="ja-JP" altLang="en-US" sz="1200" dirty="0"/>
+              <a:t>それぞれの確率を保存する。</a:t>
+            </a:r>
+          </a:p>
+        </p:txBody>
+      </p:sp>
+      <p:sp>
+        <p:nvSpPr>
+          <p:cNvPr id="11" name="テキスト ボックス 10"/>
+          <p:cNvSpPr txBox="1"/>
+          <p:nvPr/>
+        </p:nvSpPr>
+        <p:spPr>
+          <a:xfrm>
+            <a:off x="1227137" y="4513131"/>
+            <a:ext cx="6729727" cy="461665"/>
+          </a:xfrm>
+          <a:prstGeom prst="rect">
+            <a:avLst/>
+          </a:prstGeom>
+          <a:noFill/>
+        </p:spPr>
+        <p:txBody>
+          <a:bodyPr wrap="none" rtlCol="0">
+            <a:spAutoFit/>
+          </a:bodyPr>
+          <a:lstStyle/>
+          <a:p>
+            <a:r>
+              <a:rPr kumimoji="1" lang="en-US" altLang="ja-JP" sz="1200" dirty="0">
+                <a:solidFill>
+                  <a:srgbClr val="0070C0"/>
+                </a:solidFill>
+              </a:rPr>
+              <a:t>show_mnist_result.py</a:t>
+            </a:r>
+            <a:r>
+              <a:rPr kumimoji="1" lang="ja-JP" altLang="en-US" sz="1200" dirty="0"/>
+              <a:t>に対して、</a:t>
+            </a:r>
+            <a:r>
+              <a:rPr kumimoji="1" lang="ja-JP" altLang="en-US" sz="1200" dirty="0">
+                <a:solidFill>
+                  <a:srgbClr val="7030A0"/>
+                </a:solidFill>
+              </a:rPr>
+              <a:t>前述のそれぞれの確率を保存したファイル</a:t>
+            </a:r>
+            <a:r>
+              <a:rPr kumimoji="1" lang="ja-JP" altLang="en-US" sz="1200" dirty="0"/>
+              <a:t>を指定して実行。</a:t>
+            </a:r>
+            <a:endParaRPr kumimoji="1" lang="en-US" altLang="ja-JP" sz="1200" dirty="0"/>
+          </a:p>
+          <a:p>
+            <a:r>
+              <a:rPr kumimoji="1" lang="ja-JP" altLang="en-US" sz="1200" dirty="0"/>
+              <a:t>実行結果として、確率の高い順に並べなおして</a:t>
+            </a:r>
+            <a:r>
+              <a:rPr kumimoji="1" lang="en-US" altLang="ja-JP" sz="1200" dirty="0"/>
+              <a:t>1</a:t>
+            </a:r>
+            <a:r>
+              <a:rPr kumimoji="1" lang="ja-JP" altLang="en-US" sz="1200" dirty="0"/>
+              <a:t>番目、</a:t>
+            </a:r>
+            <a:r>
+              <a:rPr kumimoji="1" lang="en-US" altLang="ja-JP" sz="1200" dirty="0"/>
+              <a:t>2</a:t>
+            </a:r>
+            <a:r>
+              <a:rPr kumimoji="1" lang="ja-JP" altLang="en-US" sz="1200" dirty="0"/>
+              <a:t>番目、</a:t>
+            </a:r>
+            <a:r>
+              <a:rPr kumimoji="1" lang="en-US" altLang="ja-JP" sz="1200" dirty="0"/>
+              <a:t>3</a:t>
+            </a:r>
+            <a:r>
+              <a:rPr kumimoji="1" lang="ja-JP" altLang="en-US" sz="1200" dirty="0"/>
+              <a:t>番目の結果を画面に出力する。</a:t>
+            </a:r>
+          </a:p>
+        </p:txBody>
+      </p:sp>
+      <p:sp>
+        <p:nvSpPr>
+          <p:cNvPr id="12" name="テキスト ボックス 11"/>
+          <p:cNvSpPr txBox="1"/>
+          <p:nvPr/>
+        </p:nvSpPr>
+        <p:spPr>
+          <a:xfrm>
+            <a:off x="2734408" y="6312877"/>
+            <a:ext cx="6208751" cy="430887"/>
+          </a:xfrm>
+          <a:prstGeom prst="rect">
+            <a:avLst/>
+          </a:prstGeom>
+          <a:noFill/>
+        </p:spPr>
+        <p:txBody>
+          <a:bodyPr wrap="none" rtlCol="0">
+            <a:spAutoFit/>
+          </a:bodyPr>
+          <a:lstStyle/>
+          <a:p>
+            <a:r>
+              <a:rPr kumimoji="1" lang="en-US" altLang="ja-JP" sz="1100" dirty="0"/>
+              <a:t>※</a:t>
+            </a:r>
+            <a:r>
+              <a:rPr kumimoji="1" lang="ja-JP" altLang="en-US" sz="1100" dirty="0"/>
+              <a:t>「</a:t>
+            </a:r>
+            <a:r>
+              <a:rPr kumimoji="1" lang="en-US" altLang="ja-JP" sz="1100" dirty="0"/>
+              <a:t>lenet_classify.py</a:t>
+            </a:r>
+            <a:r>
+              <a:rPr kumimoji="1" lang="ja-JP" altLang="en-US" sz="1100" dirty="0"/>
+              <a:t>」は</a:t>
+            </a:r>
+            <a:r>
+              <a:rPr kumimoji="1" lang="en-US" altLang="ja-JP" sz="1100" dirty="0"/>
+              <a:t>caffe</a:t>
+            </a:r>
+            <a:r>
+              <a:rPr kumimoji="1" lang="ja-JP" altLang="en-US" sz="1100" dirty="0"/>
+              <a:t>に付属するサンプルプログラムを一部書き換えたプログラムです。</a:t>
+            </a:r>
+            <a:endParaRPr kumimoji="1" lang="en-US" altLang="ja-JP" sz="1100" dirty="0"/>
+          </a:p>
+          <a:p>
+            <a:r>
+              <a:rPr kumimoji="1" lang="ja-JP" altLang="en-US" sz="1100" dirty="0"/>
+              <a:t>更に構造を知りたい方は実際に「</a:t>
+            </a:r>
+            <a:r>
+              <a:rPr kumimoji="1" lang="en-US" altLang="ja-JP" sz="1100" dirty="0"/>
+              <a:t>$ vim lenet_classify.py</a:t>
+            </a:r>
+            <a:r>
+              <a:rPr kumimoji="1" lang="ja-JP" altLang="en-US" sz="1100" dirty="0"/>
+              <a:t>」と打って見てみて下さい。</a:t>
+            </a:r>
+          </a:p>
+        </p:txBody>
+      </p:sp>
+    </p:spTree>
+    <p:extLst>
+      <p:ext uri="{BB962C8B-B14F-4D97-AF65-F5344CB8AC3E}">
+        <p14:creationId xmlns:p14="http://schemas.microsoft.com/office/powerpoint/2010/main" val="2781505831"/>
       </p:ext>
     </p:extLst>
   </p:cSld>
@@ -4153,33 +6671,31 @@
         </p:nvSpPr>
         <p:spPr/>
         <p:txBody>
-          <a:bodyPr>
-            <a:normAutofit/>
-          </a:bodyPr>
-          <a:lstStyle/>
-          <a:p>
-            <a:r>
-              <a:rPr kumimoji="1" lang="ja-JP" altLang="en-US" sz="4000" dirty="0" smtClean="0"/>
-              <a:t>従来の画像認識と</a:t>
-            </a:r>
-            <a:r>
-              <a:rPr kumimoji="1" lang="en-US" altLang="ja-JP" sz="4000" dirty="0" smtClean="0"/>
-              <a:t>Deep Learning</a:t>
-            </a:r>
-            <a:endParaRPr kumimoji="1" lang="ja-JP" altLang="en-US" sz="4000" dirty="0"/>
-          </a:p>
-        </p:txBody>
-      </p:sp>
-      <p:sp>
-        <p:nvSpPr>
-          <p:cNvPr id="3" name="テキスト ボックス 2"/>
+          <a:bodyPr/>
+          <a:lstStyle/>
+          <a:p>
+            <a:r>
+              <a:rPr lang="en-US" altLang="ja-JP" dirty="0"/>
+              <a:t>CNN</a:t>
+            </a:r>
+            <a:r>
+              <a:rPr lang="ja-JP" altLang="en-US" dirty="0"/>
+              <a:t>について</a:t>
+            </a:r>
+            <a:endParaRPr kumimoji="1" lang="ja-JP" altLang="en-US" dirty="0"/>
+          </a:p>
+        </p:txBody>
+      </p:sp>
+      <p:sp>
+        <p:nvSpPr>
+          <p:cNvPr id="8" name="テキスト ボックス 7"/>
           <p:cNvSpPr txBox="1"/>
           <p:nvPr/>
         </p:nvSpPr>
         <p:spPr>
           <a:xfrm>
-            <a:off x="744582" y="1947766"/>
-            <a:ext cx="4493538" cy="830997"/>
+            <a:off x="984928" y="1321357"/>
+            <a:ext cx="3587072" cy="369332"/>
           </a:xfrm>
           <a:prstGeom prst="rect">
             <a:avLst/>
@@ -4192,228 +6708,10 @@
           </a:bodyPr>
           <a:lstStyle/>
           <a:p>
-            <a:r>
-              <a:rPr kumimoji="1" lang="ja-JP" altLang="en-US" sz="2400" dirty="0" smtClean="0"/>
-              <a:t>手作業で特徴の抽出をしていた</a:t>
-            </a:r>
-            <a:endParaRPr kumimoji="1" lang="en-US" altLang="ja-JP" sz="2400" dirty="0" smtClean="0"/>
-          </a:p>
-          <a:p>
-            <a:r>
-              <a:rPr kumimoji="1" lang="en-US" altLang="ja-JP" sz="2400" dirty="0"/>
-              <a:t>	</a:t>
-            </a:r>
-            <a:r>
-              <a:rPr kumimoji="1" lang="ja-JP" altLang="en-US" sz="2400" dirty="0" smtClean="0"/>
-              <a:t>→職人技のような作業</a:t>
-            </a:r>
-            <a:endParaRPr kumimoji="1" lang="en-US" altLang="ja-JP" sz="2400" dirty="0" smtClean="0"/>
-          </a:p>
-        </p:txBody>
-      </p:sp>
-      <p:pic>
-        <p:nvPicPr>
-          <p:cNvPr id="6" name="図 5"/>
-          <p:cNvPicPr>
-            <a:picLocks noChangeAspect="1"/>
-          </p:cNvPicPr>
-          <p:nvPr/>
-        </p:nvPicPr>
-        <p:blipFill>
-          <a:blip r:embed="rId2"/>
-          <a:stretch>
-            <a:fillRect/>
-          </a:stretch>
-        </p:blipFill>
-        <p:spPr>
-          <a:xfrm>
-            <a:off x="5424302" y="1463640"/>
-            <a:ext cx="1580051" cy="1580051"/>
-          </a:xfrm>
-          <a:prstGeom prst="rect">
-            <a:avLst/>
-          </a:prstGeom>
-        </p:spPr>
-      </p:pic>
-      <p:pic>
-        <p:nvPicPr>
-          <p:cNvPr id="7" name="図 6"/>
-          <p:cNvPicPr>
-            <a:picLocks noChangeAspect="1"/>
-          </p:cNvPicPr>
-          <p:nvPr/>
-        </p:nvPicPr>
-        <p:blipFill>
-          <a:blip r:embed="rId3"/>
-          <a:stretch>
-            <a:fillRect/>
-          </a:stretch>
-        </p:blipFill>
-        <p:spPr>
-          <a:xfrm>
-            <a:off x="7190535" y="1463640"/>
-            <a:ext cx="1572200" cy="1572200"/>
-          </a:xfrm>
-          <a:prstGeom prst="rect">
-            <a:avLst/>
-          </a:prstGeom>
-        </p:spPr>
-      </p:pic>
-      <p:sp>
-        <p:nvSpPr>
-          <p:cNvPr id="8" name="テキスト ボックス 7"/>
-          <p:cNvSpPr txBox="1"/>
-          <p:nvPr/>
-        </p:nvSpPr>
-        <p:spPr>
-          <a:xfrm>
-            <a:off x="5035183" y="2997524"/>
-            <a:ext cx="4108817" cy="369332"/>
-          </a:xfrm>
-          <a:prstGeom prst="rect">
-            <a:avLst/>
-          </a:prstGeom>
-          <a:noFill/>
-        </p:spPr>
-        <p:txBody>
-          <a:bodyPr wrap="none" rtlCol="0">
-            <a:spAutoFit/>
-          </a:bodyPr>
-          <a:lstStyle/>
-          <a:p>
-            <a:r>
-              <a:rPr kumimoji="1" lang="ja-JP" altLang="en-US" smtClean="0"/>
-              <a:t>サイズは？色は？形は？艶やかさは？</a:t>
-            </a:r>
-            <a:endParaRPr kumimoji="1" lang="ja-JP" altLang="en-US" dirty="0"/>
-          </a:p>
-        </p:txBody>
-      </p:sp>
-      <p:sp>
-        <p:nvSpPr>
-          <p:cNvPr id="10" name="テキスト ボックス 9"/>
-          <p:cNvSpPr txBox="1"/>
-          <p:nvPr/>
-        </p:nvSpPr>
-        <p:spPr>
-          <a:xfrm>
-            <a:off x="628650" y="4535192"/>
-            <a:ext cx="8452955" cy="461665"/>
-          </a:xfrm>
-          <a:prstGeom prst="rect">
-            <a:avLst/>
-          </a:prstGeom>
-          <a:noFill/>
-        </p:spPr>
-        <p:txBody>
-          <a:bodyPr wrap="none" rtlCol="0">
-            <a:spAutoFit/>
-          </a:bodyPr>
-          <a:lstStyle/>
-          <a:p>
-            <a:r>
-              <a:rPr kumimoji="1" lang="en-US" altLang="ja-JP" sz="2400" dirty="0" smtClean="0"/>
-              <a:t>Deep Learning</a:t>
-            </a:r>
-            <a:r>
-              <a:rPr kumimoji="1" lang="ja-JP" altLang="en-US" sz="2400" dirty="0" smtClean="0"/>
-              <a:t>では、この特徴抽出もやってくれるのが特徴。</a:t>
-            </a:r>
-            <a:endParaRPr kumimoji="1" lang="ja-JP" altLang="en-US" sz="2400" dirty="0"/>
-          </a:p>
-        </p:txBody>
-      </p:sp>
-    </p:spTree>
-    <p:extLst>
-      <p:ext uri="{BB962C8B-B14F-4D97-AF65-F5344CB8AC3E}">
-        <p14:creationId xmlns:p14="http://schemas.microsoft.com/office/powerpoint/2010/main" val="68554053"/>
-      </p:ext>
-    </p:extLst>
-  </p:cSld>
-  <p:clrMapOvr>
-    <a:masterClrMapping/>
-  </p:clrMapOvr>
-</p:sld>
-</file>
-
-<file path=ppt/slides/slide3.xml><?xml version="1.0" encoding="utf-8"?>
-<p:sld xmlns:a="http://schemas.openxmlformats.org/drawingml/2006/main" xmlns:r="http://schemas.openxmlformats.org/officeDocument/2006/relationships" xmlns:p="http://schemas.openxmlformats.org/presentationml/2006/main">
-  <p:cSld>
-    <p:spTree>
-      <p:nvGrpSpPr>
-        <p:cNvPr id="1" name=""/>
-        <p:cNvGrpSpPr/>
-        <p:nvPr/>
-      </p:nvGrpSpPr>
-      <p:grpSpPr>
-        <a:xfrm>
-          <a:off x="0" y="0"/>
-          <a:ext cx="0" cy="0"/>
-          <a:chOff x="0" y="0"/>
-          <a:chExt cx="0" cy="0"/>
-        </a:xfrm>
-      </p:grpSpPr>
-      <p:sp>
-        <p:nvSpPr>
-          <p:cNvPr id="2" name="タイトル 1"/>
-          <p:cNvSpPr>
-            <a:spLocks noGrp="1"/>
-          </p:cNvSpPr>
-          <p:nvPr>
-            <p:ph type="title"/>
-          </p:nvPr>
-        </p:nvSpPr>
-        <p:spPr/>
-        <p:txBody>
-          <a:bodyPr/>
-          <a:lstStyle/>
-          <a:p>
-            <a:r>
-              <a:rPr lang="en-US" altLang="ja-JP" dirty="0" smtClean="0"/>
-              <a:t>CNN</a:t>
-            </a:r>
-            <a:r>
-              <a:rPr lang="ja-JP" altLang="en-US" dirty="0" smtClean="0"/>
-              <a:t>について</a:t>
-            </a:r>
-            <a:endParaRPr kumimoji="1" lang="ja-JP" altLang="en-US" dirty="0"/>
-          </a:p>
-        </p:txBody>
-      </p:sp>
-      <p:sp>
-        <p:nvSpPr>
-          <p:cNvPr id="8" name="テキスト ボックス 7"/>
-          <p:cNvSpPr txBox="1"/>
-          <p:nvPr/>
-        </p:nvSpPr>
-        <p:spPr>
-          <a:xfrm>
-            <a:off x="984928" y="1321357"/>
-            <a:ext cx="3587072" cy="369332"/>
-          </a:xfrm>
-          <a:prstGeom prst="rect">
-            <a:avLst/>
-          </a:prstGeom>
-          <a:noFill/>
-        </p:spPr>
-        <p:txBody>
-          <a:bodyPr wrap="none" rtlCol="0">
-            <a:spAutoFit/>
-          </a:bodyPr>
-          <a:lstStyle/>
-          <a:p>
             <a:pPr marL="0" lvl="1"/>
             <a:r>
-              <a:rPr lang="en-US" altLang="ja-JP" smtClean="0"/>
-              <a:t>CNN(Convolutional </a:t>
-            </a:r>
-            <a:r>
               <a:rPr lang="en-US" altLang="ja-JP"/>
-              <a:t>Neural </a:t>
-            </a:r>
-            <a:r>
-              <a:rPr lang="en-US" altLang="ja-JP" smtClean="0"/>
-              <a:t>Network)</a:t>
+              <a:t>CNN(Convolutional Neural Network)</a:t>
             </a:r>
             <a:endParaRPr lang="en-US" altLang="ja-JP" dirty="0"/>
           </a:p>
@@ -5145,7 +7443,7 @@
           <a:lstStyle/>
           <a:p>
             <a:r>
-              <a:rPr kumimoji="1" lang="ja-JP" altLang="en-US" smtClean="0"/>
+              <a:rPr kumimoji="1" lang="ja-JP" altLang="en-US"/>
               <a:t>従来の問題点</a:t>
             </a:r>
             <a:endParaRPr kumimoji="1" lang="ja-JP" altLang="en-US" dirty="0"/>
@@ -5175,11 +7473,11 @@
           <a:lstStyle/>
           <a:p>
             <a:r>
-              <a:rPr kumimoji="1" lang="ja-JP" altLang="en-US" sz="2400" dirty="0" smtClean="0"/>
+              <a:rPr kumimoji="1" lang="ja-JP" altLang="en-US" sz="2400" dirty="0"/>
               <a:t>→　画像の</a:t>
             </a:r>
             <a:r>
-              <a:rPr kumimoji="1" lang="ja-JP" altLang="en-US" sz="2400" smtClean="0"/>
+              <a:rPr kumimoji="1" lang="ja-JP" altLang="en-US" sz="2400"/>
               <a:t>ズレや歪みに弱い＝誤差が大きくなる</a:t>
             </a:r>
             <a:endParaRPr kumimoji="1" lang="ja-JP" altLang="en-US" sz="2400" dirty="0"/>
@@ -5190,6 +7488,615 @@
     <p:extLst>
       <p:ext uri="{BB962C8B-B14F-4D97-AF65-F5344CB8AC3E}">
         <p14:creationId xmlns:p14="http://schemas.microsoft.com/office/powerpoint/2010/main" val="3060650951"/>
+      </p:ext>
+    </p:extLst>
+  </p:cSld>
+  <p:clrMapOvr>
+    <a:masterClrMapping/>
+  </p:clrMapOvr>
+</p:sld>
+</file>
+
+<file path=ppt/slides/slide3.xml><?xml version="1.0" encoding="utf-8"?>
+<p:sld xmlns:a="http://schemas.openxmlformats.org/drawingml/2006/main" xmlns:r="http://schemas.openxmlformats.org/officeDocument/2006/relationships" xmlns:p="http://schemas.openxmlformats.org/presentationml/2006/main">
+  <p:cSld>
+    <p:spTree>
+      <p:nvGrpSpPr>
+        <p:cNvPr id="1" name=""/>
+        <p:cNvGrpSpPr/>
+        <p:nvPr/>
+      </p:nvGrpSpPr>
+      <p:grpSpPr>
+        <a:xfrm>
+          <a:off x="0" y="0"/>
+          <a:ext cx="0" cy="0"/>
+          <a:chOff x="0" y="0"/>
+          <a:chExt cx="0" cy="0"/>
+        </a:xfrm>
+      </p:grpSpPr>
+      <p:sp>
+        <p:nvSpPr>
+          <p:cNvPr id="2" name="タイトル 1"/>
+          <p:cNvSpPr>
+            <a:spLocks noGrp="1"/>
+          </p:cNvSpPr>
+          <p:nvPr>
+            <p:ph type="title"/>
+          </p:nvPr>
+        </p:nvSpPr>
+        <p:spPr/>
+        <p:txBody>
+          <a:bodyPr/>
+          <a:lstStyle/>
+          <a:p>
+            <a:r>
+              <a:rPr lang="en-US" altLang="ja-JP" dirty="0"/>
+              <a:t>CNN</a:t>
+            </a:r>
+            <a:r>
+              <a:rPr lang="ja-JP" altLang="en-US" dirty="0"/>
+              <a:t>について</a:t>
+            </a:r>
+            <a:endParaRPr kumimoji="1" lang="ja-JP" altLang="en-US" dirty="0"/>
+          </a:p>
+        </p:txBody>
+      </p:sp>
+      <p:sp>
+        <p:nvSpPr>
+          <p:cNvPr id="8" name="テキスト ボックス 7"/>
+          <p:cNvSpPr txBox="1"/>
+          <p:nvPr/>
+        </p:nvSpPr>
+        <p:spPr>
+          <a:xfrm>
+            <a:off x="984928" y="1321357"/>
+            <a:ext cx="3587072" cy="369332"/>
+          </a:xfrm>
+          <a:prstGeom prst="rect">
+            <a:avLst/>
+          </a:prstGeom>
+          <a:noFill/>
+        </p:spPr>
+        <p:txBody>
+          <a:bodyPr wrap="none" rtlCol="0">
+            <a:spAutoFit/>
+          </a:bodyPr>
+          <a:lstStyle/>
+          <a:p>
+            <a:pPr marL="0" lvl="1"/>
+            <a:r>
+              <a:rPr lang="en-US" altLang="ja-JP"/>
+              <a:t>CNN(Convolutional Neural Network)</a:t>
+            </a:r>
+            <a:endParaRPr lang="en-US" altLang="ja-JP" dirty="0"/>
+          </a:p>
+        </p:txBody>
+      </p:sp>
+      <p:grpSp>
+        <p:nvGrpSpPr>
+          <p:cNvPr id="3" name="図形グループ 2"/>
+          <p:cNvGrpSpPr/>
+          <p:nvPr/>
+        </p:nvGrpSpPr>
+        <p:grpSpPr>
+          <a:xfrm>
+            <a:off x="1034107" y="2279163"/>
+            <a:ext cx="3991917" cy="295646"/>
+            <a:chOff x="1048271" y="3382438"/>
+            <a:chExt cx="3991917" cy="295646"/>
+          </a:xfrm>
+        </p:grpSpPr>
+        <p:sp>
+          <p:nvSpPr>
+            <p:cNvPr id="112" name="正方形/長方形 111"/>
+            <p:cNvSpPr/>
+            <p:nvPr/>
+          </p:nvSpPr>
+          <p:spPr>
+            <a:xfrm>
+              <a:off x="1048271" y="3393077"/>
+              <a:ext cx="285007" cy="285007"/>
+            </a:xfrm>
+            <a:prstGeom prst="rect">
+              <a:avLst/>
+            </a:prstGeom>
+          </p:spPr>
+          <p:style>
+            <a:lnRef idx="2">
+              <a:schemeClr val="dk1"/>
+            </a:lnRef>
+            <a:fillRef idx="1">
+              <a:schemeClr val="lt1"/>
+            </a:fillRef>
+            <a:effectRef idx="0">
+              <a:schemeClr val="dk1"/>
+            </a:effectRef>
+            <a:fontRef idx="minor">
+              <a:schemeClr val="dk1"/>
+            </a:fontRef>
+          </p:style>
+          <p:txBody>
+            <a:bodyPr rtlCol="0" anchor="ctr"/>
+            <a:lstStyle/>
+            <a:p>
+              <a:pPr algn="ctr"/>
+              <a:endParaRPr kumimoji="1" lang="ja-JP" altLang="en-US"/>
+            </a:p>
+          </p:txBody>
+        </p:sp>
+        <p:cxnSp>
+          <p:nvCxnSpPr>
+            <p:cNvPr id="113" name="直線コネクタ 112"/>
+            <p:cNvCxnSpPr/>
+            <p:nvPr/>
+          </p:nvCxnSpPr>
+          <p:spPr>
+            <a:xfrm flipH="1">
+              <a:off x="1138069" y="3393077"/>
+              <a:ext cx="94838" cy="284106"/>
+            </a:xfrm>
+            <a:prstGeom prst="line">
+              <a:avLst/>
+            </a:prstGeom>
+            <a:ln w="19050"/>
+          </p:spPr>
+          <p:style>
+            <a:lnRef idx="1">
+              <a:schemeClr val="accent1"/>
+            </a:lnRef>
+            <a:fillRef idx="0">
+              <a:schemeClr val="accent1"/>
+            </a:fillRef>
+            <a:effectRef idx="0">
+              <a:schemeClr val="accent1"/>
+            </a:effectRef>
+            <a:fontRef idx="minor">
+              <a:schemeClr val="tx1"/>
+            </a:fontRef>
+          </p:style>
+        </p:cxnSp>
+        <p:sp>
+          <p:nvSpPr>
+            <p:cNvPr id="114" name="テキスト ボックス 113"/>
+            <p:cNvSpPr txBox="1"/>
+            <p:nvPr/>
+          </p:nvSpPr>
+          <p:spPr>
+            <a:xfrm>
+              <a:off x="1316092" y="3382438"/>
+              <a:ext cx="3724096" cy="276999"/>
+            </a:xfrm>
+            <a:prstGeom prst="rect">
+              <a:avLst/>
+            </a:prstGeom>
+            <a:noFill/>
+          </p:spPr>
+          <p:txBody>
+            <a:bodyPr wrap="none" rtlCol="0">
+              <a:spAutoFit/>
+            </a:bodyPr>
+            <a:lstStyle/>
+            <a:p>
+              <a:r>
+                <a:rPr lang="ja-JP" altLang="en-US" sz="1200" dirty="0"/>
+                <a:t>エッジフィルタ（斜めや縦横に反応するフィルタ）</a:t>
+              </a:r>
+              <a:endParaRPr kumimoji="1" lang="ja-JP" altLang="en-US" sz="1200" dirty="0"/>
+            </a:p>
+          </p:txBody>
+        </p:sp>
+      </p:grpSp>
+      <p:grpSp>
+        <p:nvGrpSpPr>
+          <p:cNvPr id="7" name="図形グループ 6"/>
+          <p:cNvGrpSpPr/>
+          <p:nvPr/>
+        </p:nvGrpSpPr>
+        <p:grpSpPr>
+          <a:xfrm>
+            <a:off x="1319114" y="2617657"/>
+            <a:ext cx="6682597" cy="1516994"/>
+            <a:chOff x="956809" y="2671577"/>
+            <a:chExt cx="6682597" cy="1516994"/>
+          </a:xfrm>
+        </p:grpSpPr>
+        <p:grpSp>
+          <p:nvGrpSpPr>
+            <p:cNvPr id="4" name="図形グループ 3"/>
+            <p:cNvGrpSpPr/>
+            <p:nvPr/>
+          </p:nvGrpSpPr>
+          <p:grpSpPr>
+            <a:xfrm>
+              <a:off x="956809" y="2834886"/>
+              <a:ext cx="1088995" cy="1088995"/>
+              <a:chOff x="1020848" y="3581125"/>
+              <a:chExt cx="1088995" cy="1088995"/>
+            </a:xfrm>
+          </p:grpSpPr>
+          <p:sp>
+            <p:nvSpPr>
+              <p:cNvPr id="73" name="正方形/長方形 72"/>
+              <p:cNvSpPr/>
+              <p:nvPr/>
+            </p:nvSpPr>
+            <p:spPr>
+              <a:xfrm>
+                <a:off x="1020848" y="3581125"/>
+                <a:ext cx="1088995" cy="1088995"/>
+              </a:xfrm>
+              <a:prstGeom prst="rect">
+                <a:avLst/>
+              </a:prstGeom>
+            </p:spPr>
+            <p:style>
+              <a:lnRef idx="2">
+                <a:schemeClr val="dk1"/>
+              </a:lnRef>
+              <a:fillRef idx="1">
+                <a:schemeClr val="lt1"/>
+              </a:fillRef>
+              <a:effectRef idx="0">
+                <a:schemeClr val="dk1"/>
+              </a:effectRef>
+              <a:fontRef idx="minor">
+                <a:schemeClr val="dk1"/>
+              </a:fontRef>
+            </p:style>
+            <p:txBody>
+              <a:bodyPr rtlCol="0" anchor="ctr"/>
+              <a:lstStyle/>
+              <a:p>
+                <a:pPr algn="ctr"/>
+                <a:endParaRPr kumimoji="1" lang="ja-JP" altLang="en-US"/>
+              </a:p>
+            </p:txBody>
+          </p:sp>
+          <p:pic>
+            <p:nvPicPr>
+              <p:cNvPr id="74" name="図 73"/>
+              <p:cNvPicPr>
+                <a:picLocks noChangeAspect="1"/>
+              </p:cNvPicPr>
+              <p:nvPr/>
+            </p:nvPicPr>
+            <p:blipFill>
+              <a:blip r:embed="rId2">
+                <a:extLst>
+                  <a:ext uri="{BEBA8EAE-BF5A-486C-A8C5-ECC9F3942E4B}">
+                    <a14:imgProps xmlns:a14="http://schemas.microsoft.com/office/drawing/2010/main">
+                      <a14:imgLayer r:embed="rId3">
+                        <a14:imgEffect>
+                          <a14:backgroundRemoval t="10000" b="90000" l="10000" r="90000"/>
+                        </a14:imgEffect>
+                      </a14:imgLayer>
+                    </a14:imgProps>
+                  </a:ext>
+                  <a:ext uri="{28A0092B-C50C-407E-A947-70E740481C1C}">
+                    <a14:useLocalDpi xmlns:a14="http://schemas.microsoft.com/office/drawing/2010/main" val="0"/>
+                  </a:ext>
+                </a:extLst>
+              </a:blip>
+              <a:stretch>
+                <a:fillRect/>
+              </a:stretch>
+            </p:blipFill>
+            <p:spPr>
+              <a:xfrm rot="526372">
+                <a:off x="1060658" y="3612762"/>
+                <a:ext cx="978527" cy="1039180"/>
+              </a:xfrm>
+              <a:prstGeom prst="rect">
+                <a:avLst/>
+              </a:prstGeom>
+            </p:spPr>
+          </p:pic>
+        </p:grpSp>
+        <p:grpSp>
+          <p:nvGrpSpPr>
+            <p:cNvPr id="75" name="図形グループ 74"/>
+            <p:cNvGrpSpPr/>
+            <p:nvPr/>
+          </p:nvGrpSpPr>
+          <p:grpSpPr>
+            <a:xfrm>
+              <a:off x="3125551" y="3238289"/>
+              <a:ext cx="1338948" cy="295646"/>
+              <a:chOff x="3384453" y="3897023"/>
+              <a:chExt cx="1338948" cy="295646"/>
+            </a:xfrm>
+          </p:grpSpPr>
+          <p:grpSp>
+            <p:nvGrpSpPr>
+              <p:cNvPr id="79" name="図形グループ 78"/>
+              <p:cNvGrpSpPr/>
+              <p:nvPr/>
+            </p:nvGrpSpPr>
+            <p:grpSpPr>
+              <a:xfrm>
+                <a:off x="3384453" y="3907662"/>
+                <a:ext cx="285007" cy="285007"/>
+                <a:chOff x="3206338" y="4031695"/>
+                <a:chExt cx="285007" cy="285007"/>
+              </a:xfrm>
+            </p:grpSpPr>
+            <p:sp>
+              <p:nvSpPr>
+                <p:cNvPr id="81" name="正方形/長方形 80"/>
+                <p:cNvSpPr/>
+                <p:nvPr/>
+              </p:nvSpPr>
+              <p:spPr>
+                <a:xfrm>
+                  <a:off x="3206338" y="4031695"/>
+                  <a:ext cx="285007" cy="285007"/>
+                </a:xfrm>
+                <a:prstGeom prst="rect">
+                  <a:avLst/>
+                </a:prstGeom>
+              </p:spPr>
+              <p:style>
+                <a:lnRef idx="2">
+                  <a:schemeClr val="dk1"/>
+                </a:lnRef>
+                <a:fillRef idx="1">
+                  <a:schemeClr val="lt1"/>
+                </a:fillRef>
+                <a:effectRef idx="0">
+                  <a:schemeClr val="dk1"/>
+                </a:effectRef>
+                <a:fontRef idx="minor">
+                  <a:schemeClr val="dk1"/>
+                </a:fontRef>
+              </p:style>
+              <p:txBody>
+                <a:bodyPr rtlCol="0" anchor="ctr"/>
+                <a:lstStyle/>
+                <a:p>
+                  <a:pPr algn="ctr"/>
+                  <a:endParaRPr kumimoji="1" lang="ja-JP" altLang="en-US"/>
+                </a:p>
+              </p:txBody>
+            </p:sp>
+            <p:cxnSp>
+              <p:nvCxnSpPr>
+                <p:cNvPr id="82" name="直線コネクタ 81"/>
+                <p:cNvCxnSpPr/>
+                <p:nvPr/>
+              </p:nvCxnSpPr>
+              <p:spPr>
+                <a:xfrm flipH="1">
+                  <a:off x="3296136" y="4031695"/>
+                  <a:ext cx="94838" cy="284106"/>
+                </a:xfrm>
+                <a:prstGeom prst="line">
+                  <a:avLst/>
+                </a:prstGeom>
+                <a:ln w="19050"/>
+              </p:spPr>
+              <p:style>
+                <a:lnRef idx="1">
+                  <a:schemeClr val="accent1"/>
+                </a:lnRef>
+                <a:fillRef idx="0">
+                  <a:schemeClr val="accent1"/>
+                </a:fillRef>
+                <a:effectRef idx="0">
+                  <a:schemeClr val="accent1"/>
+                </a:effectRef>
+                <a:fontRef idx="minor">
+                  <a:schemeClr val="tx1"/>
+                </a:fontRef>
+              </p:style>
+            </p:cxnSp>
+          </p:grpSp>
+          <p:sp>
+            <p:nvSpPr>
+              <p:cNvPr id="80" name="テキスト ボックス 79"/>
+              <p:cNvSpPr txBox="1"/>
+              <p:nvPr/>
+            </p:nvSpPr>
+            <p:spPr>
+              <a:xfrm>
+                <a:off x="3652274" y="3897023"/>
+                <a:ext cx="1071127" cy="276999"/>
+              </a:xfrm>
+              <a:prstGeom prst="rect">
+                <a:avLst/>
+              </a:prstGeom>
+              <a:noFill/>
+            </p:spPr>
+            <p:txBody>
+              <a:bodyPr wrap="none" rtlCol="0">
+                <a:spAutoFit/>
+              </a:bodyPr>
+              <a:lstStyle/>
+              <a:p>
+                <a:r>
+                  <a:rPr lang="ja-JP" altLang="en-US" sz="1200" dirty="0"/>
+                  <a:t>エッジフィルタ</a:t>
+                </a:r>
+                <a:endParaRPr kumimoji="1" lang="ja-JP" altLang="en-US" sz="1200" dirty="0"/>
+              </a:p>
+            </p:txBody>
+          </p:sp>
+        </p:grpSp>
+        <p:grpSp>
+          <p:nvGrpSpPr>
+            <p:cNvPr id="6" name="図形グループ 5"/>
+            <p:cNvGrpSpPr/>
+            <p:nvPr/>
+          </p:nvGrpSpPr>
+          <p:grpSpPr>
+            <a:xfrm>
+              <a:off x="5575058" y="2671577"/>
+              <a:ext cx="2064348" cy="1516994"/>
+              <a:chOff x="527570" y="4810006"/>
+              <a:chExt cx="2064348" cy="1516994"/>
+            </a:xfrm>
+          </p:grpSpPr>
+          <p:sp>
+            <p:nvSpPr>
+              <p:cNvPr id="76" name="テキスト ボックス 75"/>
+              <p:cNvSpPr txBox="1"/>
+              <p:nvPr/>
+            </p:nvSpPr>
+            <p:spPr>
+              <a:xfrm>
+                <a:off x="1102851" y="4810006"/>
+                <a:ext cx="881973" cy="276999"/>
+              </a:xfrm>
+              <a:prstGeom prst="rect">
+                <a:avLst/>
+              </a:prstGeom>
+              <a:noFill/>
+            </p:spPr>
+            <p:txBody>
+              <a:bodyPr wrap="none" rtlCol="0">
+                <a:spAutoFit/>
+              </a:bodyPr>
+              <a:lstStyle/>
+              <a:p>
+                <a:r>
+                  <a:rPr lang="ja-JP" altLang="en-US" sz="1200"/>
+                  <a:t>特徴マップ</a:t>
+                </a:r>
+                <a:endParaRPr kumimoji="1" lang="ja-JP" altLang="en-US" sz="1200" dirty="0"/>
+              </a:p>
+            </p:txBody>
+          </p:sp>
+          <p:pic>
+            <p:nvPicPr>
+              <p:cNvPr id="77" name="図 76"/>
+              <p:cNvPicPr>
+                <a:picLocks noChangeAspect="1"/>
+              </p:cNvPicPr>
+              <p:nvPr/>
+            </p:nvPicPr>
+            <p:blipFill>
+              <a:blip r:embed="rId4">
+                <a:extLst>
+                  <a:ext uri="{28A0092B-C50C-407E-A947-70E740481C1C}">
+                    <a14:useLocalDpi xmlns:a14="http://schemas.microsoft.com/office/drawing/2010/main" val="0"/>
+                  </a:ext>
+                </a:extLst>
+              </a:blip>
+              <a:stretch>
+                <a:fillRect/>
+              </a:stretch>
+            </p:blipFill>
+            <p:spPr>
+              <a:xfrm>
+                <a:off x="1073685" y="5051071"/>
+                <a:ext cx="972119" cy="934844"/>
+              </a:xfrm>
+              <a:prstGeom prst="rect">
+                <a:avLst/>
+              </a:prstGeom>
+            </p:spPr>
+          </p:pic>
+          <p:sp>
+            <p:nvSpPr>
+              <p:cNvPr id="78" name="テキスト ボックス 77"/>
+              <p:cNvSpPr txBox="1"/>
+              <p:nvPr/>
+            </p:nvSpPr>
+            <p:spPr>
+              <a:xfrm>
+                <a:off x="527570" y="6050001"/>
+                <a:ext cx="2064348" cy="276999"/>
+              </a:xfrm>
+              <a:prstGeom prst="rect">
+                <a:avLst/>
+              </a:prstGeom>
+              <a:noFill/>
+            </p:spPr>
+            <p:txBody>
+              <a:bodyPr wrap="none" rtlCol="0">
+                <a:spAutoFit/>
+              </a:bodyPr>
+              <a:lstStyle/>
+              <a:p>
+                <a:r>
+                  <a:rPr lang="en-US" altLang="ja-JP" sz="1200" dirty="0"/>
+                  <a:t>Convolutional(</a:t>
+                </a:r>
+                <a:r>
+                  <a:rPr lang="ja-JP" altLang="en-US" sz="1200" dirty="0"/>
+                  <a:t>畳み込み演算</a:t>
+                </a:r>
+                <a:r>
+                  <a:rPr lang="en-US" altLang="ja-JP" sz="1200" dirty="0"/>
+                  <a:t>)</a:t>
+                </a:r>
+                <a:endParaRPr kumimoji="1" lang="ja-JP" altLang="en-US" sz="1200" dirty="0"/>
+              </a:p>
+            </p:txBody>
+          </p:sp>
+        </p:grpSp>
+        <p:sp>
+          <p:nvSpPr>
+            <p:cNvPr id="5" name="テキスト ボックス 4"/>
+            <p:cNvSpPr txBox="1"/>
+            <p:nvPr/>
+          </p:nvSpPr>
+          <p:spPr>
+            <a:xfrm>
+              <a:off x="2282547" y="3093725"/>
+              <a:ext cx="556563" cy="584775"/>
+            </a:xfrm>
+            <a:prstGeom prst="rect">
+              <a:avLst/>
+            </a:prstGeom>
+            <a:noFill/>
+          </p:spPr>
+          <p:txBody>
+            <a:bodyPr wrap="none" rtlCol="0">
+              <a:spAutoFit/>
+            </a:bodyPr>
+            <a:lstStyle/>
+            <a:p>
+              <a:r>
+                <a:rPr kumimoji="1" lang="ja-JP" altLang="en-US" sz="3200" dirty="0"/>
+                <a:t>→</a:t>
+              </a:r>
+            </a:p>
+          </p:txBody>
+        </p:sp>
+        <p:sp>
+          <p:nvSpPr>
+            <p:cNvPr id="115" name="テキスト ボックス 114"/>
+            <p:cNvSpPr txBox="1"/>
+            <p:nvPr/>
+          </p:nvSpPr>
+          <p:spPr>
+            <a:xfrm>
+              <a:off x="4942322" y="3070930"/>
+              <a:ext cx="556563" cy="584775"/>
+            </a:xfrm>
+            <a:prstGeom prst="rect">
+              <a:avLst/>
+            </a:prstGeom>
+            <a:noFill/>
+          </p:spPr>
+          <p:txBody>
+            <a:bodyPr wrap="none" rtlCol="0">
+              <a:spAutoFit/>
+            </a:bodyPr>
+            <a:lstStyle/>
+            <a:p>
+              <a:r>
+                <a:rPr kumimoji="1" lang="ja-JP" altLang="en-US" sz="3200" dirty="0"/>
+                <a:t>→</a:t>
+              </a:r>
+            </a:p>
+          </p:txBody>
+        </p:sp>
+      </p:grpSp>
+    </p:spTree>
+    <p:extLst>
+      <p:ext uri="{BB962C8B-B14F-4D97-AF65-F5344CB8AC3E}">
+        <p14:creationId xmlns:p14="http://schemas.microsoft.com/office/powerpoint/2010/main" val="1130303323"/>
       </p:ext>
     </p:extLst>
   </p:cSld>
@@ -5232,11 +8139,11 @@
           <a:lstStyle/>
           <a:p>
             <a:r>
-              <a:rPr lang="en-US" altLang="ja-JP" dirty="0" smtClean="0"/>
+              <a:rPr lang="en-US" altLang="ja-JP" dirty="0"/>
               <a:t>CNN</a:t>
             </a:r>
             <a:r>
-              <a:rPr lang="ja-JP" altLang="en-US" dirty="0" smtClean="0"/>
+              <a:rPr lang="ja-JP" altLang="en-US" dirty="0"/>
               <a:t>について</a:t>
             </a:r>
             <a:endParaRPr kumimoji="1" lang="ja-JP" altLang="en-US" dirty="0"/>
@@ -5267,16 +8174,8 @@
           <a:p>
             <a:pPr marL="0" lvl="1"/>
             <a:r>
-              <a:rPr lang="en-US" altLang="ja-JP" smtClean="0"/>
-              <a:t>CNN(Convolutional </a:t>
-            </a:r>
-            <a:r>
               <a:rPr lang="en-US" altLang="ja-JP"/>
-              <a:t>Neural </a:t>
-            </a:r>
-            <a:r>
-              <a:rPr lang="en-US" altLang="ja-JP" smtClean="0"/>
-              <a:t>Network)</a:t>
+              <a:t>CNN(Convolutional Neural Network)</a:t>
             </a:r>
             <a:endParaRPr lang="en-US" altLang="ja-JP" dirty="0"/>
           </a:p>
@@ -5290,7 +8189,7 @@
         </p:nvGrpSpPr>
         <p:grpSpPr>
           <a:xfrm>
-            <a:off x="2291281" y="4483323"/>
+            <a:off x="4551808" y="3395306"/>
             <a:ext cx="3332195" cy="2849324"/>
             <a:chOff x="5455662" y="3295109"/>
             <a:chExt cx="3332195" cy="2849324"/>
@@ -6127,1499 +9026,6 @@
         </p:nvSpPr>
         <p:spPr>
           <a:xfrm>
-            <a:off x="5951477" y="6211669"/>
-            <a:ext cx="2882520" cy="646331"/>
-          </a:xfrm>
-          <a:prstGeom prst="rect">
-            <a:avLst/>
-          </a:prstGeom>
-          <a:noFill/>
-        </p:spPr>
-        <p:txBody>
-          <a:bodyPr wrap="none" rtlCol="0">
-            <a:spAutoFit/>
-          </a:bodyPr>
-          <a:lstStyle/>
-          <a:p>
-            <a:r>
-              <a:rPr kumimoji="1" lang="ja-JP" altLang="en-US" dirty="0"/>
-              <a:t>右上から左下へと</a:t>
-            </a:r>
-            <a:endParaRPr kumimoji="1" lang="en-US" altLang="ja-JP" dirty="0"/>
-          </a:p>
-          <a:p>
-            <a:r>
-              <a:rPr lang="ja-JP" altLang="en-US" dirty="0"/>
-              <a:t>斜め線の特徴が取れている</a:t>
-            </a:r>
-            <a:endParaRPr kumimoji="1" lang="ja-JP" altLang="en-US" dirty="0"/>
-          </a:p>
-        </p:txBody>
-      </p:sp>
-      <p:grpSp>
-        <p:nvGrpSpPr>
-          <p:cNvPr id="3" name="図形グループ 2"/>
-          <p:cNvGrpSpPr/>
-          <p:nvPr/>
-        </p:nvGrpSpPr>
-        <p:grpSpPr>
-          <a:xfrm>
-            <a:off x="1034107" y="2279163"/>
-            <a:ext cx="3991917" cy="295646"/>
-            <a:chOff x="1048271" y="3382438"/>
-            <a:chExt cx="3991917" cy="295646"/>
-          </a:xfrm>
-        </p:grpSpPr>
-        <p:sp>
-          <p:nvSpPr>
-            <p:cNvPr id="112" name="正方形/長方形 111"/>
-            <p:cNvSpPr/>
-            <p:nvPr/>
-          </p:nvSpPr>
-          <p:spPr>
-            <a:xfrm>
-              <a:off x="1048271" y="3393077"/>
-              <a:ext cx="285007" cy="285007"/>
-            </a:xfrm>
-            <a:prstGeom prst="rect">
-              <a:avLst/>
-            </a:prstGeom>
-          </p:spPr>
-          <p:style>
-            <a:lnRef idx="2">
-              <a:schemeClr val="dk1"/>
-            </a:lnRef>
-            <a:fillRef idx="1">
-              <a:schemeClr val="lt1"/>
-            </a:fillRef>
-            <a:effectRef idx="0">
-              <a:schemeClr val="dk1"/>
-            </a:effectRef>
-            <a:fontRef idx="minor">
-              <a:schemeClr val="dk1"/>
-            </a:fontRef>
-          </p:style>
-          <p:txBody>
-            <a:bodyPr rtlCol="0" anchor="ctr"/>
-            <a:lstStyle/>
-            <a:p>
-              <a:pPr algn="ctr"/>
-              <a:endParaRPr kumimoji="1" lang="ja-JP" altLang="en-US"/>
-            </a:p>
-          </p:txBody>
-        </p:sp>
-        <p:cxnSp>
-          <p:nvCxnSpPr>
-            <p:cNvPr id="113" name="直線コネクタ 112"/>
-            <p:cNvCxnSpPr/>
-            <p:nvPr/>
-          </p:nvCxnSpPr>
-          <p:spPr>
-            <a:xfrm flipH="1">
-              <a:off x="1138069" y="3393077"/>
-              <a:ext cx="94838" cy="284106"/>
-            </a:xfrm>
-            <a:prstGeom prst="line">
-              <a:avLst/>
-            </a:prstGeom>
-            <a:ln w="19050"/>
-          </p:spPr>
-          <p:style>
-            <a:lnRef idx="1">
-              <a:schemeClr val="accent1"/>
-            </a:lnRef>
-            <a:fillRef idx="0">
-              <a:schemeClr val="accent1"/>
-            </a:fillRef>
-            <a:effectRef idx="0">
-              <a:schemeClr val="accent1"/>
-            </a:effectRef>
-            <a:fontRef idx="minor">
-              <a:schemeClr val="tx1"/>
-            </a:fontRef>
-          </p:style>
-        </p:cxnSp>
-        <p:sp>
-          <p:nvSpPr>
-            <p:cNvPr id="114" name="テキスト ボックス 113"/>
-            <p:cNvSpPr txBox="1"/>
-            <p:nvPr/>
-          </p:nvSpPr>
-          <p:spPr>
-            <a:xfrm>
-              <a:off x="1316092" y="3382438"/>
-              <a:ext cx="3724096" cy="276999"/>
-            </a:xfrm>
-            <a:prstGeom prst="rect">
-              <a:avLst/>
-            </a:prstGeom>
-            <a:noFill/>
-          </p:spPr>
-          <p:txBody>
-            <a:bodyPr wrap="none" rtlCol="0">
-              <a:spAutoFit/>
-            </a:bodyPr>
-            <a:lstStyle/>
-            <a:p>
-              <a:r>
-                <a:rPr lang="ja-JP" altLang="en-US" sz="1200" dirty="0" smtClean="0"/>
-                <a:t>エッジフィルタ（斜めや縦横に反応するフィルタ）</a:t>
-              </a:r>
-              <a:endParaRPr kumimoji="1" lang="ja-JP" altLang="en-US" sz="1200" dirty="0"/>
-            </a:p>
-          </p:txBody>
-        </p:sp>
-      </p:grpSp>
-      <p:grpSp>
-        <p:nvGrpSpPr>
-          <p:cNvPr id="7" name="図形グループ 6"/>
-          <p:cNvGrpSpPr/>
-          <p:nvPr/>
-        </p:nvGrpSpPr>
-        <p:grpSpPr>
-          <a:xfrm>
-            <a:off x="1319114" y="2617657"/>
-            <a:ext cx="6682597" cy="1516994"/>
-            <a:chOff x="956809" y="2671577"/>
-            <a:chExt cx="6682597" cy="1516994"/>
-          </a:xfrm>
-        </p:grpSpPr>
-        <p:grpSp>
-          <p:nvGrpSpPr>
-            <p:cNvPr id="4" name="図形グループ 3"/>
-            <p:cNvGrpSpPr/>
-            <p:nvPr/>
-          </p:nvGrpSpPr>
-          <p:grpSpPr>
-            <a:xfrm>
-              <a:off x="956809" y="2834886"/>
-              <a:ext cx="1088995" cy="1088995"/>
-              <a:chOff x="1020848" y="3581125"/>
-              <a:chExt cx="1088995" cy="1088995"/>
-            </a:xfrm>
-          </p:grpSpPr>
-          <p:sp>
-            <p:nvSpPr>
-              <p:cNvPr id="73" name="正方形/長方形 72"/>
-              <p:cNvSpPr/>
-              <p:nvPr/>
-            </p:nvSpPr>
-            <p:spPr>
-              <a:xfrm>
-                <a:off x="1020848" y="3581125"/>
-                <a:ext cx="1088995" cy="1088995"/>
-              </a:xfrm>
-              <a:prstGeom prst="rect">
-                <a:avLst/>
-              </a:prstGeom>
-            </p:spPr>
-            <p:style>
-              <a:lnRef idx="2">
-                <a:schemeClr val="dk1"/>
-              </a:lnRef>
-              <a:fillRef idx="1">
-                <a:schemeClr val="lt1"/>
-              </a:fillRef>
-              <a:effectRef idx="0">
-                <a:schemeClr val="dk1"/>
-              </a:effectRef>
-              <a:fontRef idx="minor">
-                <a:schemeClr val="dk1"/>
-              </a:fontRef>
-            </p:style>
-            <p:txBody>
-              <a:bodyPr rtlCol="0" anchor="ctr"/>
-              <a:lstStyle/>
-              <a:p>
-                <a:pPr algn="ctr"/>
-                <a:endParaRPr kumimoji="1" lang="ja-JP" altLang="en-US"/>
-              </a:p>
-            </p:txBody>
-          </p:sp>
-          <p:pic>
-            <p:nvPicPr>
-              <p:cNvPr id="74" name="図 73"/>
-              <p:cNvPicPr>
-                <a:picLocks noChangeAspect="1"/>
-              </p:cNvPicPr>
-              <p:nvPr/>
-            </p:nvPicPr>
-            <p:blipFill>
-              <a:blip r:embed="rId6">
-                <a:extLst>
-                  <a:ext uri="{BEBA8EAE-BF5A-486C-A8C5-ECC9F3942E4B}">
-                    <a14:imgProps xmlns:a14="http://schemas.microsoft.com/office/drawing/2010/main">
-                      <a14:imgLayer r:embed="rId7">
-                        <a14:imgEffect>
-                          <a14:backgroundRemoval t="10000" b="90000" l="10000" r="90000"/>
-                        </a14:imgEffect>
-                      </a14:imgLayer>
-                    </a14:imgProps>
-                  </a:ext>
-                  <a:ext uri="{28A0092B-C50C-407E-A947-70E740481C1C}">
-                    <a14:useLocalDpi xmlns:a14="http://schemas.microsoft.com/office/drawing/2010/main" val="0"/>
-                  </a:ext>
-                </a:extLst>
-              </a:blip>
-              <a:stretch>
-                <a:fillRect/>
-              </a:stretch>
-            </p:blipFill>
-            <p:spPr>
-              <a:xfrm rot="526372">
-                <a:off x="1060658" y="3612762"/>
-                <a:ext cx="978527" cy="1039180"/>
-              </a:xfrm>
-              <a:prstGeom prst="rect">
-                <a:avLst/>
-              </a:prstGeom>
-            </p:spPr>
-          </p:pic>
-        </p:grpSp>
-        <p:grpSp>
-          <p:nvGrpSpPr>
-            <p:cNvPr id="75" name="図形グループ 74"/>
-            <p:cNvGrpSpPr/>
-            <p:nvPr/>
-          </p:nvGrpSpPr>
-          <p:grpSpPr>
-            <a:xfrm>
-              <a:off x="3125551" y="3238289"/>
-              <a:ext cx="1338948" cy="295646"/>
-              <a:chOff x="3384453" y="3897023"/>
-              <a:chExt cx="1338948" cy="295646"/>
-            </a:xfrm>
-          </p:grpSpPr>
-          <p:grpSp>
-            <p:nvGrpSpPr>
-              <p:cNvPr id="79" name="図形グループ 78"/>
-              <p:cNvGrpSpPr/>
-              <p:nvPr/>
-            </p:nvGrpSpPr>
-            <p:grpSpPr>
-              <a:xfrm>
-                <a:off x="3384453" y="3907662"/>
-                <a:ext cx="285007" cy="285007"/>
-                <a:chOff x="3206338" y="4031695"/>
-                <a:chExt cx="285007" cy="285007"/>
-              </a:xfrm>
-            </p:grpSpPr>
-            <p:sp>
-              <p:nvSpPr>
-                <p:cNvPr id="81" name="正方形/長方形 80"/>
-                <p:cNvSpPr/>
-                <p:nvPr/>
-              </p:nvSpPr>
-              <p:spPr>
-                <a:xfrm>
-                  <a:off x="3206338" y="4031695"/>
-                  <a:ext cx="285007" cy="285007"/>
-                </a:xfrm>
-                <a:prstGeom prst="rect">
-                  <a:avLst/>
-                </a:prstGeom>
-              </p:spPr>
-              <p:style>
-                <a:lnRef idx="2">
-                  <a:schemeClr val="dk1"/>
-                </a:lnRef>
-                <a:fillRef idx="1">
-                  <a:schemeClr val="lt1"/>
-                </a:fillRef>
-                <a:effectRef idx="0">
-                  <a:schemeClr val="dk1"/>
-                </a:effectRef>
-                <a:fontRef idx="minor">
-                  <a:schemeClr val="dk1"/>
-                </a:fontRef>
-              </p:style>
-              <p:txBody>
-                <a:bodyPr rtlCol="0" anchor="ctr"/>
-                <a:lstStyle/>
-                <a:p>
-                  <a:pPr algn="ctr"/>
-                  <a:endParaRPr kumimoji="1" lang="ja-JP" altLang="en-US"/>
-                </a:p>
-              </p:txBody>
-            </p:sp>
-            <p:cxnSp>
-              <p:nvCxnSpPr>
-                <p:cNvPr id="82" name="直線コネクタ 81"/>
-                <p:cNvCxnSpPr/>
-                <p:nvPr/>
-              </p:nvCxnSpPr>
-              <p:spPr>
-                <a:xfrm flipH="1">
-                  <a:off x="3296136" y="4031695"/>
-                  <a:ext cx="94838" cy="284106"/>
-                </a:xfrm>
-                <a:prstGeom prst="line">
-                  <a:avLst/>
-                </a:prstGeom>
-                <a:ln w="19050"/>
-              </p:spPr>
-              <p:style>
-                <a:lnRef idx="1">
-                  <a:schemeClr val="accent1"/>
-                </a:lnRef>
-                <a:fillRef idx="0">
-                  <a:schemeClr val="accent1"/>
-                </a:fillRef>
-                <a:effectRef idx="0">
-                  <a:schemeClr val="accent1"/>
-                </a:effectRef>
-                <a:fontRef idx="minor">
-                  <a:schemeClr val="tx1"/>
-                </a:fontRef>
-              </p:style>
-            </p:cxnSp>
-          </p:grpSp>
-          <p:sp>
-            <p:nvSpPr>
-              <p:cNvPr id="80" name="テキスト ボックス 79"/>
-              <p:cNvSpPr txBox="1"/>
-              <p:nvPr/>
-            </p:nvSpPr>
-            <p:spPr>
-              <a:xfrm>
-                <a:off x="3652274" y="3897023"/>
-                <a:ext cx="1071127" cy="276999"/>
-              </a:xfrm>
-              <a:prstGeom prst="rect">
-                <a:avLst/>
-              </a:prstGeom>
-              <a:noFill/>
-            </p:spPr>
-            <p:txBody>
-              <a:bodyPr wrap="none" rtlCol="0">
-                <a:spAutoFit/>
-              </a:bodyPr>
-              <a:lstStyle/>
-              <a:p>
-                <a:r>
-                  <a:rPr lang="ja-JP" altLang="en-US" sz="1200" dirty="0"/>
-                  <a:t>エッジフィルタ</a:t>
-                </a:r>
-                <a:endParaRPr kumimoji="1" lang="ja-JP" altLang="en-US" sz="1200" dirty="0"/>
-              </a:p>
-            </p:txBody>
-          </p:sp>
-        </p:grpSp>
-        <p:grpSp>
-          <p:nvGrpSpPr>
-            <p:cNvPr id="6" name="図形グループ 5"/>
-            <p:cNvGrpSpPr/>
-            <p:nvPr/>
-          </p:nvGrpSpPr>
-          <p:grpSpPr>
-            <a:xfrm>
-              <a:off x="5575058" y="2671577"/>
-              <a:ext cx="2064348" cy="1516994"/>
-              <a:chOff x="527570" y="4810006"/>
-              <a:chExt cx="2064348" cy="1516994"/>
-            </a:xfrm>
-          </p:grpSpPr>
-          <p:sp>
-            <p:nvSpPr>
-              <p:cNvPr id="76" name="テキスト ボックス 75"/>
-              <p:cNvSpPr txBox="1"/>
-              <p:nvPr/>
-            </p:nvSpPr>
-            <p:spPr>
-              <a:xfrm>
-                <a:off x="1102851" y="4810006"/>
-                <a:ext cx="881973" cy="276999"/>
-              </a:xfrm>
-              <a:prstGeom prst="rect">
-                <a:avLst/>
-              </a:prstGeom>
-              <a:noFill/>
-            </p:spPr>
-            <p:txBody>
-              <a:bodyPr wrap="none" rtlCol="0">
-                <a:spAutoFit/>
-              </a:bodyPr>
-              <a:lstStyle/>
-              <a:p>
-                <a:r>
-                  <a:rPr lang="ja-JP" altLang="en-US" sz="1200"/>
-                  <a:t>特徴マップ</a:t>
-                </a:r>
-                <a:endParaRPr kumimoji="1" lang="ja-JP" altLang="en-US" sz="1200" dirty="0"/>
-              </a:p>
-            </p:txBody>
-          </p:sp>
-          <p:pic>
-            <p:nvPicPr>
-              <p:cNvPr id="77" name="図 76"/>
-              <p:cNvPicPr>
-                <a:picLocks noChangeAspect="1"/>
-              </p:cNvPicPr>
-              <p:nvPr/>
-            </p:nvPicPr>
-            <p:blipFill>
-              <a:blip r:embed="rId8">
-                <a:extLst>
-                  <a:ext uri="{28A0092B-C50C-407E-A947-70E740481C1C}">
-                    <a14:useLocalDpi xmlns:a14="http://schemas.microsoft.com/office/drawing/2010/main" val="0"/>
-                  </a:ext>
-                </a:extLst>
-              </a:blip>
-              <a:stretch>
-                <a:fillRect/>
-              </a:stretch>
-            </p:blipFill>
-            <p:spPr>
-              <a:xfrm>
-                <a:off x="1073685" y="5051071"/>
-                <a:ext cx="972119" cy="934844"/>
-              </a:xfrm>
-              <a:prstGeom prst="rect">
-                <a:avLst/>
-              </a:prstGeom>
-            </p:spPr>
-          </p:pic>
-          <p:sp>
-            <p:nvSpPr>
-              <p:cNvPr id="78" name="テキスト ボックス 77"/>
-              <p:cNvSpPr txBox="1"/>
-              <p:nvPr/>
-            </p:nvSpPr>
-            <p:spPr>
-              <a:xfrm>
-                <a:off x="527570" y="6050001"/>
-                <a:ext cx="2064348" cy="276999"/>
-              </a:xfrm>
-              <a:prstGeom prst="rect">
-                <a:avLst/>
-              </a:prstGeom>
-              <a:noFill/>
-            </p:spPr>
-            <p:txBody>
-              <a:bodyPr wrap="none" rtlCol="0">
-                <a:spAutoFit/>
-              </a:bodyPr>
-              <a:lstStyle/>
-              <a:p>
-                <a:r>
-                  <a:rPr lang="en-US" altLang="ja-JP" sz="1200" dirty="0"/>
-                  <a:t>Convolutional(</a:t>
-                </a:r>
-                <a:r>
-                  <a:rPr lang="ja-JP" altLang="en-US" sz="1200" dirty="0"/>
-                  <a:t>畳み込み演算</a:t>
-                </a:r>
-                <a:r>
-                  <a:rPr lang="en-US" altLang="ja-JP" sz="1200" dirty="0"/>
-                  <a:t>)</a:t>
-                </a:r>
-                <a:endParaRPr kumimoji="1" lang="ja-JP" altLang="en-US" sz="1200" dirty="0"/>
-              </a:p>
-            </p:txBody>
-          </p:sp>
-        </p:grpSp>
-        <p:sp>
-          <p:nvSpPr>
-            <p:cNvPr id="5" name="テキスト ボックス 4"/>
-            <p:cNvSpPr txBox="1"/>
-            <p:nvPr/>
-          </p:nvSpPr>
-          <p:spPr>
-            <a:xfrm>
-              <a:off x="2282547" y="3093725"/>
-              <a:ext cx="556563" cy="584775"/>
-            </a:xfrm>
-            <a:prstGeom prst="rect">
-              <a:avLst/>
-            </a:prstGeom>
-            <a:noFill/>
-          </p:spPr>
-          <p:txBody>
-            <a:bodyPr wrap="none" rtlCol="0">
-              <a:spAutoFit/>
-            </a:bodyPr>
-            <a:lstStyle/>
-            <a:p>
-              <a:r>
-                <a:rPr kumimoji="1" lang="ja-JP" altLang="en-US" sz="3200" dirty="0" smtClean="0"/>
-                <a:t>→</a:t>
-              </a:r>
-              <a:endParaRPr kumimoji="1" lang="ja-JP" altLang="en-US" sz="3200" dirty="0"/>
-            </a:p>
-          </p:txBody>
-        </p:sp>
-        <p:sp>
-          <p:nvSpPr>
-            <p:cNvPr id="115" name="テキスト ボックス 114"/>
-            <p:cNvSpPr txBox="1"/>
-            <p:nvPr/>
-          </p:nvSpPr>
-          <p:spPr>
-            <a:xfrm>
-              <a:off x="4942322" y="3070930"/>
-              <a:ext cx="556563" cy="584775"/>
-            </a:xfrm>
-            <a:prstGeom prst="rect">
-              <a:avLst/>
-            </a:prstGeom>
-            <a:noFill/>
-          </p:spPr>
-          <p:txBody>
-            <a:bodyPr wrap="none" rtlCol="0">
-              <a:spAutoFit/>
-            </a:bodyPr>
-            <a:lstStyle/>
-            <a:p>
-              <a:r>
-                <a:rPr kumimoji="1" lang="ja-JP" altLang="en-US" sz="3200" dirty="0" smtClean="0"/>
-                <a:t>→</a:t>
-              </a:r>
-              <a:endParaRPr kumimoji="1" lang="ja-JP" altLang="en-US" sz="3200" dirty="0"/>
-            </a:p>
-          </p:txBody>
-        </p:sp>
-      </p:grpSp>
-    </p:spTree>
-    <p:extLst>
-      <p:ext uri="{BB962C8B-B14F-4D97-AF65-F5344CB8AC3E}">
-        <p14:creationId xmlns:p14="http://schemas.microsoft.com/office/powerpoint/2010/main" val="1130303323"/>
-      </p:ext>
-    </p:extLst>
-  </p:cSld>
-  <p:clrMapOvr>
-    <a:masterClrMapping/>
-  </p:clrMapOvr>
-</p:sld>
-</file>
-
-<file path=ppt/slides/slide5.xml><?xml version="1.0" encoding="utf-8"?>
-<p:sld xmlns:a="http://schemas.openxmlformats.org/drawingml/2006/main" xmlns:r="http://schemas.openxmlformats.org/officeDocument/2006/relationships" xmlns:p="http://schemas.openxmlformats.org/presentationml/2006/main">
-  <p:cSld>
-    <p:spTree>
-      <p:nvGrpSpPr>
-        <p:cNvPr id="1" name=""/>
-        <p:cNvGrpSpPr/>
-        <p:nvPr/>
-      </p:nvGrpSpPr>
-      <p:grpSpPr>
-        <a:xfrm>
-          <a:off x="0" y="0"/>
-          <a:ext cx="0" cy="0"/>
-          <a:chOff x="0" y="0"/>
-          <a:chExt cx="0" cy="0"/>
-        </a:xfrm>
-      </p:grpSpPr>
-      <p:sp>
-        <p:nvSpPr>
-          <p:cNvPr id="2" name="タイトル 1"/>
-          <p:cNvSpPr>
-            <a:spLocks noGrp="1"/>
-          </p:cNvSpPr>
-          <p:nvPr>
-            <p:ph type="title"/>
-          </p:nvPr>
-        </p:nvSpPr>
-        <p:spPr/>
-        <p:txBody>
-          <a:bodyPr/>
-          <a:lstStyle/>
-          <a:p>
-            <a:r>
-              <a:rPr lang="en-US" altLang="ja-JP" dirty="0" smtClean="0"/>
-              <a:t>CNN</a:t>
-            </a:r>
-            <a:r>
-              <a:rPr lang="ja-JP" altLang="en-US" dirty="0" smtClean="0"/>
-              <a:t>について</a:t>
-            </a:r>
-            <a:endParaRPr kumimoji="1" lang="ja-JP" altLang="en-US" dirty="0"/>
-          </a:p>
-        </p:txBody>
-      </p:sp>
-      <p:sp>
-        <p:nvSpPr>
-          <p:cNvPr id="8" name="テキスト ボックス 7"/>
-          <p:cNvSpPr txBox="1"/>
-          <p:nvPr/>
-        </p:nvSpPr>
-        <p:spPr>
-          <a:xfrm>
-            <a:off x="984928" y="1321357"/>
-            <a:ext cx="3587072" cy="369332"/>
-          </a:xfrm>
-          <a:prstGeom prst="rect">
-            <a:avLst/>
-          </a:prstGeom>
-          <a:noFill/>
-        </p:spPr>
-        <p:txBody>
-          <a:bodyPr wrap="none" rtlCol="0">
-            <a:spAutoFit/>
-          </a:bodyPr>
-          <a:lstStyle/>
-          <a:p>
-            <a:pPr marL="0" lvl="1"/>
-            <a:r>
-              <a:rPr lang="en-US" altLang="ja-JP" smtClean="0"/>
-              <a:t>CNN(Convolutional </a:t>
-            </a:r>
-            <a:r>
-              <a:rPr lang="en-US" altLang="ja-JP"/>
-              <a:t>Neural </a:t>
-            </a:r>
-            <a:r>
-              <a:rPr lang="en-US" altLang="ja-JP" smtClean="0"/>
-              <a:t>Network)</a:t>
-            </a:r>
-            <a:endParaRPr lang="en-US" altLang="ja-JP" dirty="0"/>
-          </a:p>
-        </p:txBody>
-      </p:sp>
-      <p:grpSp>
-        <p:nvGrpSpPr>
-          <p:cNvPr id="83" name="図形グループ 82"/>
-          <p:cNvGrpSpPr/>
-          <p:nvPr/>
-        </p:nvGrpSpPr>
-        <p:grpSpPr>
-          <a:xfrm>
-            <a:off x="4551808" y="3395306"/>
-            <a:ext cx="3332195" cy="2849324"/>
-            <a:chOff x="5455662" y="3295109"/>
-            <a:chExt cx="3332195" cy="2849324"/>
-          </a:xfrm>
-        </p:grpSpPr>
-        <p:grpSp>
-          <p:nvGrpSpPr>
-            <p:cNvPr id="84" name="図形グループ 83"/>
-            <p:cNvGrpSpPr/>
-            <p:nvPr/>
-          </p:nvGrpSpPr>
-          <p:grpSpPr>
-            <a:xfrm>
-              <a:off x="5455662" y="3295109"/>
-              <a:ext cx="3332195" cy="2447483"/>
-              <a:chOff x="5930001" y="4436610"/>
-              <a:chExt cx="3000991" cy="2204215"/>
-            </a:xfrm>
-          </p:grpSpPr>
-          <p:pic>
-            <p:nvPicPr>
-              <p:cNvPr id="86" name="図 85"/>
-              <p:cNvPicPr>
-                <a:picLocks noChangeAspect="1"/>
-              </p:cNvPicPr>
-              <p:nvPr/>
-            </p:nvPicPr>
-            <p:blipFill>
-              <a:blip r:embed="rId2">
-                <a:extLst>
-                  <a:ext uri="{28A0092B-C50C-407E-A947-70E740481C1C}">
-                    <a14:useLocalDpi xmlns:a14="http://schemas.microsoft.com/office/drawing/2010/main" val="0"/>
-                  </a:ext>
-                </a:extLst>
-              </a:blip>
-              <a:stretch>
-                <a:fillRect/>
-              </a:stretch>
-            </p:blipFill>
-            <p:spPr>
-              <a:xfrm>
-                <a:off x="5988809" y="4910412"/>
-                <a:ext cx="955438" cy="918808"/>
-              </a:xfrm>
-              <a:prstGeom prst="rect">
-                <a:avLst/>
-              </a:prstGeom>
-            </p:spPr>
-          </p:pic>
-          <p:pic>
-            <p:nvPicPr>
-              <p:cNvPr id="87" name="図 86"/>
-              <p:cNvPicPr>
-                <a:picLocks noChangeAspect="1"/>
-              </p:cNvPicPr>
-              <p:nvPr/>
-            </p:nvPicPr>
-            <p:blipFill>
-              <a:blip r:embed="rId3">
-                <a:extLst>
-                  <a:ext uri="{28A0092B-C50C-407E-A947-70E740481C1C}">
-                    <a14:useLocalDpi xmlns:a14="http://schemas.microsoft.com/office/drawing/2010/main" val="0"/>
-                  </a:ext>
-                </a:extLst>
-              </a:blip>
-              <a:stretch>
-                <a:fillRect/>
-              </a:stretch>
-            </p:blipFill>
-            <p:spPr>
-              <a:xfrm>
-                <a:off x="6966696" y="4907821"/>
-                <a:ext cx="952572" cy="916052"/>
-              </a:xfrm>
-              <a:prstGeom prst="rect">
-                <a:avLst/>
-              </a:prstGeom>
-            </p:spPr>
-          </p:pic>
-          <p:pic>
-            <p:nvPicPr>
-              <p:cNvPr id="88" name="図 87"/>
-              <p:cNvPicPr>
-                <a:picLocks noChangeAspect="1"/>
-              </p:cNvPicPr>
-              <p:nvPr/>
-            </p:nvPicPr>
-            <p:blipFill>
-              <a:blip r:embed="rId4">
-                <a:extLst>
-                  <a:ext uri="{28A0092B-C50C-407E-A947-70E740481C1C}">
-                    <a14:useLocalDpi xmlns:a14="http://schemas.microsoft.com/office/drawing/2010/main" val="0"/>
-                  </a:ext>
-                </a:extLst>
-              </a:blip>
-              <a:stretch>
-                <a:fillRect/>
-              </a:stretch>
-            </p:blipFill>
-            <p:spPr>
-              <a:xfrm>
-                <a:off x="7978420" y="4901087"/>
-                <a:ext cx="952572" cy="916052"/>
-              </a:xfrm>
-              <a:prstGeom prst="rect">
-                <a:avLst/>
-              </a:prstGeom>
-            </p:spPr>
-          </p:pic>
-          <p:grpSp>
-            <p:nvGrpSpPr>
-              <p:cNvPr id="89" name="図形グループ 88"/>
-              <p:cNvGrpSpPr/>
-              <p:nvPr/>
-            </p:nvGrpSpPr>
-            <p:grpSpPr>
-              <a:xfrm>
-                <a:off x="5984415" y="4896415"/>
-                <a:ext cx="2776905" cy="1744410"/>
-                <a:chOff x="3627269" y="4001294"/>
-                <a:chExt cx="3390533" cy="1982227"/>
-              </a:xfrm>
-            </p:grpSpPr>
-            <p:pic>
-              <p:nvPicPr>
-                <p:cNvPr id="97" name="図 96"/>
-                <p:cNvPicPr>
-                  <a:picLocks noChangeAspect="1"/>
-                </p:cNvPicPr>
-                <p:nvPr/>
-              </p:nvPicPr>
-              <p:blipFill>
-                <a:blip r:embed="rId5">
-                  <a:extLst>
-                    <a:ext uri="{28A0092B-C50C-407E-A947-70E740481C1C}">
-                      <a14:useLocalDpi xmlns:a14="http://schemas.microsoft.com/office/drawing/2010/main" val="0"/>
-                    </a:ext>
-                  </a:extLst>
-                </a:blip>
-                <a:stretch>
-                  <a:fillRect/>
-                </a:stretch>
-              </p:blipFill>
-              <p:spPr>
-                <a:xfrm>
-                  <a:off x="4987816" y="5193219"/>
-                  <a:ext cx="816940" cy="790302"/>
-                </a:xfrm>
-                <a:prstGeom prst="rect">
-                  <a:avLst/>
-                </a:prstGeom>
-              </p:spPr>
-            </p:pic>
-            <p:cxnSp>
-              <p:nvCxnSpPr>
-                <p:cNvPr id="98" name="直線コネクタ 97"/>
-                <p:cNvCxnSpPr/>
-                <p:nvPr/>
-              </p:nvCxnSpPr>
-              <p:spPr>
-                <a:xfrm>
-                  <a:off x="3627269" y="4543631"/>
-                  <a:ext cx="1365942" cy="916590"/>
-                </a:xfrm>
-                <a:prstGeom prst="line">
-                  <a:avLst/>
-                </a:prstGeom>
-                <a:ln w="19050">
-                  <a:solidFill>
-                    <a:srgbClr val="FF0000"/>
-                  </a:solidFill>
-                </a:ln>
-              </p:spPr>
-              <p:style>
-                <a:lnRef idx="1">
-                  <a:schemeClr val="accent1"/>
-                </a:lnRef>
-                <a:fillRef idx="0">
-                  <a:schemeClr val="accent1"/>
-                </a:fillRef>
-                <a:effectRef idx="0">
-                  <a:schemeClr val="accent1"/>
-                </a:effectRef>
-                <a:fontRef idx="minor">
-                  <a:schemeClr val="tx1"/>
-                </a:fontRef>
-              </p:style>
-            </p:cxnSp>
-            <p:cxnSp>
-              <p:nvCxnSpPr>
-                <p:cNvPr id="99" name="直線コネクタ 98"/>
-                <p:cNvCxnSpPr/>
-                <p:nvPr/>
-              </p:nvCxnSpPr>
-              <p:spPr>
-                <a:xfrm>
-                  <a:off x="4180974" y="4011086"/>
-                  <a:ext cx="1078738" cy="1185265"/>
-                </a:xfrm>
-                <a:prstGeom prst="line">
-                  <a:avLst/>
-                </a:prstGeom>
-                <a:ln w="19050">
-                  <a:solidFill>
-                    <a:srgbClr val="FF0000"/>
-                  </a:solidFill>
-                </a:ln>
-              </p:spPr>
-              <p:style>
-                <a:lnRef idx="1">
-                  <a:schemeClr val="accent1"/>
-                </a:lnRef>
-                <a:fillRef idx="0">
-                  <a:schemeClr val="accent1"/>
-                </a:fillRef>
-                <a:effectRef idx="0">
-                  <a:schemeClr val="accent1"/>
-                </a:effectRef>
-                <a:fontRef idx="minor">
-                  <a:schemeClr val="tx1"/>
-                </a:fontRef>
-              </p:style>
-            </p:cxnSp>
-            <p:cxnSp>
-              <p:nvCxnSpPr>
-                <p:cNvPr id="100" name="直線コネクタ 99"/>
-                <p:cNvCxnSpPr/>
-                <p:nvPr/>
-              </p:nvCxnSpPr>
-              <p:spPr>
-                <a:xfrm>
-                  <a:off x="3632663" y="4020331"/>
-                  <a:ext cx="1354054" cy="1172888"/>
-                </a:xfrm>
-                <a:prstGeom prst="line">
-                  <a:avLst/>
-                </a:prstGeom>
-                <a:ln w="19050">
-                  <a:solidFill>
-                    <a:srgbClr val="FF0000"/>
-                  </a:solidFill>
-                </a:ln>
-              </p:spPr>
-              <p:style>
-                <a:lnRef idx="1">
-                  <a:schemeClr val="accent1"/>
-                </a:lnRef>
-                <a:fillRef idx="0">
-                  <a:schemeClr val="accent1"/>
-                </a:fillRef>
-                <a:effectRef idx="0">
-                  <a:schemeClr val="accent1"/>
-                </a:effectRef>
-                <a:fontRef idx="minor">
-                  <a:schemeClr val="tx1"/>
-                </a:fontRef>
-              </p:style>
-            </p:cxnSp>
-            <p:cxnSp>
-              <p:nvCxnSpPr>
-                <p:cNvPr id="101" name="直線コネクタ 100"/>
-                <p:cNvCxnSpPr/>
-                <p:nvPr/>
-              </p:nvCxnSpPr>
-              <p:spPr>
-                <a:xfrm flipH="1">
-                  <a:off x="5529166" y="4001294"/>
-                  <a:ext cx="945951" cy="1196226"/>
-                </a:xfrm>
-                <a:prstGeom prst="line">
-                  <a:avLst/>
-                </a:prstGeom>
-                <a:ln w="19050">
-                  <a:solidFill>
-                    <a:srgbClr val="92D050"/>
-                  </a:solidFill>
-                </a:ln>
-              </p:spPr>
-              <p:style>
-                <a:lnRef idx="1">
-                  <a:schemeClr val="accent1"/>
-                </a:lnRef>
-                <a:fillRef idx="0">
-                  <a:schemeClr val="accent1"/>
-                </a:fillRef>
-                <a:effectRef idx="0">
-                  <a:schemeClr val="accent1"/>
-                </a:effectRef>
-                <a:fontRef idx="minor">
-                  <a:schemeClr val="tx1"/>
-                </a:fontRef>
-              </p:style>
-            </p:cxnSp>
-            <p:cxnSp>
-              <p:nvCxnSpPr>
-                <p:cNvPr id="102" name="直線コネクタ 101"/>
-                <p:cNvCxnSpPr/>
-                <p:nvPr/>
-              </p:nvCxnSpPr>
-              <p:spPr>
-                <a:xfrm>
-                  <a:off x="5022247" y="4011086"/>
-                  <a:ext cx="238232" cy="1184085"/>
-                </a:xfrm>
-                <a:prstGeom prst="line">
-                  <a:avLst/>
-                </a:prstGeom>
-                <a:ln w="19050">
-                  <a:solidFill>
-                    <a:schemeClr val="accent2">
-                      <a:lumMod val="60000"/>
-                      <a:lumOff val="40000"/>
-                    </a:schemeClr>
-                  </a:solidFill>
-                </a:ln>
-              </p:spPr>
-              <p:style>
-                <a:lnRef idx="1">
-                  <a:schemeClr val="accent1"/>
-                </a:lnRef>
-                <a:fillRef idx="0">
-                  <a:schemeClr val="accent1"/>
-                </a:fillRef>
-                <a:effectRef idx="0">
-                  <a:schemeClr val="accent1"/>
-                </a:effectRef>
-                <a:fontRef idx="minor">
-                  <a:schemeClr val="tx1"/>
-                </a:fontRef>
-              </p:style>
-            </p:cxnSp>
-            <p:cxnSp>
-              <p:nvCxnSpPr>
-                <p:cNvPr id="103" name="直線コネクタ 102"/>
-                <p:cNvCxnSpPr/>
-                <p:nvPr/>
-              </p:nvCxnSpPr>
-              <p:spPr>
-                <a:xfrm flipH="1">
-                  <a:off x="5535028" y="4015435"/>
-                  <a:ext cx="37624" cy="1173473"/>
-                </a:xfrm>
-                <a:prstGeom prst="line">
-                  <a:avLst/>
-                </a:prstGeom>
-                <a:ln w="19050">
-                  <a:solidFill>
-                    <a:schemeClr val="accent2">
-                      <a:lumMod val="60000"/>
-                      <a:lumOff val="40000"/>
-                    </a:schemeClr>
-                  </a:solidFill>
-                </a:ln>
-              </p:spPr>
-              <p:style>
-                <a:lnRef idx="1">
-                  <a:schemeClr val="accent1"/>
-                </a:lnRef>
-                <a:fillRef idx="0">
-                  <a:schemeClr val="accent1"/>
-                </a:fillRef>
-                <a:effectRef idx="0">
-                  <a:schemeClr val="accent1"/>
-                </a:effectRef>
-                <a:fontRef idx="minor">
-                  <a:schemeClr val="tx1"/>
-                </a:fontRef>
-              </p:style>
-            </p:cxnSp>
-            <p:cxnSp>
-              <p:nvCxnSpPr>
-                <p:cNvPr id="104" name="直線コネクタ 103"/>
-                <p:cNvCxnSpPr/>
-                <p:nvPr/>
-              </p:nvCxnSpPr>
-              <p:spPr>
-                <a:xfrm flipH="1">
-                  <a:off x="5805856" y="4538735"/>
-                  <a:ext cx="1211946" cy="921486"/>
-                </a:xfrm>
-                <a:prstGeom prst="line">
-                  <a:avLst/>
-                </a:prstGeom>
-                <a:ln w="19050">
-                  <a:solidFill>
-                    <a:srgbClr val="92D050"/>
-                  </a:solidFill>
-                </a:ln>
-              </p:spPr>
-              <p:style>
-                <a:lnRef idx="1">
-                  <a:schemeClr val="accent1"/>
-                </a:lnRef>
-                <a:fillRef idx="0">
-                  <a:schemeClr val="accent1"/>
-                </a:fillRef>
-                <a:effectRef idx="0">
-                  <a:schemeClr val="accent1"/>
-                </a:effectRef>
-                <a:fontRef idx="minor">
-                  <a:schemeClr val="tx1"/>
-                </a:fontRef>
-              </p:style>
-            </p:cxnSp>
-            <p:cxnSp>
-              <p:nvCxnSpPr>
-                <p:cNvPr id="105" name="直線コネクタ 104"/>
-                <p:cNvCxnSpPr/>
-                <p:nvPr/>
-              </p:nvCxnSpPr>
-              <p:spPr>
-                <a:xfrm flipH="1">
-                  <a:off x="5796691" y="4011086"/>
-                  <a:ext cx="1221111" cy="1186434"/>
-                </a:xfrm>
-                <a:prstGeom prst="line">
-                  <a:avLst/>
-                </a:prstGeom>
-                <a:ln w="19050">
-                  <a:solidFill>
-                    <a:srgbClr val="92D050"/>
-                  </a:solidFill>
-                </a:ln>
-              </p:spPr>
-              <p:style>
-                <a:lnRef idx="1">
-                  <a:schemeClr val="accent1"/>
-                </a:lnRef>
-                <a:fillRef idx="0">
-                  <a:schemeClr val="accent1"/>
-                </a:fillRef>
-                <a:effectRef idx="0">
-                  <a:schemeClr val="accent1"/>
-                </a:effectRef>
-                <a:fontRef idx="minor">
-                  <a:schemeClr val="tx1"/>
-                </a:fontRef>
-              </p:style>
-            </p:cxnSp>
-            <p:sp>
-              <p:nvSpPr>
-                <p:cNvPr id="106" name="正方形/長方形 105"/>
-                <p:cNvSpPr/>
-                <p:nvPr/>
-              </p:nvSpPr>
-              <p:spPr>
-                <a:xfrm>
-                  <a:off x="4986717" y="5195171"/>
-                  <a:ext cx="272995" cy="265050"/>
-                </a:xfrm>
-                <a:prstGeom prst="rect">
-                  <a:avLst/>
-                </a:prstGeom>
-                <a:noFill/>
-                <a:ln>
-                  <a:solidFill>
-                    <a:srgbClr val="FF0000"/>
-                  </a:solidFill>
-                </a:ln>
-              </p:spPr>
-              <p:style>
-                <a:lnRef idx="2">
-                  <a:schemeClr val="accent1">
-                    <a:shade val="50000"/>
-                  </a:schemeClr>
-                </a:lnRef>
-                <a:fillRef idx="1">
-                  <a:schemeClr val="accent1"/>
-                </a:fillRef>
-                <a:effectRef idx="0">
-                  <a:schemeClr val="accent1"/>
-                </a:effectRef>
-                <a:fontRef idx="minor">
-                  <a:schemeClr val="lt1"/>
-                </a:fontRef>
-              </p:style>
-              <p:txBody>
-                <a:bodyPr rtlCol="0" anchor="ctr"/>
-                <a:lstStyle/>
-                <a:p>
-                  <a:pPr algn="ctr"/>
-                  <a:endParaRPr kumimoji="1" lang="ja-JP" altLang="en-US"/>
-                </a:p>
-              </p:txBody>
-            </p:sp>
-            <p:sp>
-              <p:nvSpPr>
-                <p:cNvPr id="107" name="正方形/長方形 106"/>
-                <p:cNvSpPr/>
-                <p:nvPr/>
-              </p:nvSpPr>
-              <p:spPr>
-                <a:xfrm>
-                  <a:off x="5261332" y="5194646"/>
-                  <a:ext cx="272995" cy="265050"/>
-                </a:xfrm>
-                <a:prstGeom prst="rect">
-                  <a:avLst/>
-                </a:prstGeom>
-                <a:noFill/>
-                <a:ln>
-                  <a:solidFill>
-                    <a:srgbClr val="FFC000"/>
-                  </a:solidFill>
-                </a:ln>
-              </p:spPr>
-              <p:style>
-                <a:lnRef idx="2">
-                  <a:schemeClr val="accent1">
-                    <a:shade val="50000"/>
-                  </a:schemeClr>
-                </a:lnRef>
-                <a:fillRef idx="1">
-                  <a:schemeClr val="accent1"/>
-                </a:fillRef>
-                <a:effectRef idx="0">
-                  <a:schemeClr val="accent1"/>
-                </a:effectRef>
-                <a:fontRef idx="minor">
-                  <a:schemeClr val="lt1"/>
-                </a:fontRef>
-              </p:style>
-              <p:txBody>
-                <a:bodyPr rtlCol="0" anchor="ctr"/>
-                <a:lstStyle/>
-                <a:p>
-                  <a:pPr algn="ctr"/>
-                  <a:endParaRPr kumimoji="1" lang="ja-JP" altLang="en-US"/>
-                </a:p>
-              </p:txBody>
-            </p:sp>
-            <p:sp>
-              <p:nvSpPr>
-                <p:cNvPr id="108" name="正方形/長方形 107"/>
-                <p:cNvSpPr/>
-                <p:nvPr/>
-              </p:nvSpPr>
-              <p:spPr>
-                <a:xfrm>
-                  <a:off x="5533951" y="5196706"/>
-                  <a:ext cx="272995" cy="265050"/>
-                </a:xfrm>
-                <a:prstGeom prst="rect">
-                  <a:avLst/>
-                </a:prstGeom>
-                <a:noFill/>
-                <a:ln>
-                  <a:solidFill>
-                    <a:srgbClr val="92D050"/>
-                  </a:solidFill>
-                </a:ln>
-              </p:spPr>
-              <p:style>
-                <a:lnRef idx="2">
-                  <a:schemeClr val="accent1">
-                    <a:shade val="50000"/>
-                  </a:schemeClr>
-                </a:lnRef>
-                <a:fillRef idx="1">
-                  <a:schemeClr val="accent1"/>
-                </a:fillRef>
-                <a:effectRef idx="0">
-                  <a:schemeClr val="accent1"/>
-                </a:effectRef>
-                <a:fontRef idx="minor">
-                  <a:schemeClr val="lt1"/>
-                </a:fontRef>
-              </p:style>
-              <p:txBody>
-                <a:bodyPr rtlCol="0" anchor="ctr"/>
-                <a:lstStyle/>
-                <a:p>
-                  <a:pPr algn="ctr"/>
-                  <a:endParaRPr kumimoji="1" lang="ja-JP" altLang="en-US"/>
-                </a:p>
-              </p:txBody>
-            </p:sp>
-          </p:grpSp>
-          <p:sp>
-            <p:nvSpPr>
-              <p:cNvPr id="90" name="テキスト ボックス 89"/>
-              <p:cNvSpPr txBox="1"/>
-              <p:nvPr/>
-            </p:nvSpPr>
-            <p:spPr>
-              <a:xfrm>
-                <a:off x="5930001" y="4436610"/>
-                <a:ext cx="697627" cy="246221"/>
-              </a:xfrm>
-              <a:prstGeom prst="rect">
-                <a:avLst/>
-              </a:prstGeom>
-              <a:noFill/>
-            </p:spPr>
-            <p:txBody>
-              <a:bodyPr wrap="none" rtlCol="0">
-                <a:spAutoFit/>
-              </a:bodyPr>
-              <a:lstStyle/>
-              <a:p>
-                <a:r>
-                  <a:rPr lang="ja-JP" altLang="en-US" sz="1000"/>
-                  <a:t>黒点の数</a:t>
-                </a:r>
-                <a:endParaRPr kumimoji="1" lang="ja-JP" altLang="en-US" sz="1000"/>
-              </a:p>
-            </p:txBody>
-          </p:sp>
-          <p:sp>
-            <p:nvSpPr>
-              <p:cNvPr id="91" name="テキスト ボックス 90"/>
-              <p:cNvSpPr txBox="1"/>
-              <p:nvPr/>
-            </p:nvSpPr>
-            <p:spPr>
-              <a:xfrm>
-                <a:off x="6343789" y="4695546"/>
-                <a:ext cx="250390" cy="246221"/>
-              </a:xfrm>
-              <a:prstGeom prst="rect">
-                <a:avLst/>
-              </a:prstGeom>
-              <a:noFill/>
-            </p:spPr>
-            <p:txBody>
-              <a:bodyPr wrap="none" rtlCol="0">
-                <a:spAutoFit/>
-              </a:bodyPr>
-              <a:lstStyle/>
-              <a:p>
-                <a:r>
-                  <a:rPr kumimoji="1" lang="en-US" altLang="ja-JP" sz="1000" dirty="0"/>
-                  <a:t>0</a:t>
-                </a:r>
-                <a:endParaRPr kumimoji="1" lang="ja-JP" altLang="en-US" sz="1000" dirty="0"/>
-              </a:p>
-            </p:txBody>
-          </p:sp>
-          <p:sp>
-            <p:nvSpPr>
-              <p:cNvPr id="92" name="テキスト ボックス 91"/>
-              <p:cNvSpPr txBox="1"/>
-              <p:nvPr/>
-            </p:nvSpPr>
-            <p:spPr>
-              <a:xfrm>
-                <a:off x="7303908" y="4695546"/>
-                <a:ext cx="250390" cy="246221"/>
-              </a:xfrm>
-              <a:prstGeom prst="rect">
-                <a:avLst/>
-              </a:prstGeom>
-              <a:noFill/>
-            </p:spPr>
-            <p:txBody>
-              <a:bodyPr wrap="none" rtlCol="0">
-                <a:spAutoFit/>
-              </a:bodyPr>
-              <a:lstStyle/>
-              <a:p>
-                <a:r>
-                  <a:rPr lang="en-US" altLang="ja-JP" sz="1000" dirty="0"/>
-                  <a:t>3</a:t>
-                </a:r>
-                <a:endParaRPr kumimoji="1" lang="ja-JP" altLang="en-US" sz="1000" dirty="0"/>
-              </a:p>
-            </p:txBody>
-          </p:sp>
-          <p:sp>
-            <p:nvSpPr>
-              <p:cNvPr id="93" name="テキスト ボックス 92"/>
-              <p:cNvSpPr txBox="1"/>
-              <p:nvPr/>
-            </p:nvSpPr>
-            <p:spPr>
-              <a:xfrm>
-                <a:off x="8326820" y="4695546"/>
-                <a:ext cx="250390" cy="246221"/>
-              </a:xfrm>
-              <a:prstGeom prst="rect">
-                <a:avLst/>
-              </a:prstGeom>
-              <a:noFill/>
-            </p:spPr>
-            <p:txBody>
-              <a:bodyPr wrap="none" rtlCol="0">
-                <a:spAutoFit/>
-              </a:bodyPr>
-              <a:lstStyle/>
-              <a:p>
-                <a:r>
-                  <a:rPr lang="en-US" altLang="ja-JP" sz="1000" dirty="0"/>
-                  <a:t>4</a:t>
-                </a:r>
-                <a:endParaRPr kumimoji="1" lang="ja-JP" altLang="en-US" sz="1000" dirty="0"/>
-              </a:p>
-            </p:txBody>
-          </p:sp>
-          <p:sp>
-            <p:nvSpPr>
-              <p:cNvPr id="94" name="テキスト ボックス 93"/>
-              <p:cNvSpPr txBox="1"/>
-              <p:nvPr/>
-            </p:nvSpPr>
-            <p:spPr>
-              <a:xfrm>
-                <a:off x="7090948" y="5945057"/>
-                <a:ext cx="250390" cy="246221"/>
-              </a:xfrm>
-              <a:prstGeom prst="rect">
-                <a:avLst/>
-              </a:prstGeom>
-              <a:noFill/>
-            </p:spPr>
-            <p:txBody>
-              <a:bodyPr wrap="none" rtlCol="0">
-                <a:spAutoFit/>
-              </a:bodyPr>
-              <a:lstStyle/>
-              <a:p>
-                <a:r>
-                  <a:rPr kumimoji="1" lang="en-US" altLang="ja-JP" sz="1000" dirty="0"/>
-                  <a:t>0</a:t>
-                </a:r>
-                <a:endParaRPr kumimoji="1" lang="ja-JP" altLang="en-US" sz="1000" dirty="0"/>
-              </a:p>
-            </p:txBody>
-          </p:sp>
-          <p:sp>
-            <p:nvSpPr>
-              <p:cNvPr id="95" name="テキスト ボックス 94"/>
-              <p:cNvSpPr txBox="1"/>
-              <p:nvPr/>
-            </p:nvSpPr>
-            <p:spPr>
-              <a:xfrm>
-                <a:off x="7313090" y="5939110"/>
-                <a:ext cx="250390" cy="246221"/>
-              </a:xfrm>
-              <a:prstGeom prst="rect">
-                <a:avLst/>
-              </a:prstGeom>
-              <a:noFill/>
-            </p:spPr>
-            <p:txBody>
-              <a:bodyPr wrap="none" rtlCol="0">
-                <a:spAutoFit/>
-              </a:bodyPr>
-              <a:lstStyle/>
-              <a:p>
-                <a:r>
-                  <a:rPr lang="en-US" altLang="ja-JP" sz="1000" dirty="0"/>
-                  <a:t>3</a:t>
-                </a:r>
-                <a:endParaRPr kumimoji="1" lang="ja-JP" altLang="en-US" sz="1000" dirty="0"/>
-              </a:p>
-            </p:txBody>
-          </p:sp>
-          <p:sp>
-            <p:nvSpPr>
-              <p:cNvPr id="96" name="テキスト ボックス 95"/>
-              <p:cNvSpPr txBox="1"/>
-              <p:nvPr/>
-            </p:nvSpPr>
-            <p:spPr>
-              <a:xfrm>
-                <a:off x="7532450" y="5939397"/>
-                <a:ext cx="250390" cy="246221"/>
-              </a:xfrm>
-              <a:prstGeom prst="rect">
-                <a:avLst/>
-              </a:prstGeom>
-              <a:noFill/>
-            </p:spPr>
-            <p:txBody>
-              <a:bodyPr wrap="none" rtlCol="0">
-                <a:spAutoFit/>
-              </a:bodyPr>
-              <a:lstStyle/>
-              <a:p>
-                <a:r>
-                  <a:rPr lang="en-US" altLang="ja-JP" sz="1000" dirty="0"/>
-                  <a:t>4</a:t>
-                </a:r>
-                <a:endParaRPr kumimoji="1" lang="ja-JP" altLang="en-US" sz="1000" dirty="0"/>
-              </a:p>
-            </p:txBody>
-          </p:sp>
-        </p:grpSp>
-        <p:sp>
-          <p:nvSpPr>
-            <p:cNvPr id="85" name="テキスト ボックス 84"/>
-            <p:cNvSpPr txBox="1"/>
-            <p:nvPr/>
-          </p:nvSpPr>
-          <p:spPr>
-            <a:xfrm>
-              <a:off x="6085689" y="5867434"/>
-              <a:ext cx="2068323" cy="276999"/>
-            </a:xfrm>
-            <a:prstGeom prst="rect">
-              <a:avLst/>
-            </a:prstGeom>
-            <a:noFill/>
-          </p:spPr>
-          <p:txBody>
-            <a:bodyPr wrap="none" rtlCol="0">
-              <a:spAutoFit/>
-            </a:bodyPr>
-            <a:lstStyle/>
-            <a:p>
-              <a:r>
-                <a:rPr lang="en-US" altLang="ja-JP" sz="1200" dirty="0"/>
-                <a:t>Pooling (</a:t>
-              </a:r>
-              <a:r>
-                <a:rPr lang="ja-JP" altLang="en-US" sz="1200" dirty="0"/>
-                <a:t>空間プーリング演算</a:t>
-              </a:r>
-              <a:r>
-                <a:rPr lang="en-US" altLang="ja-JP" sz="1200" dirty="0"/>
-                <a:t>)</a:t>
-              </a:r>
-              <a:endParaRPr kumimoji="1" lang="ja-JP" altLang="en-US" sz="1200" dirty="0"/>
-            </a:p>
-          </p:txBody>
-        </p:sp>
-      </p:grpSp>
-      <p:sp>
-        <p:nvSpPr>
-          <p:cNvPr id="109" name="テキスト ボックス 108"/>
-          <p:cNvSpPr txBox="1"/>
-          <p:nvPr/>
-        </p:nvSpPr>
-        <p:spPr>
-          <a:xfrm>
             <a:off x="1087097" y="4935674"/>
             <a:ext cx="2882520" cy="646331"/>
           </a:xfrm>
@@ -7785,25 +9191,28 @@
           <a:lstStyle/>
           <a:p>
             <a:r>
-              <a:rPr kumimoji="1" lang="ja-JP" altLang="en-US" dirty="0" smtClean="0"/>
+              <a:rPr kumimoji="1" lang="ja-JP" altLang="en-US" dirty="0"/>
               <a:t>下図のように数</a:t>
             </a:r>
             <a:r>
-              <a:rPr kumimoji="1" lang="en-US" altLang="ja-JP" dirty="0" err="1" smtClean="0"/>
+              <a:rPr kumimoji="1" lang="en-US" altLang="ja-JP" dirty="0" err="1"/>
               <a:t>px</a:t>
             </a:r>
             <a:r>
-              <a:rPr kumimoji="1" lang="ja-JP" altLang="en-US" dirty="0" smtClean="0"/>
-              <a:t>ずつズラしながら黒点の数を</a:t>
-            </a:r>
-            <a:endParaRPr kumimoji="1" lang="en-US" altLang="ja-JP" dirty="0" smtClean="0"/>
-          </a:p>
-          <a:p>
-            <a:r>
-              <a:rPr kumimoji="1" lang="ja-JP" altLang="en-US" dirty="0" smtClean="0"/>
+              <a:rPr kumimoji="1" lang="ja-JP" altLang="en-US" dirty="0" err="1"/>
+              <a:t>ずつ</a:t>
+            </a:r>
+            <a:r>
+              <a:rPr kumimoji="1" lang="ja-JP" altLang="en-US" dirty="0"/>
+              <a:t>ズラしながら黒点の数を</a:t>
+            </a:r>
+            <a:endParaRPr kumimoji="1" lang="en-US" altLang="ja-JP" dirty="0"/>
+          </a:p>
+          <a:p>
+            <a:r>
+              <a:rPr kumimoji="1" lang="ja-JP" altLang="en-US" dirty="0"/>
               <a:t>取得し、数の大きさに応じて濃さを変えて記録する</a:t>
             </a:r>
-            <a:endParaRPr kumimoji="1" lang="ja-JP" altLang="en-US" dirty="0"/>
           </a:p>
         </p:txBody>
       </p:sp>
@@ -7811,6 +9220,258 @@
     <p:extLst>
       <p:ext uri="{BB962C8B-B14F-4D97-AF65-F5344CB8AC3E}">
         <p14:creationId xmlns:p14="http://schemas.microsoft.com/office/powerpoint/2010/main" val="2122464515"/>
+      </p:ext>
+    </p:extLst>
+  </p:cSld>
+  <p:clrMapOvr>
+    <a:masterClrMapping/>
+  </p:clrMapOvr>
+</p:sld>
+</file>
+
+<file path=ppt/slides/slide5.xml><?xml version="1.0" encoding="utf-8"?>
+<p:sld xmlns:a="http://schemas.openxmlformats.org/drawingml/2006/main" xmlns:r="http://schemas.openxmlformats.org/officeDocument/2006/relationships" xmlns:p="http://schemas.openxmlformats.org/presentationml/2006/main">
+  <p:cSld>
+    <p:spTree>
+      <p:nvGrpSpPr>
+        <p:cNvPr id="1" name=""/>
+        <p:cNvGrpSpPr/>
+        <p:nvPr/>
+      </p:nvGrpSpPr>
+      <p:grpSpPr>
+        <a:xfrm>
+          <a:off x="0" y="0"/>
+          <a:ext cx="0" cy="0"/>
+          <a:chOff x="0" y="0"/>
+          <a:chExt cx="0" cy="0"/>
+        </a:xfrm>
+      </p:grpSpPr>
+      <p:sp>
+        <p:nvSpPr>
+          <p:cNvPr id="2" name="タイトル 1"/>
+          <p:cNvSpPr>
+            <a:spLocks noGrp="1"/>
+          </p:cNvSpPr>
+          <p:nvPr>
+            <p:ph type="title"/>
+          </p:nvPr>
+        </p:nvSpPr>
+        <p:spPr/>
+        <p:txBody>
+          <a:bodyPr/>
+          <a:lstStyle/>
+          <a:p>
+            <a:r>
+              <a:rPr lang="en-US" altLang="ja-JP" dirty="0" err="1"/>
+              <a:t>m</a:t>
+            </a:r>
+            <a:r>
+              <a:rPr kumimoji="1" lang="en-US" altLang="ja-JP" dirty="0" err="1"/>
+              <a:t>nist</a:t>
+            </a:r>
+            <a:r>
+              <a:rPr kumimoji="1" lang="ja-JP" altLang="en-US" dirty="0"/>
+              <a:t>のネットワーク</a:t>
+            </a:r>
+          </a:p>
+        </p:txBody>
+      </p:sp>
+      <p:pic>
+        <p:nvPicPr>
+          <p:cNvPr id="3" name="図 2"/>
+          <p:cNvPicPr>
+            <a:picLocks noChangeAspect="1"/>
+          </p:cNvPicPr>
+          <p:nvPr/>
+        </p:nvPicPr>
+        <p:blipFill>
+          <a:blip r:embed="rId2"/>
+          <a:stretch>
+            <a:fillRect/>
+          </a:stretch>
+        </p:blipFill>
+        <p:spPr>
+          <a:xfrm>
+            <a:off x="0" y="1951580"/>
+            <a:ext cx="9144000" cy="809517"/>
+          </a:xfrm>
+          <a:prstGeom prst="rect">
+            <a:avLst/>
+          </a:prstGeom>
+        </p:spPr>
+      </p:pic>
+      <p:sp>
+        <p:nvSpPr>
+          <p:cNvPr id="4" name="テキスト ボックス 3"/>
+          <p:cNvSpPr txBox="1"/>
+          <p:nvPr/>
+        </p:nvSpPr>
+        <p:spPr>
+          <a:xfrm>
+            <a:off x="3694195" y="3218040"/>
+            <a:ext cx="1755609" cy="369332"/>
+          </a:xfrm>
+          <a:prstGeom prst="rect">
+            <a:avLst/>
+          </a:prstGeom>
+          <a:noFill/>
+        </p:spPr>
+        <p:txBody>
+          <a:bodyPr wrap="none" rtlCol="0">
+            <a:spAutoFit/>
+          </a:bodyPr>
+          <a:lstStyle/>
+          <a:p>
+            <a:r>
+              <a:rPr kumimoji="1" lang="ja-JP" altLang="en-US" dirty="0"/>
+              <a:t>↓拡大すると↓</a:t>
+            </a:r>
+          </a:p>
+        </p:txBody>
+      </p:sp>
+      <p:pic>
+        <p:nvPicPr>
+          <p:cNvPr id="5" name="図 4"/>
+          <p:cNvPicPr>
+            <a:picLocks noChangeAspect="1"/>
+          </p:cNvPicPr>
+          <p:nvPr/>
+        </p:nvPicPr>
+        <p:blipFill rotWithShape="1">
+          <a:blip r:embed="rId2"/>
+          <a:srcRect l="14775" r="36860"/>
+          <a:stretch/>
+        </p:blipFill>
+        <p:spPr>
+          <a:xfrm>
+            <a:off x="0" y="3868288"/>
+            <a:ext cx="9144000" cy="1673752"/>
+          </a:xfrm>
+          <a:prstGeom prst="rect">
+            <a:avLst/>
+          </a:prstGeom>
+        </p:spPr>
+      </p:pic>
+      <p:sp>
+        <p:nvSpPr>
+          <p:cNvPr id="6" name="テキスト ボックス 5"/>
+          <p:cNvSpPr txBox="1"/>
+          <p:nvPr/>
+        </p:nvSpPr>
+        <p:spPr>
+          <a:xfrm>
+            <a:off x="219808" y="5638290"/>
+            <a:ext cx="1778051" cy="369332"/>
+          </a:xfrm>
+          <a:prstGeom prst="rect">
+            <a:avLst/>
+          </a:prstGeom>
+          <a:noFill/>
+        </p:spPr>
+        <p:txBody>
+          <a:bodyPr wrap="none" rtlCol="0">
+            <a:spAutoFit/>
+          </a:bodyPr>
+          <a:lstStyle/>
+          <a:p>
+            <a:r>
+              <a:rPr kumimoji="1" lang="ja-JP" altLang="en-US" dirty="0"/>
+              <a:t>↑畳み込み演算</a:t>
+            </a:r>
+          </a:p>
+        </p:txBody>
+      </p:sp>
+      <p:sp>
+        <p:nvSpPr>
+          <p:cNvPr id="7" name="テキスト ボックス 6"/>
+          <p:cNvSpPr txBox="1"/>
+          <p:nvPr/>
+        </p:nvSpPr>
+        <p:spPr>
+          <a:xfrm>
+            <a:off x="4891455" y="5638290"/>
+            <a:ext cx="1778051" cy="369332"/>
+          </a:xfrm>
+          <a:prstGeom prst="rect">
+            <a:avLst/>
+          </a:prstGeom>
+          <a:noFill/>
+        </p:spPr>
+        <p:txBody>
+          <a:bodyPr wrap="none" rtlCol="0">
+            <a:spAutoFit/>
+          </a:bodyPr>
+          <a:lstStyle/>
+          <a:p>
+            <a:r>
+              <a:rPr kumimoji="1" lang="ja-JP" altLang="en-US" dirty="0"/>
+              <a:t>↑畳み込み演算</a:t>
+            </a:r>
+          </a:p>
+        </p:txBody>
+      </p:sp>
+      <p:sp>
+        <p:nvSpPr>
+          <p:cNvPr id="8" name="テキスト ボックス 7"/>
+          <p:cNvSpPr txBox="1"/>
+          <p:nvPr/>
+        </p:nvSpPr>
+        <p:spPr>
+          <a:xfrm>
+            <a:off x="2724111" y="5634904"/>
+            <a:ext cx="1962397" cy="307777"/>
+          </a:xfrm>
+          <a:prstGeom prst="rect">
+            <a:avLst/>
+          </a:prstGeom>
+          <a:noFill/>
+        </p:spPr>
+        <p:txBody>
+          <a:bodyPr wrap="none" rtlCol="0">
+            <a:spAutoFit/>
+          </a:bodyPr>
+          <a:lstStyle/>
+          <a:p>
+            <a:r>
+              <a:rPr kumimoji="1" lang="ja-JP" altLang="en-US" sz="1400" dirty="0"/>
+              <a:t>↑空間プーリング演算</a:t>
+            </a:r>
+          </a:p>
+        </p:txBody>
+      </p:sp>
+      <p:sp>
+        <p:nvSpPr>
+          <p:cNvPr id="9" name="テキスト ボックス 8"/>
+          <p:cNvSpPr txBox="1"/>
+          <p:nvPr/>
+        </p:nvSpPr>
+        <p:spPr>
+          <a:xfrm>
+            <a:off x="7181603" y="5638290"/>
+            <a:ext cx="1962397" cy="307777"/>
+          </a:xfrm>
+          <a:prstGeom prst="rect">
+            <a:avLst/>
+          </a:prstGeom>
+          <a:noFill/>
+        </p:spPr>
+        <p:txBody>
+          <a:bodyPr wrap="none" rtlCol="0">
+            <a:spAutoFit/>
+          </a:bodyPr>
+          <a:lstStyle/>
+          <a:p>
+            <a:r>
+              <a:rPr kumimoji="1" lang="ja-JP" altLang="en-US" sz="1400" dirty="0"/>
+              <a:t>↑空間プーリング演算</a:t>
+            </a:r>
+          </a:p>
+        </p:txBody>
+      </p:sp>
+    </p:spTree>
+    <p:extLst>
+      <p:ext uri="{BB962C8B-B14F-4D97-AF65-F5344CB8AC3E}">
+        <p14:creationId xmlns:p14="http://schemas.microsoft.com/office/powerpoint/2010/main" val="2063188154"/>
       </p:ext>
     </p:extLst>
   </p:cSld>
@@ -7849,14 +9510,1794 @@
         </p:nvSpPr>
         <p:spPr/>
         <p:txBody>
+          <a:bodyPr>
+            <a:normAutofit/>
+          </a:bodyPr>
+          <a:lstStyle/>
+          <a:p>
+            <a:r>
+              <a:rPr lang="ja-JP" altLang="en-US" sz="4000" dirty="0"/>
+              <a:t>コマンドの半角スペースについて</a:t>
+            </a:r>
+            <a:endParaRPr kumimoji="1" lang="ja-JP" altLang="en-US" sz="4000" dirty="0"/>
+          </a:p>
+        </p:txBody>
+      </p:sp>
+      <p:sp>
+        <p:nvSpPr>
+          <p:cNvPr id="3" name="テキスト ボックス 2"/>
+          <p:cNvSpPr txBox="1"/>
+          <p:nvPr/>
+        </p:nvSpPr>
+        <p:spPr>
+          <a:xfrm>
+            <a:off x="1120607" y="1783022"/>
+            <a:ext cx="7802136" cy="369332"/>
+          </a:xfrm>
+          <a:prstGeom prst="rect">
+            <a:avLst/>
+          </a:prstGeom>
+          <a:noFill/>
+        </p:spPr>
+        <p:txBody>
+          <a:bodyPr wrap="none" rtlCol="0">
+            <a:spAutoFit/>
+          </a:bodyPr>
+          <a:lstStyle/>
+          <a:p>
+            <a:r>
+              <a:rPr kumimoji="1" lang="ja-JP" altLang="en-US" dirty="0"/>
+              <a:t>半角スペースをどの様に挟むか理解出来てない方がいたので説明します。</a:t>
+            </a:r>
+          </a:p>
+        </p:txBody>
+      </p:sp>
+      <p:pic>
+        <p:nvPicPr>
+          <p:cNvPr id="1026" name="Picture 2" descr="頭にクエスチョンマークを浮かべた人のイラスト（男性）"/>
+          <p:cNvPicPr>
+            <a:picLocks noChangeAspect="1" noChangeArrowheads="1"/>
+          </p:cNvPicPr>
+          <p:nvPr/>
+        </p:nvPicPr>
+        <p:blipFill>
+          <a:blip r:embed="rId2">
+            <a:extLst>
+              <a:ext uri="{28A0092B-C50C-407E-A947-70E740481C1C}">
+                <a14:useLocalDpi xmlns:a14="http://schemas.microsoft.com/office/drawing/2010/main" val="0"/>
+              </a:ext>
+            </a:extLst>
+          </a:blip>
+          <a:srcRect/>
+          <a:stretch>
+            <a:fillRect/>
+          </a:stretch>
+        </p:blipFill>
+        <p:spPr bwMode="auto">
+          <a:xfrm>
+            <a:off x="407393" y="1466281"/>
+            <a:ext cx="814787" cy="1002814"/>
+          </a:xfrm>
+          <a:prstGeom prst="rect">
+            <a:avLst/>
+          </a:prstGeom>
+          <a:noFill/>
+          <a:extLst>
+            <a:ext uri="{909E8E84-426E-40DD-AFC4-6F175D3DCCD1}">
+              <a14:hiddenFill xmlns:a14="http://schemas.microsoft.com/office/drawing/2010/main">
+                <a:solidFill>
+                  <a:srgbClr val="FFFFFF"/>
+                </a:solidFill>
+              </a14:hiddenFill>
+            </a:ext>
+          </a:extLst>
+        </p:spPr>
+      </p:pic>
+      <p:sp>
+        <p:nvSpPr>
+          <p:cNvPr id="5" name="テキスト ボックス 4"/>
+          <p:cNvSpPr txBox="1"/>
+          <p:nvPr/>
+        </p:nvSpPr>
+        <p:spPr>
+          <a:xfrm>
+            <a:off x="297062" y="2828127"/>
+            <a:ext cx="7366889" cy="369332"/>
+          </a:xfrm>
+          <a:prstGeom prst="rect">
+            <a:avLst/>
+          </a:prstGeom>
+          <a:noFill/>
+        </p:spPr>
+        <p:txBody>
+          <a:bodyPr wrap="none" rtlCol="0">
+            <a:spAutoFit/>
+          </a:bodyPr>
+          <a:lstStyle/>
+          <a:p>
+            <a:r>
+              <a:rPr kumimoji="1" lang="en-US" altLang="ja-JP" dirty="0"/>
+              <a:t>【</a:t>
+            </a:r>
+            <a:r>
+              <a:rPr kumimoji="1" lang="ja-JP" altLang="en-US" dirty="0"/>
+              <a:t>例</a:t>
+            </a:r>
+            <a:r>
+              <a:rPr kumimoji="1" lang="en-US" altLang="ja-JP" dirty="0"/>
+              <a:t>】</a:t>
+            </a:r>
+            <a:r>
+              <a:rPr kumimoji="1" lang="ja-JP" altLang="en-US" dirty="0"/>
+              <a:t> </a:t>
+            </a:r>
+            <a:r>
+              <a:rPr kumimoji="1" lang="en-US" altLang="ja-JP" dirty="0" err="1"/>
+              <a:t>ntp</a:t>
+            </a:r>
+            <a:r>
+              <a:rPr kumimoji="1" lang="ja-JP" altLang="en-US" dirty="0"/>
+              <a:t>と</a:t>
+            </a:r>
+            <a:r>
+              <a:rPr kumimoji="1" lang="en-US" altLang="ja-JP" dirty="0" err="1"/>
+              <a:t>ntp</a:t>
+            </a:r>
+            <a:r>
+              <a:rPr kumimoji="1" lang="en-US" altLang="ja-JP" dirty="0"/>
+              <a:t>-date</a:t>
+            </a:r>
+            <a:r>
+              <a:rPr kumimoji="1" lang="ja-JP" altLang="en-US" dirty="0"/>
+              <a:t>というソフトウェアをインストールするコマンド</a:t>
+            </a:r>
+          </a:p>
+        </p:txBody>
+      </p:sp>
+      <p:sp>
+        <p:nvSpPr>
+          <p:cNvPr id="4" name="テキスト ボックス 3"/>
+          <p:cNvSpPr txBox="1"/>
+          <p:nvPr/>
+        </p:nvSpPr>
+        <p:spPr>
+          <a:xfrm>
+            <a:off x="518747" y="3200918"/>
+            <a:ext cx="4651131" cy="369332"/>
+          </a:xfrm>
+          <a:prstGeom prst="rect">
+            <a:avLst/>
+          </a:prstGeom>
+        </p:spPr>
+        <p:style>
+          <a:lnRef idx="2">
+            <a:schemeClr val="dk1">
+              <a:shade val="50000"/>
+            </a:schemeClr>
+          </a:lnRef>
+          <a:fillRef idx="1">
+            <a:schemeClr val="dk1"/>
+          </a:fillRef>
+          <a:effectRef idx="0">
+            <a:schemeClr val="dk1"/>
+          </a:effectRef>
+          <a:fontRef idx="minor">
+            <a:schemeClr val="lt1"/>
+          </a:fontRef>
+        </p:style>
+        <p:txBody>
+          <a:bodyPr wrap="square" rtlCol="0">
+            <a:spAutoFit/>
+          </a:bodyPr>
+          <a:lstStyle/>
+          <a:p>
+            <a:r>
+              <a:rPr kumimoji="1" lang="en-US" altLang="ja-JP" dirty="0"/>
+              <a:t>$ apt-get install </a:t>
+            </a:r>
+            <a:r>
+              <a:rPr kumimoji="1" lang="en-US" altLang="ja-JP" dirty="0" err="1"/>
+              <a:t>ntp</a:t>
+            </a:r>
+            <a:r>
+              <a:rPr kumimoji="1" lang="en-US" altLang="ja-JP" dirty="0"/>
+              <a:t> </a:t>
+            </a:r>
+            <a:r>
+              <a:rPr kumimoji="1" lang="en-US" altLang="ja-JP" dirty="0" err="1"/>
+              <a:t>ntp</a:t>
+            </a:r>
+            <a:r>
+              <a:rPr kumimoji="1" lang="en-US" altLang="ja-JP" dirty="0"/>
+              <a:t>-date</a:t>
+            </a:r>
+          </a:p>
+        </p:txBody>
+      </p:sp>
+      <p:sp>
+        <p:nvSpPr>
+          <p:cNvPr id="6" name="テキスト ボックス 5"/>
+          <p:cNvSpPr txBox="1"/>
+          <p:nvPr/>
+        </p:nvSpPr>
+        <p:spPr>
+          <a:xfrm>
+            <a:off x="518746" y="3688566"/>
+            <a:ext cx="8403997" cy="923330"/>
+          </a:xfrm>
+          <a:prstGeom prst="rect">
+            <a:avLst/>
+          </a:prstGeom>
+          <a:noFill/>
+        </p:spPr>
+        <p:txBody>
+          <a:bodyPr wrap="square" rtlCol="0">
+            <a:spAutoFit/>
+          </a:bodyPr>
+          <a:lstStyle/>
+          <a:p>
+            <a:r>
+              <a:rPr kumimoji="1" lang="en-US" altLang="ja-JP" dirty="0"/>
+              <a:t>$ </a:t>
+            </a:r>
+            <a:r>
+              <a:rPr kumimoji="1" lang="ja-JP" altLang="en-US" dirty="0"/>
+              <a:t>コマンド名</a:t>
+            </a:r>
+            <a:r>
+              <a:rPr kumimoji="1" lang="ja-JP" altLang="en-US" dirty="0">
+                <a:solidFill>
+                  <a:srgbClr val="00B0F0"/>
+                </a:solidFill>
+              </a:rPr>
+              <a:t> </a:t>
+            </a:r>
+            <a:r>
+              <a:rPr kumimoji="1" lang="en-US" altLang="ja-JP" dirty="0">
+                <a:solidFill>
+                  <a:srgbClr val="FF0000"/>
+                </a:solidFill>
+              </a:rPr>
+              <a:t>_</a:t>
+            </a:r>
+            <a:r>
+              <a:rPr kumimoji="1" lang="en-US" altLang="ja-JP" dirty="0">
+                <a:solidFill>
+                  <a:srgbClr val="00B0F0"/>
+                </a:solidFill>
+              </a:rPr>
+              <a:t> </a:t>
+            </a:r>
+            <a:r>
+              <a:rPr kumimoji="1" lang="ja-JP" altLang="en-US" dirty="0"/>
+              <a:t>オプション</a:t>
+            </a:r>
+            <a:r>
+              <a:rPr kumimoji="1" lang="en-US" altLang="ja-JP" dirty="0"/>
+              <a:t>1 </a:t>
+            </a:r>
+            <a:r>
+              <a:rPr kumimoji="1" lang="en-US" altLang="ja-JP" dirty="0">
+                <a:solidFill>
+                  <a:srgbClr val="FF0000"/>
+                </a:solidFill>
+              </a:rPr>
+              <a:t>_</a:t>
+            </a:r>
+            <a:r>
+              <a:rPr kumimoji="1" lang="en-US" altLang="ja-JP" dirty="0"/>
+              <a:t> </a:t>
+            </a:r>
+            <a:r>
+              <a:rPr kumimoji="1" lang="ja-JP" altLang="en-US" dirty="0"/>
+              <a:t>オプション</a:t>
+            </a:r>
+            <a:r>
+              <a:rPr kumimoji="1" lang="en-US" altLang="ja-JP" dirty="0"/>
+              <a:t>2</a:t>
+            </a:r>
+          </a:p>
+          <a:p>
+            <a:endParaRPr kumimoji="1" lang="en-US" altLang="ja-JP" dirty="0"/>
+          </a:p>
+          <a:p>
+            <a:r>
+              <a:rPr kumimoji="1" lang="ja-JP" altLang="en-US" dirty="0"/>
+              <a:t>このように「コマンド名」の後の「オプション」は半角スペースで区切ります</a:t>
+            </a:r>
+          </a:p>
+        </p:txBody>
+      </p:sp>
+      <p:sp>
+        <p:nvSpPr>
+          <p:cNvPr id="8" name="テキスト ボックス 7"/>
+          <p:cNvSpPr txBox="1"/>
+          <p:nvPr/>
+        </p:nvSpPr>
+        <p:spPr>
+          <a:xfrm>
+            <a:off x="518746" y="4751261"/>
+            <a:ext cx="4651131" cy="369332"/>
+          </a:xfrm>
+          <a:prstGeom prst="rect">
+            <a:avLst/>
+          </a:prstGeom>
+        </p:spPr>
+        <p:style>
+          <a:lnRef idx="2">
+            <a:schemeClr val="dk1">
+              <a:shade val="50000"/>
+            </a:schemeClr>
+          </a:lnRef>
+          <a:fillRef idx="1">
+            <a:schemeClr val="dk1"/>
+          </a:fillRef>
+          <a:effectRef idx="0">
+            <a:schemeClr val="dk1"/>
+          </a:effectRef>
+          <a:fontRef idx="minor">
+            <a:schemeClr val="lt1"/>
+          </a:fontRef>
+        </p:style>
+        <p:txBody>
+          <a:bodyPr wrap="square" rtlCol="0">
+            <a:spAutoFit/>
+          </a:bodyPr>
+          <a:lstStyle/>
+          <a:p>
+            <a:r>
+              <a:rPr kumimoji="1" lang="en-US" altLang="ja-JP" dirty="0"/>
+              <a:t>$ </a:t>
+            </a:r>
+            <a:r>
+              <a:rPr kumimoji="1" lang="en-US" altLang="ja-JP" dirty="0">
+                <a:solidFill>
+                  <a:srgbClr val="FFFF00"/>
+                </a:solidFill>
+              </a:rPr>
+              <a:t>apt-get</a:t>
+            </a:r>
+            <a:r>
+              <a:rPr kumimoji="1" lang="en-US" altLang="ja-JP" dirty="0"/>
+              <a:t> </a:t>
+            </a:r>
+            <a:r>
+              <a:rPr kumimoji="1" lang="en-US" altLang="ja-JP" dirty="0">
+                <a:solidFill>
+                  <a:srgbClr val="00B0F0"/>
+                </a:solidFill>
+              </a:rPr>
+              <a:t>install </a:t>
+            </a:r>
+            <a:r>
+              <a:rPr kumimoji="1" lang="en-US" altLang="ja-JP" dirty="0" err="1">
+                <a:solidFill>
+                  <a:srgbClr val="00B0F0"/>
+                </a:solidFill>
+              </a:rPr>
+              <a:t>ntp</a:t>
+            </a:r>
+            <a:r>
+              <a:rPr kumimoji="1" lang="en-US" altLang="ja-JP" dirty="0">
+                <a:solidFill>
+                  <a:srgbClr val="00B0F0"/>
+                </a:solidFill>
+              </a:rPr>
+              <a:t> </a:t>
+            </a:r>
+            <a:r>
+              <a:rPr kumimoji="1" lang="en-US" altLang="ja-JP" dirty="0" err="1">
+                <a:solidFill>
+                  <a:srgbClr val="00B0F0"/>
+                </a:solidFill>
+              </a:rPr>
+              <a:t>ntp</a:t>
+            </a:r>
+            <a:r>
+              <a:rPr kumimoji="1" lang="en-US" altLang="ja-JP" dirty="0">
+                <a:solidFill>
+                  <a:srgbClr val="00B0F0"/>
+                </a:solidFill>
+              </a:rPr>
+              <a:t>-date</a:t>
+            </a:r>
+          </a:p>
+        </p:txBody>
+      </p:sp>
+      <p:sp>
+        <p:nvSpPr>
+          <p:cNvPr id="7" name="テキスト ボックス 6"/>
+          <p:cNvSpPr txBox="1"/>
+          <p:nvPr/>
+        </p:nvSpPr>
+        <p:spPr>
+          <a:xfrm>
+            <a:off x="628650" y="5146970"/>
+            <a:ext cx="5928995" cy="923330"/>
+          </a:xfrm>
+          <a:prstGeom prst="rect">
+            <a:avLst/>
+          </a:prstGeom>
+          <a:noFill/>
+        </p:spPr>
+        <p:txBody>
+          <a:bodyPr wrap="none" rtlCol="0">
+            <a:spAutoFit/>
+          </a:bodyPr>
+          <a:lstStyle/>
+          <a:p>
+            <a:r>
+              <a:rPr kumimoji="1" lang="ja-JP" altLang="en-US" dirty="0"/>
+              <a:t>この場合「</a:t>
+            </a:r>
+            <a:r>
+              <a:rPr kumimoji="1" lang="en-US" altLang="ja-JP" dirty="0"/>
+              <a:t>apt-get</a:t>
+            </a:r>
+            <a:r>
+              <a:rPr kumimoji="1" lang="ja-JP" altLang="en-US" dirty="0"/>
+              <a:t>」というコマンドに</a:t>
+            </a:r>
+            <a:endParaRPr kumimoji="1" lang="en-US" altLang="ja-JP" dirty="0"/>
+          </a:p>
+          <a:p>
+            <a:r>
+              <a:rPr kumimoji="1" lang="ja-JP" altLang="en-US" dirty="0"/>
+              <a:t>「</a:t>
+            </a:r>
+            <a:r>
+              <a:rPr kumimoji="1" lang="en-US" altLang="ja-JP" dirty="0"/>
+              <a:t>install</a:t>
+            </a:r>
+            <a:r>
+              <a:rPr kumimoji="1" lang="ja-JP" altLang="en-US" dirty="0"/>
+              <a:t>」インストールというオプション</a:t>
+            </a:r>
+            <a:endParaRPr kumimoji="1" lang="en-US" altLang="ja-JP" dirty="0"/>
+          </a:p>
+          <a:p>
+            <a:r>
+              <a:rPr kumimoji="1" lang="ja-JP" altLang="en-US" dirty="0"/>
+              <a:t>「</a:t>
+            </a:r>
+            <a:r>
+              <a:rPr kumimoji="1" lang="en-US" altLang="ja-JP" dirty="0" err="1"/>
+              <a:t>ntp</a:t>
+            </a:r>
+            <a:r>
+              <a:rPr kumimoji="1" lang="ja-JP" altLang="en-US" dirty="0"/>
+              <a:t>」と「</a:t>
+            </a:r>
+            <a:r>
+              <a:rPr kumimoji="1" lang="en-US" altLang="ja-JP" dirty="0" err="1"/>
+              <a:t>ntp</a:t>
+            </a:r>
+            <a:r>
+              <a:rPr kumimoji="1" lang="en-US" altLang="ja-JP" dirty="0"/>
+              <a:t>-date</a:t>
+            </a:r>
+            <a:r>
+              <a:rPr kumimoji="1" lang="ja-JP" altLang="en-US" dirty="0"/>
+              <a:t>」というオプションが付いています</a:t>
+            </a:r>
+          </a:p>
+        </p:txBody>
+      </p:sp>
+      <p:pic>
+        <p:nvPicPr>
+          <p:cNvPr id="1028" name="Picture 4" descr="手を合わせて謝っている人のイラスト（男性）"/>
+          <p:cNvPicPr>
+            <a:picLocks noChangeAspect="1" noChangeArrowheads="1"/>
+          </p:cNvPicPr>
+          <p:nvPr/>
+        </p:nvPicPr>
+        <p:blipFill>
+          <a:blip r:embed="rId3">
+            <a:extLst>
+              <a:ext uri="{28A0092B-C50C-407E-A947-70E740481C1C}">
+                <a14:useLocalDpi xmlns:a14="http://schemas.microsoft.com/office/drawing/2010/main" val="0"/>
+              </a:ext>
+            </a:extLst>
+          </a:blip>
+          <a:srcRect/>
+          <a:stretch>
+            <a:fillRect/>
+          </a:stretch>
+        </p:blipFill>
+        <p:spPr bwMode="auto">
+          <a:xfrm>
+            <a:off x="7828590" y="5608635"/>
+            <a:ext cx="874345" cy="1177569"/>
+          </a:xfrm>
+          <a:prstGeom prst="rect">
+            <a:avLst/>
+          </a:prstGeom>
+          <a:noFill/>
+          <a:extLst>
+            <a:ext uri="{909E8E84-426E-40DD-AFC4-6F175D3DCCD1}">
+              <a14:hiddenFill xmlns:a14="http://schemas.microsoft.com/office/drawing/2010/main">
+                <a:solidFill>
+                  <a:srgbClr val="FFFFFF"/>
+                </a:solidFill>
+              </a14:hiddenFill>
+            </a:ext>
+          </a:extLst>
+        </p:spPr>
+      </p:pic>
+      <p:sp>
+        <p:nvSpPr>
+          <p:cNvPr id="9" name="テキスト ボックス 8"/>
+          <p:cNvSpPr txBox="1"/>
+          <p:nvPr/>
+        </p:nvSpPr>
+        <p:spPr>
+          <a:xfrm rot="20064126">
+            <a:off x="7101664" y="5354557"/>
+            <a:ext cx="1893467" cy="253916"/>
+          </a:xfrm>
+          <a:prstGeom prst="rect">
+            <a:avLst/>
+          </a:prstGeom>
+          <a:noFill/>
+        </p:spPr>
+        <p:txBody>
+          <a:bodyPr wrap="none" rtlCol="0">
+            <a:spAutoFit/>
+          </a:bodyPr>
+          <a:lstStyle/>
+          <a:p>
+            <a:r>
+              <a:rPr kumimoji="1" lang="ja-JP" altLang="en-US" sz="1050" dirty="0"/>
+              <a:t>お願いだから覚えて欲しい</a:t>
+            </a:r>
+            <a:r>
+              <a:rPr kumimoji="1" lang="en-US" altLang="ja-JP" sz="1050" dirty="0"/>
+              <a:t>…</a:t>
+            </a:r>
+            <a:endParaRPr kumimoji="1" lang="ja-JP" altLang="en-US" sz="1050" dirty="0"/>
+          </a:p>
+        </p:txBody>
+      </p:sp>
+    </p:spTree>
+    <p:extLst>
+      <p:ext uri="{BB962C8B-B14F-4D97-AF65-F5344CB8AC3E}">
+        <p14:creationId xmlns:p14="http://schemas.microsoft.com/office/powerpoint/2010/main" val="4052116303"/>
+      </p:ext>
+    </p:extLst>
+  </p:cSld>
+  <p:clrMapOvr>
+    <a:masterClrMapping/>
+  </p:clrMapOvr>
+</p:sld>
+</file>
+
+<file path=ppt/slides/slide7.xml><?xml version="1.0" encoding="utf-8"?>
+<p:sld xmlns:a="http://schemas.openxmlformats.org/drawingml/2006/main" xmlns:r="http://schemas.openxmlformats.org/officeDocument/2006/relationships" xmlns:p="http://schemas.openxmlformats.org/presentationml/2006/main">
+  <p:cSld>
+    <p:spTree>
+      <p:nvGrpSpPr>
+        <p:cNvPr id="1" name=""/>
+        <p:cNvGrpSpPr/>
+        <p:nvPr/>
+      </p:nvGrpSpPr>
+      <p:grpSpPr>
+        <a:xfrm>
+          <a:off x="0" y="0"/>
+          <a:ext cx="0" cy="0"/>
+          <a:chOff x="0" y="0"/>
+          <a:chExt cx="0" cy="0"/>
+        </a:xfrm>
+      </p:grpSpPr>
+      <p:sp>
+        <p:nvSpPr>
+          <p:cNvPr id="2" name="タイトル 1"/>
+          <p:cNvSpPr>
+            <a:spLocks noGrp="1"/>
+          </p:cNvSpPr>
+          <p:nvPr>
+            <p:ph type="title"/>
+          </p:nvPr>
+        </p:nvSpPr>
+        <p:spPr>
+          <a:xfrm>
+            <a:off x="628649" y="568020"/>
+            <a:ext cx="7886700" cy="675725"/>
+          </a:xfrm>
+        </p:spPr>
+        <p:txBody>
+          <a:bodyPr>
+            <a:normAutofit fontScale="90000"/>
+          </a:bodyPr>
+          <a:lstStyle/>
+          <a:p>
+            <a:r>
+              <a:rPr kumimoji="1" lang="ja-JP" altLang="en-US" dirty="0"/>
+              <a:t>前回の続きから始めるには？</a:t>
+            </a:r>
+          </a:p>
+        </p:txBody>
+      </p:sp>
+      <p:sp>
+        <p:nvSpPr>
+          <p:cNvPr id="3" name="正方形/長方形 2"/>
+          <p:cNvSpPr/>
+          <p:nvPr/>
+        </p:nvSpPr>
+        <p:spPr>
+          <a:xfrm>
+            <a:off x="628651" y="1806820"/>
+            <a:ext cx="1856936" cy="305972"/>
+          </a:xfrm>
+          <a:prstGeom prst="rect">
+            <a:avLst/>
+          </a:prstGeom>
+        </p:spPr>
+        <p:style>
+          <a:lnRef idx="2">
+            <a:schemeClr val="accent6"/>
+          </a:lnRef>
+          <a:fillRef idx="1">
+            <a:schemeClr val="lt1"/>
+          </a:fillRef>
+          <a:effectRef idx="0">
+            <a:schemeClr val="accent6"/>
+          </a:effectRef>
+          <a:fontRef idx="minor">
+            <a:schemeClr val="dk1"/>
+          </a:fontRef>
+        </p:style>
+        <p:txBody>
+          <a:bodyPr rtlCol="0" anchor="ctr"/>
+          <a:lstStyle/>
+          <a:p>
+            <a:r>
+              <a:rPr lang="en-US" altLang="ja-JP" sz="1350" dirty="0"/>
+              <a:t>$ </a:t>
+            </a:r>
+            <a:r>
+              <a:rPr lang="en-US" altLang="ja-JP" sz="1350" dirty="0" err="1"/>
+              <a:t>docker</a:t>
+            </a:r>
+            <a:r>
+              <a:rPr lang="en-US" altLang="ja-JP" sz="1350" dirty="0"/>
+              <a:t> </a:t>
+            </a:r>
+            <a:r>
+              <a:rPr lang="en-US" altLang="ja-JP" sz="1350" dirty="0" err="1"/>
+              <a:t>ps</a:t>
+            </a:r>
+            <a:r>
+              <a:rPr lang="en-US" altLang="ja-JP" sz="1350" dirty="0"/>
+              <a:t> -a</a:t>
+            </a:r>
+            <a:endParaRPr lang="ja-JP" altLang="en-US" sz="1350" dirty="0"/>
+          </a:p>
+        </p:txBody>
+      </p:sp>
+      <p:pic>
+        <p:nvPicPr>
+          <p:cNvPr id="5" name="図 4"/>
+          <p:cNvPicPr>
+            <a:picLocks noChangeAspect="1"/>
+          </p:cNvPicPr>
+          <p:nvPr/>
+        </p:nvPicPr>
+        <p:blipFill>
+          <a:blip r:embed="rId2">
+            <a:extLst>
+              <a:ext uri="{28A0092B-C50C-407E-A947-70E740481C1C}">
+                <a14:useLocalDpi xmlns:a14="http://schemas.microsoft.com/office/drawing/2010/main" val="0"/>
+              </a:ext>
+            </a:extLst>
+          </a:blip>
+          <a:stretch>
+            <a:fillRect/>
+          </a:stretch>
+        </p:blipFill>
+        <p:spPr>
+          <a:xfrm>
+            <a:off x="628650" y="2165546"/>
+            <a:ext cx="3067050" cy="304800"/>
+          </a:xfrm>
+          <a:prstGeom prst="rect">
+            <a:avLst/>
+          </a:prstGeom>
+        </p:spPr>
+      </p:pic>
+      <p:sp>
+        <p:nvSpPr>
+          <p:cNvPr id="8" name="正方形/長方形 7"/>
+          <p:cNvSpPr/>
+          <p:nvPr/>
+        </p:nvSpPr>
+        <p:spPr>
+          <a:xfrm>
+            <a:off x="653740" y="2312485"/>
+            <a:ext cx="866450" cy="141137"/>
+          </a:xfrm>
+          <a:prstGeom prst="rect">
+            <a:avLst/>
+          </a:prstGeom>
+          <a:noFill/>
+          <a:ln>
+            <a:solidFill>
+              <a:srgbClr val="FF0000"/>
+            </a:solidFill>
+          </a:ln>
+        </p:spPr>
+        <p:style>
+          <a:lnRef idx="2">
+            <a:schemeClr val="accent1">
+              <a:shade val="50000"/>
+            </a:schemeClr>
+          </a:lnRef>
+          <a:fillRef idx="1">
+            <a:schemeClr val="accent1"/>
+          </a:fillRef>
+          <a:effectRef idx="0">
+            <a:schemeClr val="accent1"/>
+          </a:effectRef>
+          <a:fontRef idx="minor">
+            <a:schemeClr val="lt1"/>
+          </a:fontRef>
+        </p:style>
+        <p:txBody>
+          <a:bodyPr rtlCol="0" anchor="ctr"/>
+          <a:lstStyle/>
+          <a:p>
+            <a:pPr algn="ctr"/>
+            <a:endParaRPr lang="ja-JP" altLang="en-US" sz="1350"/>
+          </a:p>
+        </p:txBody>
+      </p:sp>
+      <p:sp>
+        <p:nvSpPr>
+          <p:cNvPr id="9" name="正方形/長方形 8"/>
+          <p:cNvSpPr/>
+          <p:nvPr/>
+        </p:nvSpPr>
+        <p:spPr>
+          <a:xfrm>
+            <a:off x="628651" y="2600560"/>
+            <a:ext cx="3421856" cy="305972"/>
+          </a:xfrm>
+          <a:prstGeom prst="rect">
+            <a:avLst/>
+          </a:prstGeom>
+        </p:spPr>
+        <p:style>
+          <a:lnRef idx="2">
+            <a:schemeClr val="accent6"/>
+          </a:lnRef>
+          <a:fillRef idx="1">
+            <a:schemeClr val="lt1"/>
+          </a:fillRef>
+          <a:effectRef idx="0">
+            <a:schemeClr val="accent6"/>
+          </a:effectRef>
+          <a:fontRef idx="minor">
+            <a:schemeClr val="dk1"/>
+          </a:fontRef>
+        </p:style>
+        <p:txBody>
+          <a:bodyPr rtlCol="0" anchor="ctr"/>
+          <a:lstStyle/>
+          <a:p>
+            <a:r>
+              <a:rPr lang="en-US" altLang="ja-JP" sz="1350" dirty="0"/>
+              <a:t>$ </a:t>
+            </a:r>
+            <a:r>
+              <a:rPr lang="en-US" altLang="ja-JP" sz="1350" dirty="0" err="1"/>
+              <a:t>docker</a:t>
+            </a:r>
+            <a:r>
+              <a:rPr lang="en-US" altLang="ja-JP" sz="1350" dirty="0"/>
+              <a:t> start 931de560ee3b</a:t>
+            </a:r>
+            <a:endParaRPr lang="ja-JP" altLang="en-US" sz="1350" dirty="0"/>
+          </a:p>
+        </p:txBody>
+      </p:sp>
+      <p:sp>
+        <p:nvSpPr>
+          <p:cNvPr id="10" name="正方形/長方形 9"/>
+          <p:cNvSpPr/>
+          <p:nvPr/>
+        </p:nvSpPr>
+        <p:spPr>
+          <a:xfrm>
+            <a:off x="628650" y="2958115"/>
+            <a:ext cx="3421856" cy="305972"/>
+          </a:xfrm>
+          <a:prstGeom prst="rect">
+            <a:avLst/>
+          </a:prstGeom>
+        </p:spPr>
+        <p:style>
+          <a:lnRef idx="2">
+            <a:schemeClr val="accent6"/>
+          </a:lnRef>
+          <a:fillRef idx="1">
+            <a:schemeClr val="lt1"/>
+          </a:fillRef>
+          <a:effectRef idx="0">
+            <a:schemeClr val="accent6"/>
+          </a:effectRef>
+          <a:fontRef idx="minor">
+            <a:schemeClr val="dk1"/>
+          </a:fontRef>
+        </p:style>
+        <p:txBody>
+          <a:bodyPr rtlCol="0" anchor="ctr"/>
+          <a:lstStyle/>
+          <a:p>
+            <a:r>
+              <a:rPr lang="en-US" altLang="ja-JP" sz="1350" dirty="0"/>
+              <a:t>$ </a:t>
+            </a:r>
+            <a:r>
+              <a:rPr lang="en-US" altLang="ja-JP" sz="1350" dirty="0" err="1"/>
+              <a:t>docker</a:t>
+            </a:r>
+            <a:r>
+              <a:rPr lang="en-US" altLang="ja-JP" sz="1350" dirty="0"/>
+              <a:t> attach 931de560ee3b</a:t>
+            </a:r>
+            <a:endParaRPr lang="ja-JP" altLang="en-US" sz="1350" dirty="0"/>
+          </a:p>
+        </p:txBody>
+      </p:sp>
+      <p:sp>
+        <p:nvSpPr>
+          <p:cNvPr id="11" name="テキスト ボックス 10"/>
+          <p:cNvSpPr txBox="1"/>
+          <p:nvPr/>
+        </p:nvSpPr>
+        <p:spPr>
+          <a:xfrm>
+            <a:off x="3600450" y="1826059"/>
+            <a:ext cx="5524269" cy="300082"/>
+          </a:xfrm>
+          <a:prstGeom prst="rect">
+            <a:avLst/>
+          </a:prstGeom>
+          <a:noFill/>
+        </p:spPr>
+        <p:txBody>
+          <a:bodyPr wrap="none" rtlCol="0">
+            <a:spAutoFit/>
+          </a:bodyPr>
+          <a:lstStyle/>
+          <a:p>
+            <a:r>
+              <a:rPr lang="en-US" altLang="ja-JP" sz="1350" dirty="0"/>
+              <a:t>Docker</a:t>
+            </a:r>
+            <a:r>
+              <a:rPr lang="ja-JP" altLang="en-US" sz="1350" dirty="0"/>
+              <a:t>コンテナの一覧を表示</a:t>
+            </a:r>
+            <a:r>
+              <a:rPr lang="en-US" altLang="ja-JP" sz="1200" dirty="0"/>
+              <a:t>(-a</a:t>
+            </a:r>
+            <a:r>
+              <a:rPr lang="ja-JP" altLang="en-US" sz="1200" dirty="0"/>
+              <a:t>を付けることで停止中のコンテナも表示</a:t>
+            </a:r>
+            <a:r>
+              <a:rPr lang="en-US" altLang="ja-JP" sz="1200" dirty="0"/>
+              <a:t>)</a:t>
+            </a:r>
+            <a:endParaRPr lang="ja-JP" altLang="en-US" sz="1200" dirty="0"/>
+          </a:p>
+        </p:txBody>
+      </p:sp>
+      <p:sp>
+        <p:nvSpPr>
+          <p:cNvPr id="12" name="テキスト ボックス 11"/>
+          <p:cNvSpPr txBox="1"/>
+          <p:nvPr/>
+        </p:nvSpPr>
+        <p:spPr>
+          <a:xfrm>
+            <a:off x="4176035" y="2615044"/>
+            <a:ext cx="1396536" cy="300082"/>
+          </a:xfrm>
+          <a:prstGeom prst="rect">
+            <a:avLst/>
+          </a:prstGeom>
+          <a:noFill/>
+        </p:spPr>
+        <p:txBody>
+          <a:bodyPr wrap="none" rtlCol="0">
+            <a:spAutoFit/>
+          </a:bodyPr>
+          <a:lstStyle/>
+          <a:p>
+            <a:r>
+              <a:rPr lang="ja-JP" altLang="en-US" sz="1350" dirty="0"/>
+              <a:t>コンテナの起動</a:t>
+            </a:r>
+          </a:p>
+        </p:txBody>
+      </p:sp>
+      <p:sp>
+        <p:nvSpPr>
+          <p:cNvPr id="13" name="テキスト ボックス 12"/>
+          <p:cNvSpPr txBox="1"/>
+          <p:nvPr/>
+        </p:nvSpPr>
+        <p:spPr>
+          <a:xfrm>
+            <a:off x="4176033" y="2972599"/>
+            <a:ext cx="2970685" cy="300082"/>
+          </a:xfrm>
+          <a:prstGeom prst="rect">
+            <a:avLst/>
+          </a:prstGeom>
+          <a:noFill/>
+        </p:spPr>
+        <p:txBody>
+          <a:bodyPr wrap="none" rtlCol="0">
+            <a:spAutoFit/>
+          </a:bodyPr>
+          <a:lstStyle/>
+          <a:p>
+            <a:r>
+              <a:rPr lang="ja-JP" altLang="en-US" sz="1350" dirty="0"/>
+              <a:t>コンテナにログイン</a:t>
+            </a:r>
+            <a:r>
+              <a:rPr lang="en-US" altLang="ja-JP" sz="1350" dirty="0"/>
+              <a:t>(Enter 2</a:t>
+            </a:r>
+            <a:r>
+              <a:rPr lang="ja-JP" altLang="en-US" sz="1350" dirty="0"/>
+              <a:t>回押す</a:t>
+            </a:r>
+            <a:r>
+              <a:rPr lang="en-US" altLang="ja-JP" sz="1350" dirty="0"/>
+              <a:t>)</a:t>
+            </a:r>
+            <a:endParaRPr lang="ja-JP" altLang="en-US" sz="1350" dirty="0"/>
+          </a:p>
+        </p:txBody>
+      </p:sp>
+      <p:sp>
+        <p:nvSpPr>
+          <p:cNvPr id="15" name="正方形/長方形 14"/>
+          <p:cNvSpPr/>
+          <p:nvPr/>
+        </p:nvSpPr>
+        <p:spPr>
+          <a:xfrm>
+            <a:off x="628649" y="3472431"/>
+            <a:ext cx="1709817" cy="305972"/>
+          </a:xfrm>
+          <a:prstGeom prst="rect">
+            <a:avLst/>
+          </a:prstGeom>
+        </p:spPr>
+        <p:style>
+          <a:lnRef idx="2">
+            <a:schemeClr val="accent4"/>
+          </a:lnRef>
+          <a:fillRef idx="1">
+            <a:schemeClr val="lt1"/>
+          </a:fillRef>
+          <a:effectRef idx="0">
+            <a:schemeClr val="accent4"/>
+          </a:effectRef>
+          <a:fontRef idx="minor">
+            <a:schemeClr val="dk1"/>
+          </a:fontRef>
+        </p:style>
+        <p:txBody>
+          <a:bodyPr rtlCol="0" anchor="ctr"/>
+          <a:lstStyle/>
+          <a:p>
+            <a:r>
+              <a:rPr lang="en-US" altLang="ja-JP" sz="1350" dirty="0"/>
+              <a:t>$ cd /</a:t>
+            </a:r>
+            <a:r>
+              <a:rPr lang="en-US" altLang="ja-JP" sz="1350" dirty="0" err="1"/>
+              <a:t>mnt</a:t>
+            </a:r>
+            <a:r>
+              <a:rPr lang="en-US" altLang="ja-JP" sz="1350" dirty="0"/>
+              <a:t>/caffe</a:t>
+            </a:r>
+            <a:endParaRPr lang="ja-JP" altLang="en-US" sz="1350" dirty="0"/>
+          </a:p>
+        </p:txBody>
+      </p:sp>
+      <p:sp>
+        <p:nvSpPr>
+          <p:cNvPr id="16" name="テキスト ボックス 15"/>
+          <p:cNvSpPr txBox="1"/>
+          <p:nvPr/>
+        </p:nvSpPr>
+        <p:spPr>
+          <a:xfrm>
+            <a:off x="2485587" y="3486916"/>
+            <a:ext cx="2691763" cy="300082"/>
+          </a:xfrm>
+          <a:prstGeom prst="rect">
+            <a:avLst/>
+          </a:prstGeom>
+          <a:noFill/>
+        </p:spPr>
+        <p:txBody>
+          <a:bodyPr wrap="none" rtlCol="0">
+            <a:spAutoFit/>
+          </a:bodyPr>
+          <a:lstStyle/>
+          <a:p>
+            <a:r>
+              <a:rPr lang="en-US" altLang="ja-JP" sz="1350" dirty="0"/>
+              <a:t>Caffe</a:t>
+            </a:r>
+            <a:r>
+              <a:rPr lang="ja-JP" altLang="en-US" sz="1350" dirty="0"/>
+              <a:t>のあるディレクトリに移動</a:t>
+            </a:r>
+          </a:p>
+        </p:txBody>
+      </p:sp>
+    </p:spTree>
+    <p:extLst>
+      <p:ext uri="{BB962C8B-B14F-4D97-AF65-F5344CB8AC3E}">
+        <p14:creationId xmlns:p14="http://schemas.microsoft.com/office/powerpoint/2010/main" val="827423509"/>
+      </p:ext>
+    </p:extLst>
+  </p:cSld>
+  <p:clrMapOvr>
+    <a:masterClrMapping/>
+  </p:clrMapOvr>
+</p:sld>
+</file>
+
+<file path=ppt/slides/slide8.xml><?xml version="1.0" encoding="utf-8"?>
+<p:sld xmlns:a="http://schemas.openxmlformats.org/drawingml/2006/main" xmlns:r="http://schemas.openxmlformats.org/officeDocument/2006/relationships" xmlns:p="http://schemas.openxmlformats.org/presentationml/2006/main">
+  <p:cSld>
+    <p:spTree>
+      <p:nvGrpSpPr>
+        <p:cNvPr id="1" name=""/>
+        <p:cNvGrpSpPr/>
+        <p:nvPr/>
+      </p:nvGrpSpPr>
+      <p:grpSpPr>
+        <a:xfrm>
+          <a:off x="0" y="0"/>
+          <a:ext cx="0" cy="0"/>
+          <a:chOff x="0" y="0"/>
+          <a:chExt cx="0" cy="0"/>
+        </a:xfrm>
+      </p:grpSpPr>
+      <p:sp>
+        <p:nvSpPr>
+          <p:cNvPr id="2" name="タイトル 1"/>
+          <p:cNvSpPr>
+            <a:spLocks noGrp="1"/>
+          </p:cNvSpPr>
+          <p:nvPr>
+            <p:ph type="title"/>
+          </p:nvPr>
+        </p:nvSpPr>
+        <p:spPr/>
+        <p:txBody>
           <a:bodyPr/>
           <a:lstStyle/>
           <a:p>
             <a:r>
-              <a:rPr kumimoji="1" lang="ja-JP" altLang="en-US" dirty="0" smtClean="0"/>
-              <a:t>実際に画像分類をやってみる</a:t>
-            </a:r>
-            <a:endParaRPr kumimoji="1" lang="ja-JP" altLang="en-US" dirty="0"/>
+              <a:rPr kumimoji="1" lang="ja-JP" altLang="en-US" dirty="0"/>
+              <a:t>パスの設定</a:t>
+            </a:r>
+          </a:p>
+        </p:txBody>
+      </p:sp>
+      <p:sp>
+        <p:nvSpPr>
+          <p:cNvPr id="3" name="正方形/長方形 2"/>
+          <p:cNvSpPr/>
+          <p:nvPr/>
+        </p:nvSpPr>
+        <p:spPr>
+          <a:xfrm>
+            <a:off x="628650" y="2446947"/>
+            <a:ext cx="5947996" cy="305972"/>
+          </a:xfrm>
+          <a:prstGeom prst="rect">
+            <a:avLst/>
+          </a:prstGeom>
+        </p:spPr>
+        <p:style>
+          <a:lnRef idx="2">
+            <a:schemeClr val="accent4"/>
+          </a:lnRef>
+          <a:fillRef idx="1">
+            <a:schemeClr val="lt1"/>
+          </a:fillRef>
+          <a:effectRef idx="0">
+            <a:schemeClr val="accent4"/>
+          </a:effectRef>
+          <a:fontRef idx="minor">
+            <a:schemeClr val="dk1"/>
+          </a:fontRef>
+        </p:style>
+        <p:txBody>
+          <a:bodyPr rtlCol="0" anchor="ctr"/>
+          <a:lstStyle/>
+          <a:p>
+            <a:r>
+              <a:rPr lang="en-US" altLang="ja-JP" sz="1350" dirty="0"/>
+              <a:t>$ echo </a:t>
+            </a:r>
+            <a:r>
+              <a:rPr lang="en-US" altLang="ja-JP" sz="1350" dirty="0">
+                <a:solidFill>
+                  <a:srgbClr val="00B0F0"/>
+                </a:solidFill>
+              </a:rPr>
+              <a:t>'</a:t>
+            </a:r>
+            <a:r>
+              <a:rPr lang="en-US" altLang="ja-JP" sz="1350" dirty="0"/>
+              <a:t>export PYTHONPATH=</a:t>
+            </a:r>
+            <a:r>
+              <a:rPr lang="en-US" altLang="ja-JP" sz="1350" dirty="0">
+                <a:solidFill>
+                  <a:srgbClr val="FF0000"/>
+                </a:solidFill>
+              </a:rPr>
+              <a:t>"</a:t>
+            </a:r>
+            <a:r>
+              <a:rPr lang="en-US" altLang="ja-JP" sz="1350" dirty="0"/>
+              <a:t>${PYTHONPATH}:/</a:t>
+            </a:r>
+            <a:r>
+              <a:rPr lang="en-US" altLang="ja-JP" sz="1350" dirty="0" err="1"/>
+              <a:t>mnt</a:t>
+            </a:r>
+            <a:r>
+              <a:rPr lang="en-US" altLang="ja-JP" sz="1350" dirty="0"/>
+              <a:t>/caffe/python</a:t>
+            </a:r>
+            <a:r>
+              <a:rPr lang="en-US" altLang="ja-JP" sz="1350" dirty="0">
+                <a:solidFill>
+                  <a:srgbClr val="FF0000"/>
+                </a:solidFill>
+              </a:rPr>
+              <a:t>"</a:t>
+            </a:r>
+            <a:r>
+              <a:rPr lang="en-US" altLang="ja-JP" sz="1350" dirty="0">
+                <a:solidFill>
+                  <a:srgbClr val="00B0F0"/>
+                </a:solidFill>
+              </a:rPr>
+              <a:t>'</a:t>
+            </a:r>
+            <a:r>
+              <a:rPr lang="en-US" altLang="ja-JP" sz="1350" dirty="0"/>
+              <a:t> &gt;&gt; ~/.</a:t>
+            </a:r>
+            <a:r>
+              <a:rPr lang="en-US" altLang="ja-JP" sz="1350" dirty="0" err="1"/>
+              <a:t>bashrc</a:t>
+            </a:r>
+            <a:endParaRPr lang="ja-JP" altLang="en-US" sz="1350" dirty="0"/>
+          </a:p>
+        </p:txBody>
+      </p:sp>
+      <p:sp>
+        <p:nvSpPr>
+          <p:cNvPr id="4" name="テキスト ボックス 3"/>
+          <p:cNvSpPr txBox="1"/>
+          <p:nvPr/>
+        </p:nvSpPr>
+        <p:spPr>
+          <a:xfrm>
+            <a:off x="715741" y="2756888"/>
+            <a:ext cx="3021981" cy="276999"/>
+          </a:xfrm>
+          <a:prstGeom prst="rect">
+            <a:avLst/>
+          </a:prstGeom>
+          <a:noFill/>
+        </p:spPr>
+        <p:txBody>
+          <a:bodyPr wrap="none" rtlCol="0">
+            <a:spAutoFit/>
+          </a:bodyPr>
+          <a:lstStyle/>
+          <a:p>
+            <a:r>
+              <a:rPr kumimoji="1" lang="ja-JP" altLang="en-US" sz="1200" dirty="0"/>
+              <a:t>記号に注意！　特に「</a:t>
+            </a:r>
+            <a:r>
+              <a:rPr kumimoji="1" lang="en-US" altLang="ja-JP" sz="1200" dirty="0"/>
+              <a:t>’</a:t>
+            </a:r>
+            <a:r>
+              <a:rPr kumimoji="1" lang="ja-JP" altLang="en-US" sz="1200" dirty="0"/>
+              <a:t>」「</a:t>
+            </a:r>
+            <a:r>
+              <a:rPr kumimoji="1" lang="en-US" altLang="ja-JP" sz="1200" dirty="0"/>
+              <a:t>”</a:t>
+            </a:r>
+            <a:r>
+              <a:rPr kumimoji="1" lang="ja-JP" altLang="en-US" sz="1200" dirty="0"/>
+              <a:t>」「</a:t>
+            </a:r>
+            <a:r>
+              <a:rPr kumimoji="1" lang="en-US" altLang="ja-JP" sz="1200" dirty="0"/>
+              <a:t>:</a:t>
+            </a:r>
+            <a:r>
+              <a:rPr kumimoji="1" lang="ja-JP" altLang="en-US" sz="1200" dirty="0"/>
+              <a:t>」「</a:t>
+            </a:r>
+            <a:r>
+              <a:rPr kumimoji="1" lang="en-US" altLang="ja-JP" sz="1200" dirty="0"/>
+              <a:t>~</a:t>
+            </a:r>
+            <a:r>
+              <a:rPr kumimoji="1" lang="ja-JP" altLang="en-US" sz="1200" dirty="0"/>
+              <a:t>」</a:t>
+            </a:r>
+          </a:p>
+        </p:txBody>
+      </p:sp>
+      <p:sp>
+        <p:nvSpPr>
+          <p:cNvPr id="5" name="テキスト ボックス 4"/>
+          <p:cNvSpPr txBox="1"/>
+          <p:nvPr/>
+        </p:nvSpPr>
+        <p:spPr>
+          <a:xfrm>
+            <a:off x="6583240" y="2461433"/>
+            <a:ext cx="2480166" cy="276999"/>
+          </a:xfrm>
+          <a:prstGeom prst="rect">
+            <a:avLst/>
+          </a:prstGeom>
+          <a:noFill/>
+        </p:spPr>
+        <p:txBody>
+          <a:bodyPr wrap="none" rtlCol="0">
+            <a:spAutoFit/>
+          </a:bodyPr>
+          <a:lstStyle/>
+          <a:p>
+            <a:r>
+              <a:rPr lang="ja-JP" altLang="en-US" sz="1200" dirty="0"/>
+              <a:t>パスを</a:t>
+            </a:r>
+            <a:r>
+              <a:rPr lang="en-US" altLang="ja-JP" sz="1200" dirty="0"/>
+              <a:t>bash</a:t>
+            </a:r>
+            <a:r>
+              <a:rPr lang="ja-JP" altLang="en-US" sz="1200" dirty="0"/>
+              <a:t>の設定ファイルに追記</a:t>
+            </a:r>
+          </a:p>
+        </p:txBody>
+      </p:sp>
+      <p:sp>
+        <p:nvSpPr>
+          <p:cNvPr id="6" name="正方形/長方形 5"/>
+          <p:cNvSpPr/>
+          <p:nvPr/>
+        </p:nvSpPr>
+        <p:spPr>
+          <a:xfrm>
+            <a:off x="628650" y="3213085"/>
+            <a:ext cx="1841992" cy="305972"/>
+          </a:xfrm>
+          <a:prstGeom prst="rect">
+            <a:avLst/>
+          </a:prstGeom>
+        </p:spPr>
+        <p:style>
+          <a:lnRef idx="2">
+            <a:schemeClr val="accent4"/>
+          </a:lnRef>
+          <a:fillRef idx="1">
+            <a:schemeClr val="lt1"/>
+          </a:fillRef>
+          <a:effectRef idx="0">
+            <a:schemeClr val="accent4"/>
+          </a:effectRef>
+          <a:fontRef idx="minor">
+            <a:schemeClr val="dk1"/>
+          </a:fontRef>
+        </p:style>
+        <p:txBody>
+          <a:bodyPr rtlCol="0" anchor="ctr"/>
+          <a:lstStyle/>
+          <a:p>
+            <a:r>
+              <a:rPr lang="en-US" altLang="ja-JP" sz="1350" dirty="0"/>
+              <a:t>$ source ~/.</a:t>
+            </a:r>
+            <a:r>
+              <a:rPr lang="en-US" altLang="ja-JP" sz="1350" dirty="0" err="1"/>
+              <a:t>bashrc</a:t>
+            </a:r>
+            <a:endParaRPr lang="ja-JP" altLang="en-US" sz="1350" dirty="0"/>
+          </a:p>
+        </p:txBody>
+      </p:sp>
+      <p:sp>
+        <p:nvSpPr>
+          <p:cNvPr id="7" name="テキスト ボックス 6"/>
+          <p:cNvSpPr txBox="1"/>
+          <p:nvPr/>
+        </p:nvSpPr>
+        <p:spPr>
+          <a:xfrm>
+            <a:off x="2501352" y="3227571"/>
+            <a:ext cx="3865161" cy="276999"/>
+          </a:xfrm>
+          <a:prstGeom prst="rect">
+            <a:avLst/>
+          </a:prstGeom>
+          <a:noFill/>
+        </p:spPr>
+        <p:txBody>
+          <a:bodyPr wrap="none" rtlCol="0">
+            <a:spAutoFit/>
+          </a:bodyPr>
+          <a:lstStyle/>
+          <a:p>
+            <a:r>
+              <a:rPr lang="ja-JP" altLang="en-US" sz="1200" dirty="0"/>
+              <a:t>パスを追記した</a:t>
+            </a:r>
+            <a:r>
+              <a:rPr lang="en-US" altLang="ja-JP" sz="1200" dirty="0"/>
+              <a:t>bash</a:t>
+            </a:r>
+            <a:r>
+              <a:rPr lang="ja-JP" altLang="en-US" sz="1200" dirty="0"/>
+              <a:t>の設定ファイルを読み込みし直す</a:t>
+            </a:r>
+          </a:p>
+        </p:txBody>
+      </p:sp>
+    </p:spTree>
+    <p:extLst>
+      <p:ext uri="{BB962C8B-B14F-4D97-AF65-F5344CB8AC3E}">
+        <p14:creationId xmlns:p14="http://schemas.microsoft.com/office/powerpoint/2010/main" val="1523114216"/>
+      </p:ext>
+    </p:extLst>
+  </p:cSld>
+  <p:clrMapOvr>
+    <a:masterClrMapping/>
+  </p:clrMapOvr>
+</p:sld>
+</file>
+
+<file path=ppt/slides/slide9.xml><?xml version="1.0" encoding="utf-8"?>
+<p:sld xmlns:a="http://schemas.openxmlformats.org/drawingml/2006/main" xmlns:r="http://schemas.openxmlformats.org/officeDocument/2006/relationships" xmlns:p="http://schemas.openxmlformats.org/presentationml/2006/main">
+  <p:cSld>
+    <p:spTree>
+      <p:nvGrpSpPr>
+        <p:cNvPr id="1" name=""/>
+        <p:cNvGrpSpPr/>
+        <p:nvPr/>
+      </p:nvGrpSpPr>
+      <p:grpSpPr>
+        <a:xfrm>
+          <a:off x="0" y="0"/>
+          <a:ext cx="0" cy="0"/>
+          <a:chOff x="0" y="0"/>
+          <a:chExt cx="0" cy="0"/>
+        </a:xfrm>
+      </p:grpSpPr>
+      <p:sp>
+        <p:nvSpPr>
+          <p:cNvPr id="2" name="タイトル 1"/>
+          <p:cNvSpPr>
+            <a:spLocks noGrp="1"/>
+          </p:cNvSpPr>
+          <p:nvPr>
+            <p:ph type="title"/>
+          </p:nvPr>
+        </p:nvSpPr>
+        <p:spPr/>
+        <p:txBody>
+          <a:bodyPr>
+            <a:normAutofit/>
+          </a:bodyPr>
+          <a:lstStyle/>
+          <a:p>
+            <a:r>
+              <a:rPr kumimoji="1" lang="ja-JP" altLang="en-US" sz="4000" dirty="0"/>
+              <a:t>学習した内容を見てみる</a:t>
+            </a:r>
+            <a:r>
+              <a:rPr kumimoji="1" lang="en-US" altLang="ja-JP" sz="4000" dirty="0"/>
+              <a:t>(</a:t>
+            </a:r>
+            <a:r>
+              <a:rPr kumimoji="1" lang="ja-JP" altLang="en-US" sz="4000" dirty="0"/>
+              <a:t>可視化</a:t>
+            </a:r>
+            <a:r>
+              <a:rPr kumimoji="1" lang="en-US" altLang="ja-JP" sz="4000" dirty="0"/>
+              <a:t>)</a:t>
+            </a:r>
+            <a:endParaRPr kumimoji="1" lang="ja-JP" altLang="en-US" sz="4000" dirty="0"/>
+          </a:p>
+        </p:txBody>
+      </p:sp>
+      <p:sp>
+        <p:nvSpPr>
+          <p:cNvPr id="3" name="正方形/長方形 2"/>
+          <p:cNvSpPr/>
+          <p:nvPr/>
+        </p:nvSpPr>
+        <p:spPr>
+          <a:xfrm>
+            <a:off x="628649" y="2170384"/>
+            <a:ext cx="2272813" cy="305972"/>
+          </a:xfrm>
+          <a:prstGeom prst="rect">
+            <a:avLst/>
+          </a:prstGeom>
+        </p:spPr>
+        <p:style>
+          <a:lnRef idx="2">
+            <a:schemeClr val="accent4"/>
+          </a:lnRef>
+          <a:fillRef idx="1">
+            <a:schemeClr val="lt1"/>
+          </a:fillRef>
+          <a:effectRef idx="0">
+            <a:schemeClr val="accent4"/>
+          </a:effectRef>
+          <a:fontRef idx="minor">
+            <a:schemeClr val="dk1"/>
+          </a:fontRef>
+        </p:style>
+        <p:txBody>
+          <a:bodyPr rtlCol="0" anchor="ctr"/>
+          <a:lstStyle/>
+          <a:p>
+            <a:r>
+              <a:rPr lang="en-US" altLang="ja-JP" sz="1350" dirty="0"/>
+              <a:t>$ apt-get install </a:t>
+            </a:r>
+            <a:r>
+              <a:rPr lang="en-US" altLang="ja-JP" sz="1350" dirty="0" err="1"/>
+              <a:t>wget</a:t>
+            </a:r>
+            <a:r>
+              <a:rPr lang="en-US" altLang="ja-JP" sz="1350" dirty="0"/>
+              <a:t> unzip</a:t>
+            </a:r>
+            <a:endParaRPr lang="ja-JP" altLang="en-US" sz="1350" dirty="0"/>
+          </a:p>
+        </p:txBody>
+      </p:sp>
+      <p:sp>
+        <p:nvSpPr>
+          <p:cNvPr id="5" name="正方形/長方形 4"/>
+          <p:cNvSpPr/>
+          <p:nvPr/>
+        </p:nvSpPr>
+        <p:spPr>
+          <a:xfrm>
+            <a:off x="628649" y="2650079"/>
+            <a:ext cx="6282106" cy="305972"/>
+          </a:xfrm>
+          <a:prstGeom prst="rect">
+            <a:avLst/>
+          </a:prstGeom>
+        </p:spPr>
+        <p:style>
+          <a:lnRef idx="2">
+            <a:schemeClr val="accent4"/>
+          </a:lnRef>
+          <a:fillRef idx="1">
+            <a:schemeClr val="lt1"/>
+          </a:fillRef>
+          <a:effectRef idx="0">
+            <a:schemeClr val="accent4"/>
+          </a:effectRef>
+          <a:fontRef idx="minor">
+            <a:schemeClr val="dk1"/>
+          </a:fontRef>
+        </p:style>
+        <p:txBody>
+          <a:bodyPr rtlCol="0" anchor="ctr"/>
+          <a:lstStyle/>
+          <a:p>
+            <a:r>
+              <a:rPr lang="en-US" altLang="ja-JP" sz="1350" dirty="0"/>
+              <a:t>$ </a:t>
+            </a:r>
+            <a:r>
+              <a:rPr lang="en-US" altLang="ja-JP" sz="1350" dirty="0" err="1"/>
+              <a:t>wget</a:t>
+            </a:r>
+            <a:r>
+              <a:rPr lang="ja-JP" altLang="en-US" sz="1350" dirty="0"/>
+              <a:t> </a:t>
+            </a:r>
+            <a:r>
+              <a:rPr lang="en-US" altLang="ja-JP" sz="1350" dirty="0"/>
+              <a:t>https://github.com/hara-lab-mizofumi/Seminar2016/raw/master/visuallize.zip</a:t>
+            </a:r>
+            <a:endParaRPr lang="ja-JP" altLang="en-US" sz="1350" dirty="0"/>
+          </a:p>
+        </p:txBody>
+      </p:sp>
+      <p:sp>
+        <p:nvSpPr>
+          <p:cNvPr id="8" name="正方形/長方形 7"/>
+          <p:cNvSpPr/>
+          <p:nvPr/>
+        </p:nvSpPr>
+        <p:spPr>
+          <a:xfrm>
+            <a:off x="628648" y="1690689"/>
+            <a:ext cx="1059475" cy="305972"/>
+          </a:xfrm>
+          <a:prstGeom prst="rect">
+            <a:avLst/>
+          </a:prstGeom>
+        </p:spPr>
+        <p:style>
+          <a:lnRef idx="2">
+            <a:schemeClr val="accent4"/>
+          </a:lnRef>
+          <a:fillRef idx="1">
+            <a:schemeClr val="lt1"/>
+          </a:fillRef>
+          <a:effectRef idx="0">
+            <a:schemeClr val="accent4"/>
+          </a:effectRef>
+          <a:fontRef idx="minor">
+            <a:schemeClr val="dk1"/>
+          </a:fontRef>
+        </p:style>
+        <p:txBody>
+          <a:bodyPr rtlCol="0" anchor="ctr"/>
+          <a:lstStyle/>
+          <a:p>
+            <a:r>
+              <a:rPr lang="en-US" altLang="ja-JP" sz="1350" dirty="0"/>
+              <a:t>$ cd /</a:t>
+            </a:r>
+            <a:r>
+              <a:rPr lang="en-US" altLang="ja-JP" sz="1350" dirty="0" err="1"/>
+              <a:t>mnt</a:t>
+            </a:r>
+            <a:endParaRPr lang="ja-JP" altLang="en-US" sz="1350" dirty="0"/>
+          </a:p>
+        </p:txBody>
+      </p:sp>
+      <p:sp>
+        <p:nvSpPr>
+          <p:cNvPr id="9" name="正方形/長方形 8"/>
+          <p:cNvSpPr/>
+          <p:nvPr/>
+        </p:nvSpPr>
+        <p:spPr>
+          <a:xfrm>
+            <a:off x="628648" y="3129774"/>
+            <a:ext cx="2272813" cy="305972"/>
+          </a:xfrm>
+          <a:prstGeom prst="rect">
+            <a:avLst/>
+          </a:prstGeom>
+        </p:spPr>
+        <p:style>
+          <a:lnRef idx="2">
+            <a:schemeClr val="accent4"/>
+          </a:lnRef>
+          <a:fillRef idx="1">
+            <a:schemeClr val="lt1"/>
+          </a:fillRef>
+          <a:effectRef idx="0">
+            <a:schemeClr val="accent4"/>
+          </a:effectRef>
+          <a:fontRef idx="minor">
+            <a:schemeClr val="dk1"/>
+          </a:fontRef>
+        </p:style>
+        <p:txBody>
+          <a:bodyPr rtlCol="0" anchor="ctr"/>
+          <a:lstStyle/>
+          <a:p>
+            <a:r>
+              <a:rPr lang="en-US" altLang="ja-JP" sz="1350" dirty="0"/>
+              <a:t>$ unzip visuallize.zip</a:t>
+            </a:r>
+            <a:endParaRPr lang="ja-JP" altLang="en-US" sz="1350" dirty="0"/>
+          </a:p>
+        </p:txBody>
+      </p:sp>
+      <p:sp>
+        <p:nvSpPr>
+          <p:cNvPr id="10" name="テキスト ボックス 9"/>
+          <p:cNvSpPr txBox="1"/>
+          <p:nvPr/>
+        </p:nvSpPr>
+        <p:spPr>
+          <a:xfrm>
+            <a:off x="1809865" y="1693838"/>
+            <a:ext cx="3307316" cy="300082"/>
+          </a:xfrm>
+          <a:prstGeom prst="rect">
+            <a:avLst/>
+          </a:prstGeom>
+          <a:noFill/>
+        </p:spPr>
+        <p:txBody>
+          <a:bodyPr wrap="none" rtlCol="0">
+            <a:spAutoFit/>
+          </a:bodyPr>
+          <a:lstStyle/>
+          <a:p>
+            <a:r>
+              <a:rPr lang="ja-JP" altLang="en-US" sz="1350" dirty="0"/>
+              <a:t>今回は「</a:t>
+            </a:r>
+            <a:r>
+              <a:rPr lang="en-US" altLang="ja-JP" sz="1350" dirty="0"/>
+              <a:t>/</a:t>
+            </a:r>
+            <a:r>
+              <a:rPr lang="en-US" altLang="ja-JP" sz="1350" dirty="0" err="1"/>
+              <a:t>mnt</a:t>
+            </a:r>
+            <a:r>
+              <a:rPr lang="ja-JP" altLang="en-US" sz="1350" dirty="0"/>
+              <a:t>」で作業するので移動する</a:t>
+            </a:r>
+            <a:endParaRPr lang="ja-JP" altLang="en-US" sz="1200" dirty="0"/>
+          </a:p>
+        </p:txBody>
+      </p:sp>
+      <p:sp>
+        <p:nvSpPr>
+          <p:cNvPr id="11" name="テキスト ボックス 10"/>
+          <p:cNvSpPr txBox="1"/>
+          <p:nvPr/>
+        </p:nvSpPr>
+        <p:spPr>
+          <a:xfrm>
+            <a:off x="2918342" y="2167643"/>
+            <a:ext cx="4185761" cy="276999"/>
+          </a:xfrm>
+          <a:prstGeom prst="rect">
+            <a:avLst/>
+          </a:prstGeom>
+          <a:noFill/>
+        </p:spPr>
+        <p:txBody>
+          <a:bodyPr wrap="none" rtlCol="0">
+            <a:spAutoFit/>
+          </a:bodyPr>
+          <a:lstStyle/>
+          <a:p>
+            <a:r>
+              <a:rPr lang="ja-JP" altLang="en-US" sz="1200" dirty="0"/>
+              <a:t>ダウンロードと解凍に必要なソフトウェアをインストール</a:t>
+            </a:r>
+          </a:p>
+        </p:txBody>
+      </p:sp>
+      <p:sp>
+        <p:nvSpPr>
+          <p:cNvPr id="12" name="テキスト ボックス 11"/>
+          <p:cNvSpPr txBox="1"/>
+          <p:nvPr/>
+        </p:nvSpPr>
+        <p:spPr>
+          <a:xfrm>
+            <a:off x="6910755" y="2691074"/>
+            <a:ext cx="1723549" cy="276999"/>
+          </a:xfrm>
+          <a:prstGeom prst="rect">
+            <a:avLst/>
+          </a:prstGeom>
+          <a:noFill/>
+        </p:spPr>
+        <p:txBody>
+          <a:bodyPr wrap="none" rtlCol="0">
+            <a:spAutoFit/>
+          </a:bodyPr>
+          <a:lstStyle/>
+          <a:p>
+            <a:r>
+              <a:rPr lang="ja-JP" altLang="en-US" sz="1200" dirty="0"/>
+              <a:t>ツールのダウンロード</a:t>
+            </a:r>
+          </a:p>
+        </p:txBody>
+      </p:sp>
+      <p:sp>
+        <p:nvSpPr>
+          <p:cNvPr id="13" name="テキスト ボックス 12"/>
+          <p:cNvSpPr txBox="1"/>
+          <p:nvPr/>
+        </p:nvSpPr>
+        <p:spPr>
+          <a:xfrm>
+            <a:off x="2901461" y="3178276"/>
+            <a:ext cx="1107996" cy="276999"/>
+          </a:xfrm>
+          <a:prstGeom prst="rect">
+            <a:avLst/>
+          </a:prstGeom>
+          <a:noFill/>
+        </p:spPr>
+        <p:txBody>
+          <a:bodyPr wrap="none" rtlCol="0">
+            <a:spAutoFit/>
+          </a:bodyPr>
+          <a:lstStyle/>
+          <a:p>
+            <a:r>
+              <a:rPr lang="ja-JP" altLang="en-US" sz="1200" dirty="0"/>
+              <a:t>ツールの解凍</a:t>
+            </a:r>
+          </a:p>
+        </p:txBody>
+      </p:sp>
+      <p:sp>
+        <p:nvSpPr>
+          <p:cNvPr id="14" name="正方形/長方形 13"/>
+          <p:cNvSpPr/>
+          <p:nvPr/>
+        </p:nvSpPr>
+        <p:spPr>
+          <a:xfrm>
+            <a:off x="628647" y="3609469"/>
+            <a:ext cx="2272813" cy="305972"/>
+          </a:xfrm>
+          <a:prstGeom prst="rect">
+            <a:avLst/>
+          </a:prstGeom>
+        </p:spPr>
+        <p:style>
+          <a:lnRef idx="2">
+            <a:schemeClr val="accent4"/>
+          </a:lnRef>
+          <a:fillRef idx="1">
+            <a:schemeClr val="lt1"/>
+          </a:fillRef>
+          <a:effectRef idx="0">
+            <a:schemeClr val="accent4"/>
+          </a:effectRef>
+          <a:fontRef idx="minor">
+            <a:schemeClr val="dk1"/>
+          </a:fontRef>
+        </p:style>
+        <p:txBody>
+          <a:bodyPr rtlCol="0" anchor="ctr"/>
+          <a:lstStyle/>
+          <a:p>
+            <a:r>
+              <a:rPr lang="en-US" altLang="ja-JP" sz="1350" dirty="0"/>
+              <a:t>$ cd visuallize</a:t>
+            </a:r>
+            <a:endParaRPr lang="ja-JP" altLang="en-US" sz="1350" dirty="0"/>
           </a:p>
         </p:txBody>
       </p:sp>
